--- a/June_Batch/2CSS/28-06-22/CSS.pptx
+++ b/June_Batch/2CSS/28-06-22/CSS.pptx
@@ -9,34 +9,47 @@
     <p:sldId id="258" r:id="rId3"/>
     <p:sldId id="359" r:id="rId4"/>
     <p:sldId id="369" r:id="rId5"/>
-    <p:sldId id="373" r:id="rId6"/>
-    <p:sldId id="374" r:id="rId7"/>
-    <p:sldId id="375" r:id="rId8"/>
-    <p:sldId id="399" r:id="rId9"/>
-    <p:sldId id="401" r:id="rId10"/>
-    <p:sldId id="402" r:id="rId11"/>
-    <p:sldId id="403" r:id="rId12"/>
-    <p:sldId id="404" r:id="rId13"/>
-    <p:sldId id="405" r:id="rId14"/>
-    <p:sldId id="406" r:id="rId15"/>
-    <p:sldId id="407" r:id="rId16"/>
-    <p:sldId id="408" r:id="rId17"/>
-    <p:sldId id="409" r:id="rId18"/>
-    <p:sldId id="413" r:id="rId19"/>
-    <p:sldId id="400" r:id="rId20"/>
-    <p:sldId id="370" r:id="rId21"/>
-    <p:sldId id="371" r:id="rId22"/>
-    <p:sldId id="372" r:id="rId23"/>
-    <p:sldId id="410" r:id="rId24"/>
-    <p:sldId id="411" r:id="rId25"/>
-    <p:sldId id="412" r:id="rId26"/>
-    <p:sldId id="414" r:id="rId27"/>
-    <p:sldId id="415" r:id="rId28"/>
-    <p:sldId id="416" r:id="rId29"/>
-    <p:sldId id="417" r:id="rId30"/>
-    <p:sldId id="418" r:id="rId31"/>
-    <p:sldId id="419" r:id="rId32"/>
-    <p:sldId id="420" r:id="rId33"/>
+    <p:sldId id="421" r:id="rId6"/>
+    <p:sldId id="422" r:id="rId7"/>
+    <p:sldId id="432" r:id="rId8"/>
+    <p:sldId id="430" r:id="rId9"/>
+    <p:sldId id="423" r:id="rId10"/>
+    <p:sldId id="424" r:id="rId11"/>
+    <p:sldId id="425" r:id="rId12"/>
+    <p:sldId id="426" r:id="rId13"/>
+    <p:sldId id="427" r:id="rId14"/>
+    <p:sldId id="428" r:id="rId15"/>
+    <p:sldId id="429" r:id="rId16"/>
+    <p:sldId id="433" r:id="rId17"/>
+    <p:sldId id="434" r:id="rId18"/>
+    <p:sldId id="373" r:id="rId19"/>
+    <p:sldId id="374" r:id="rId20"/>
+    <p:sldId id="375" r:id="rId21"/>
+    <p:sldId id="399" r:id="rId22"/>
+    <p:sldId id="401" r:id="rId23"/>
+    <p:sldId id="402" r:id="rId24"/>
+    <p:sldId id="403" r:id="rId25"/>
+    <p:sldId id="404" r:id="rId26"/>
+    <p:sldId id="405" r:id="rId27"/>
+    <p:sldId id="406" r:id="rId28"/>
+    <p:sldId id="407" r:id="rId29"/>
+    <p:sldId id="408" r:id="rId30"/>
+    <p:sldId id="409" r:id="rId31"/>
+    <p:sldId id="413" r:id="rId32"/>
+    <p:sldId id="400" r:id="rId33"/>
+    <p:sldId id="370" r:id="rId34"/>
+    <p:sldId id="371" r:id="rId35"/>
+    <p:sldId id="372" r:id="rId36"/>
+    <p:sldId id="410" r:id="rId37"/>
+    <p:sldId id="411" r:id="rId38"/>
+    <p:sldId id="412" r:id="rId39"/>
+    <p:sldId id="414" r:id="rId40"/>
+    <p:sldId id="415" r:id="rId41"/>
+    <p:sldId id="416" r:id="rId42"/>
+    <p:sldId id="417" r:id="rId43"/>
+    <p:sldId id="418" r:id="rId44"/>
+    <p:sldId id="419" r:id="rId45"/>
+    <p:sldId id="420" r:id="rId46"/>
   </p:sldIdLst>
   <p:sldSz cx="12192000" cy="6858000"/>
   <p:notesSz cx="6858000" cy="9144000"/>
@@ -137,7 +150,7 @@
   </p:defaultTextStyle>
   <p:extLst>
     <p:ext uri="{EFAFB233-063F-42B5-8137-9DF3F51BA10A}">
-      <p15:sldGuideLst xmlns="" xmlns:p15="http://schemas.microsoft.com/office/powerpoint/2012/main">
+      <p15:sldGuideLst xmlns:p15="http://schemas.microsoft.com/office/powerpoint/2012/main" xmlns="">
         <p15:guide id="1" orient="horz" pos="2160">
           <p15:clr>
             <a:srgbClr val="A4A3A4"/>
@@ -286,7 +299,7 @@
             <a:fld id="{7FCC5AE5-E495-4913-B643-A95A6AFABB00}" type="datetimeFigureOut">
               <a:rPr kumimoji="1" lang="ja-JP" altLang="en-US" smtClean="0"/>
               <a:pPr/>
-              <a:t>2022/6/28</a:t>
+              <a:t>2022/6/29</a:t>
             </a:fld>
             <a:endParaRPr kumimoji="1" lang="ja-JP" altLang="en-US"/>
           </a:p>
@@ -338,7 +351,7 @@
     </p:spTree>
     <p:extLst>
       <p:ext uri="{BB962C8B-B14F-4D97-AF65-F5344CB8AC3E}">
-        <p14:creationId xmlns="" xmlns:p14="http://schemas.microsoft.com/office/powerpoint/2010/main" val="3096064434"/>
+        <p14:creationId xmlns:p14="http://schemas.microsoft.com/office/powerpoint/2010/main" xmlns="" val="3096064434"/>
       </p:ext>
     </p:extLst>
   </p:cSld>
@@ -458,7 +471,7 @@
             <a:fld id="{7FCC5AE5-E495-4913-B643-A95A6AFABB00}" type="datetimeFigureOut">
               <a:rPr kumimoji="1" lang="ja-JP" altLang="en-US" smtClean="0"/>
               <a:pPr/>
-              <a:t>2022/6/28</a:t>
+              <a:t>2022/6/29</a:t>
             </a:fld>
             <a:endParaRPr kumimoji="1" lang="ja-JP" altLang="en-US"/>
           </a:p>
@@ -510,7 +523,7 @@
     </p:spTree>
     <p:extLst>
       <p:ext uri="{BB962C8B-B14F-4D97-AF65-F5344CB8AC3E}">
-        <p14:creationId xmlns="" xmlns:p14="http://schemas.microsoft.com/office/powerpoint/2010/main" val="71407721"/>
+        <p14:creationId xmlns:p14="http://schemas.microsoft.com/office/powerpoint/2010/main" xmlns="" val="71407721"/>
       </p:ext>
     </p:extLst>
   </p:cSld>
@@ -640,7 +653,7 @@
             <a:fld id="{7FCC5AE5-E495-4913-B643-A95A6AFABB00}" type="datetimeFigureOut">
               <a:rPr kumimoji="1" lang="ja-JP" altLang="en-US" smtClean="0"/>
               <a:pPr/>
-              <a:t>2022/6/28</a:t>
+              <a:t>2022/6/29</a:t>
             </a:fld>
             <a:endParaRPr kumimoji="1" lang="ja-JP" altLang="en-US"/>
           </a:p>
@@ -692,7 +705,7 @@
     </p:spTree>
     <p:extLst>
       <p:ext uri="{BB962C8B-B14F-4D97-AF65-F5344CB8AC3E}">
-        <p14:creationId xmlns="" xmlns:p14="http://schemas.microsoft.com/office/powerpoint/2010/main" val="3852493858"/>
+        <p14:creationId xmlns:p14="http://schemas.microsoft.com/office/powerpoint/2010/main" xmlns="" val="3852493858"/>
       </p:ext>
     </p:extLst>
   </p:cSld>
@@ -812,7 +825,7 @@
             <a:fld id="{7FCC5AE5-E495-4913-B643-A95A6AFABB00}" type="datetimeFigureOut">
               <a:rPr kumimoji="1" lang="ja-JP" altLang="en-US" smtClean="0"/>
               <a:pPr/>
-              <a:t>2022/6/28</a:t>
+              <a:t>2022/6/29</a:t>
             </a:fld>
             <a:endParaRPr kumimoji="1" lang="ja-JP" altLang="en-US"/>
           </a:p>
@@ -864,7 +877,7 @@
     </p:spTree>
     <p:extLst>
       <p:ext uri="{BB962C8B-B14F-4D97-AF65-F5344CB8AC3E}">
-        <p14:creationId xmlns="" xmlns:p14="http://schemas.microsoft.com/office/powerpoint/2010/main" val="282795843"/>
+        <p14:creationId xmlns:p14="http://schemas.microsoft.com/office/powerpoint/2010/main" xmlns="" val="282795843"/>
       </p:ext>
     </p:extLst>
   </p:cSld>
@@ -1060,7 +1073,7 @@
             <a:fld id="{7FCC5AE5-E495-4913-B643-A95A6AFABB00}" type="datetimeFigureOut">
               <a:rPr kumimoji="1" lang="ja-JP" altLang="en-US" smtClean="0"/>
               <a:pPr/>
-              <a:t>2022/6/28</a:t>
+              <a:t>2022/6/29</a:t>
             </a:fld>
             <a:endParaRPr kumimoji="1" lang="ja-JP" altLang="en-US"/>
           </a:p>
@@ -1112,7 +1125,7 @@
     </p:spTree>
     <p:extLst>
       <p:ext uri="{BB962C8B-B14F-4D97-AF65-F5344CB8AC3E}">
-        <p14:creationId xmlns="" xmlns:p14="http://schemas.microsoft.com/office/powerpoint/2010/main" val="1315004973"/>
+        <p14:creationId xmlns:p14="http://schemas.microsoft.com/office/powerpoint/2010/main" xmlns="" val="1315004973"/>
       </p:ext>
     </p:extLst>
   </p:cSld>
@@ -1294,7 +1307,7 @@
             <a:fld id="{7FCC5AE5-E495-4913-B643-A95A6AFABB00}" type="datetimeFigureOut">
               <a:rPr kumimoji="1" lang="ja-JP" altLang="en-US" smtClean="0"/>
               <a:pPr/>
-              <a:t>2022/6/28</a:t>
+              <a:t>2022/6/29</a:t>
             </a:fld>
             <a:endParaRPr kumimoji="1" lang="ja-JP" altLang="en-US"/>
           </a:p>
@@ -1346,7 +1359,7 @@
     </p:spTree>
     <p:extLst>
       <p:ext uri="{BB962C8B-B14F-4D97-AF65-F5344CB8AC3E}">
-        <p14:creationId xmlns="" xmlns:p14="http://schemas.microsoft.com/office/powerpoint/2010/main" val="3048296005"/>
+        <p14:creationId xmlns:p14="http://schemas.microsoft.com/office/powerpoint/2010/main" xmlns="" val="3048296005"/>
       </p:ext>
     </p:extLst>
   </p:cSld>
@@ -1663,7 +1676,7 @@
             <a:fld id="{7FCC5AE5-E495-4913-B643-A95A6AFABB00}" type="datetimeFigureOut">
               <a:rPr kumimoji="1" lang="ja-JP" altLang="en-US" smtClean="0"/>
               <a:pPr/>
-              <a:t>2022/6/28</a:t>
+              <a:t>2022/6/29</a:t>
             </a:fld>
             <a:endParaRPr kumimoji="1" lang="ja-JP" altLang="en-US"/>
           </a:p>
@@ -1715,7 +1728,7 @@
     </p:spTree>
     <p:extLst>
       <p:ext uri="{BB962C8B-B14F-4D97-AF65-F5344CB8AC3E}">
-        <p14:creationId xmlns="" xmlns:p14="http://schemas.microsoft.com/office/powerpoint/2010/main" val="890299385"/>
+        <p14:creationId xmlns:p14="http://schemas.microsoft.com/office/powerpoint/2010/main" xmlns="" val="890299385"/>
       </p:ext>
     </p:extLst>
   </p:cSld>
@@ -1783,7 +1796,7 @@
             <a:fld id="{7FCC5AE5-E495-4913-B643-A95A6AFABB00}" type="datetimeFigureOut">
               <a:rPr kumimoji="1" lang="ja-JP" altLang="en-US" smtClean="0"/>
               <a:pPr/>
-              <a:t>2022/6/28</a:t>
+              <a:t>2022/6/29</a:t>
             </a:fld>
             <a:endParaRPr kumimoji="1" lang="ja-JP" altLang="en-US"/>
           </a:p>
@@ -1835,7 +1848,7 @@
     </p:spTree>
     <p:extLst>
       <p:ext uri="{BB962C8B-B14F-4D97-AF65-F5344CB8AC3E}">
-        <p14:creationId xmlns="" xmlns:p14="http://schemas.microsoft.com/office/powerpoint/2010/main" val="2049573599"/>
+        <p14:creationId xmlns:p14="http://schemas.microsoft.com/office/powerpoint/2010/main" xmlns="" val="2049573599"/>
       </p:ext>
     </p:extLst>
   </p:cSld>
@@ -1880,7 +1893,7 @@
             <a:fld id="{7FCC5AE5-E495-4913-B643-A95A6AFABB00}" type="datetimeFigureOut">
               <a:rPr kumimoji="1" lang="ja-JP" altLang="en-US" smtClean="0"/>
               <a:pPr/>
-              <a:t>2022/6/28</a:t>
+              <a:t>2022/6/29</a:t>
             </a:fld>
             <a:endParaRPr kumimoji="1" lang="ja-JP" altLang="en-US"/>
           </a:p>
@@ -1932,7 +1945,7 @@
     </p:spTree>
     <p:extLst>
       <p:ext uri="{BB962C8B-B14F-4D97-AF65-F5344CB8AC3E}">
-        <p14:creationId xmlns="" xmlns:p14="http://schemas.microsoft.com/office/powerpoint/2010/main" val="1896888541"/>
+        <p14:creationId xmlns:p14="http://schemas.microsoft.com/office/powerpoint/2010/main" xmlns="" val="1896888541"/>
       </p:ext>
     </p:extLst>
   </p:cSld>
@@ -2159,7 +2172,7 @@
             <a:fld id="{7FCC5AE5-E495-4913-B643-A95A6AFABB00}" type="datetimeFigureOut">
               <a:rPr kumimoji="1" lang="ja-JP" altLang="en-US" smtClean="0"/>
               <a:pPr/>
-              <a:t>2022/6/28</a:t>
+              <a:t>2022/6/29</a:t>
             </a:fld>
             <a:endParaRPr kumimoji="1" lang="ja-JP" altLang="en-US"/>
           </a:p>
@@ -2211,7 +2224,7 @@
     </p:spTree>
     <p:extLst>
       <p:ext uri="{BB962C8B-B14F-4D97-AF65-F5344CB8AC3E}">
-        <p14:creationId xmlns="" xmlns:p14="http://schemas.microsoft.com/office/powerpoint/2010/main" val="1581260034"/>
+        <p14:creationId xmlns:p14="http://schemas.microsoft.com/office/powerpoint/2010/main" xmlns="" val="1581260034"/>
       </p:ext>
     </p:extLst>
   </p:cSld>
@@ -2418,7 +2431,7 @@
             <a:fld id="{7FCC5AE5-E495-4913-B643-A95A6AFABB00}" type="datetimeFigureOut">
               <a:rPr kumimoji="1" lang="ja-JP" altLang="en-US" smtClean="0"/>
               <a:pPr/>
-              <a:t>2022/6/28</a:t>
+              <a:t>2022/6/29</a:t>
             </a:fld>
             <a:endParaRPr kumimoji="1" lang="ja-JP" altLang="en-US"/>
           </a:p>
@@ -2470,7 +2483,7 @@
     </p:spTree>
     <p:extLst>
       <p:ext uri="{BB962C8B-B14F-4D97-AF65-F5344CB8AC3E}">
-        <p14:creationId xmlns="" xmlns:p14="http://schemas.microsoft.com/office/powerpoint/2010/main" val="2397771766"/>
+        <p14:creationId xmlns:p14="http://schemas.microsoft.com/office/powerpoint/2010/main" xmlns="" val="2397771766"/>
       </p:ext>
     </p:extLst>
   </p:cSld>
@@ -2633,7 +2646,7 @@
             <a:fld id="{7FCC5AE5-E495-4913-B643-A95A6AFABB00}" type="datetimeFigureOut">
               <a:rPr kumimoji="1" lang="ja-JP" altLang="en-US" smtClean="0"/>
               <a:pPr/>
-              <a:t>2022/6/28</a:t>
+              <a:t>2022/6/29</a:t>
             </a:fld>
             <a:endParaRPr kumimoji="1" lang="ja-JP" altLang="en-US"/>
           </a:p>
@@ -2723,7 +2736,7 @@
           <p:cNvPr id="7" name="TextBox 6">
             <a:extLst>
               <a:ext uri="{FF2B5EF4-FFF2-40B4-BE49-F238E27FC236}">
-                <a16:creationId xmlns="" xmlns:a16="http://schemas.microsoft.com/office/drawing/2014/main" id="{847969B0-9AAB-4EBF-AF99-17A470D83F03}"/>
+                <a16:creationId xmlns:a16="http://schemas.microsoft.com/office/drawing/2014/main" xmlns="" id="{847969B0-9AAB-4EBF-AF99-17A470D83F03}"/>
               </a:ext>
             </a:extLst>
           </p:cNvPr>
@@ -2770,7 +2783,7 @@
     </p:spTree>
     <p:extLst>
       <p:ext uri="{BB962C8B-B14F-4D97-AF65-F5344CB8AC3E}">
-        <p14:creationId xmlns="" xmlns:p14="http://schemas.microsoft.com/office/powerpoint/2010/main" val="492407304"/>
+        <p14:creationId xmlns:p14="http://schemas.microsoft.com/office/powerpoint/2010/main" xmlns="" val="492407304"/>
       </p:ext>
     </p:extLst>
   </p:cSld>
@@ -3178,7 +3191,7 @@
     </p:spTree>
     <p:extLst>
       <p:ext uri="{BB962C8B-B14F-4D97-AF65-F5344CB8AC3E}">
-        <p14:creationId xmlns="" xmlns:p14="http://schemas.microsoft.com/office/powerpoint/2010/main" val="4062787881"/>
+        <p14:creationId xmlns:p14="http://schemas.microsoft.com/office/powerpoint/2010/main" xmlns="" val="4062787881"/>
       </p:ext>
     </p:extLst>
   </p:cSld>
@@ -3196,6 +3209,3179 @@
 </file>
 
 <file path=ppt/slides/slide10.xml><?xml version="1.0" encoding="utf-8"?>
+<p:sld xmlns:a="http://schemas.openxmlformats.org/drawingml/2006/main" xmlns:r="http://schemas.openxmlformats.org/officeDocument/2006/relationships" xmlns:p="http://schemas.openxmlformats.org/presentationml/2006/main">
+  <p:cSld>
+    <p:spTree>
+      <p:nvGrpSpPr>
+        <p:cNvPr id="1" name=""/>
+        <p:cNvGrpSpPr/>
+        <p:nvPr/>
+      </p:nvGrpSpPr>
+      <p:grpSpPr>
+        <a:xfrm>
+          <a:off x="0" y="0"/>
+          <a:ext cx="0" cy="0"/>
+          <a:chOff x="0" y="0"/>
+          <a:chExt cx="0" cy="0"/>
+        </a:xfrm>
+      </p:grpSpPr>
+      <p:sp>
+        <p:nvSpPr>
+          <p:cNvPr id="2" name="Title 1"/>
+          <p:cNvSpPr>
+            <a:spLocks noGrp="1"/>
+          </p:cNvSpPr>
+          <p:nvPr>
+            <p:ph type="title"/>
+          </p:nvPr>
+        </p:nvSpPr>
+        <p:spPr/>
+        <p:txBody>
+          <a:bodyPr/>
+          <a:lstStyle/>
+          <a:p>
+            <a:r>
+              <a:rPr lang="en-US" dirty="0" smtClean="0"/>
+              <a:t>There are two general kinds of units used for length and size in CSS: absolute and relative.</a:t>
+            </a:r>
+            <a:endParaRPr lang="en-US" dirty="0"/>
+          </a:p>
+        </p:txBody>
+      </p:sp>
+      <p:sp>
+        <p:nvSpPr>
+          <p:cNvPr id="5" name="Content Placeholder 4"/>
+          <p:cNvSpPr>
+            <a:spLocks noGrp="1"/>
+          </p:cNvSpPr>
+          <p:nvPr>
+            <p:ph idx="1"/>
+          </p:nvPr>
+        </p:nvSpPr>
+        <p:spPr/>
+        <p:txBody>
+          <a:bodyPr/>
+          <a:lstStyle/>
+          <a:p>
+            <a:endParaRPr lang="en-US"/>
+          </a:p>
+        </p:txBody>
+      </p:sp>
+      <p:pic>
+        <p:nvPicPr>
+          <p:cNvPr id="4098" name="Picture 2"/>
+          <p:cNvPicPr>
+            <a:picLocks noChangeAspect="1" noChangeArrowheads="1"/>
+          </p:cNvPicPr>
+          <p:nvPr/>
+        </p:nvPicPr>
+        <p:blipFill>
+          <a:blip r:embed="rId2"/>
+          <a:srcRect/>
+          <a:stretch>
+            <a:fillRect/>
+          </a:stretch>
+        </p:blipFill>
+        <p:spPr bwMode="auto">
+          <a:xfrm>
+            <a:off x="891267" y="1924050"/>
+            <a:ext cx="10395041" cy="3706042"/>
+          </a:xfrm>
+          <a:prstGeom prst="rect">
+            <a:avLst/>
+          </a:prstGeom>
+          <a:noFill/>
+          <a:ln w="9525">
+            <a:noFill/>
+            <a:miter lim="800000"/>
+            <a:headEnd/>
+            <a:tailEnd/>
+          </a:ln>
+          <a:effectLst/>
+        </p:spPr>
+      </p:pic>
+    </p:spTree>
+  </p:cSld>
+  <p:clrMapOvr>
+    <a:masterClrMapping/>
+  </p:clrMapOvr>
+</p:sld>
+</file>
+
+<file path=ppt/slides/slide11.xml><?xml version="1.0" encoding="utf-8"?>
+<p:sld xmlns:a="http://schemas.openxmlformats.org/drawingml/2006/main" xmlns:r="http://schemas.openxmlformats.org/officeDocument/2006/relationships" xmlns:p="http://schemas.openxmlformats.org/presentationml/2006/main">
+  <p:cSld>
+    <p:spTree>
+      <p:nvGrpSpPr>
+        <p:cNvPr id="1" name=""/>
+        <p:cNvGrpSpPr/>
+        <p:nvPr/>
+      </p:nvGrpSpPr>
+      <p:grpSpPr>
+        <a:xfrm>
+          <a:off x="0" y="0"/>
+          <a:ext cx="0" cy="0"/>
+          <a:chOff x="0" y="0"/>
+          <a:chExt cx="0" cy="0"/>
+        </a:xfrm>
+      </p:grpSpPr>
+      <p:sp>
+        <p:nvSpPr>
+          <p:cNvPr id="2" name="Title 1"/>
+          <p:cNvSpPr>
+            <a:spLocks noGrp="1"/>
+          </p:cNvSpPr>
+          <p:nvPr>
+            <p:ph type="title"/>
+          </p:nvPr>
+        </p:nvSpPr>
+        <p:spPr/>
+        <p:txBody>
+          <a:bodyPr/>
+          <a:lstStyle/>
+          <a:p>
+            <a:r>
+              <a:rPr lang="en-US" dirty="0" smtClean="0"/>
+              <a:t>Absolute Length Units</a:t>
+            </a:r>
+            <a:endParaRPr lang="en-US" dirty="0"/>
+          </a:p>
+        </p:txBody>
+      </p:sp>
+      <p:pic>
+        <p:nvPicPr>
+          <p:cNvPr id="5122" name="Picture 2"/>
+          <p:cNvPicPr>
+            <a:picLocks noGrp="1" noChangeAspect="1" noChangeArrowheads="1"/>
+          </p:cNvPicPr>
+          <p:nvPr>
+            <p:ph idx="1"/>
+          </p:nvPr>
+        </p:nvPicPr>
+        <p:blipFill>
+          <a:blip r:embed="rId2"/>
+          <a:srcRect/>
+          <a:stretch>
+            <a:fillRect/>
+          </a:stretch>
+        </p:blipFill>
+        <p:spPr bwMode="auto">
+          <a:xfrm>
+            <a:off x="2365624" y="1825625"/>
+            <a:ext cx="7460751" cy="4351338"/>
+          </a:xfrm>
+          <a:prstGeom prst="rect">
+            <a:avLst/>
+          </a:prstGeom>
+          <a:noFill/>
+          <a:ln w="9525">
+            <a:noFill/>
+            <a:miter lim="800000"/>
+            <a:headEnd/>
+            <a:tailEnd/>
+          </a:ln>
+          <a:effectLst/>
+        </p:spPr>
+      </p:pic>
+    </p:spTree>
+  </p:cSld>
+  <p:clrMapOvr>
+    <a:masterClrMapping/>
+  </p:clrMapOvr>
+</p:sld>
+</file>
+
+<file path=ppt/slides/slide12.xml><?xml version="1.0" encoding="utf-8"?>
+<p:sld xmlns:a="http://schemas.openxmlformats.org/drawingml/2006/main" xmlns:r="http://schemas.openxmlformats.org/officeDocument/2006/relationships" xmlns:p="http://schemas.openxmlformats.org/presentationml/2006/main">
+  <p:cSld>
+    <p:spTree>
+      <p:nvGrpSpPr>
+        <p:cNvPr id="1" name=""/>
+        <p:cNvGrpSpPr/>
+        <p:nvPr/>
+      </p:nvGrpSpPr>
+      <p:grpSpPr>
+        <a:xfrm>
+          <a:off x="0" y="0"/>
+          <a:ext cx="0" cy="0"/>
+          <a:chOff x="0" y="0"/>
+          <a:chExt cx="0" cy="0"/>
+        </a:xfrm>
+      </p:grpSpPr>
+      <p:sp>
+        <p:nvSpPr>
+          <p:cNvPr id="2" name="Title 1"/>
+          <p:cNvSpPr>
+            <a:spLocks noGrp="1"/>
+          </p:cNvSpPr>
+          <p:nvPr>
+            <p:ph type="title"/>
+          </p:nvPr>
+        </p:nvSpPr>
+        <p:spPr/>
+        <p:txBody>
+          <a:bodyPr/>
+          <a:lstStyle/>
+          <a:p>
+            <a:r>
+              <a:rPr lang="en-US" dirty="0" smtClean="0"/>
+              <a:t>Relative Length Units</a:t>
+            </a:r>
+            <a:endParaRPr lang="en-US" dirty="0"/>
+          </a:p>
+        </p:txBody>
+      </p:sp>
+      <p:sp>
+        <p:nvSpPr>
+          <p:cNvPr id="4" name="Content Placeholder 3"/>
+          <p:cNvSpPr>
+            <a:spLocks noGrp="1"/>
+          </p:cNvSpPr>
+          <p:nvPr>
+            <p:ph idx="1"/>
+          </p:nvPr>
+        </p:nvSpPr>
+        <p:spPr/>
+        <p:txBody>
+          <a:bodyPr/>
+          <a:lstStyle/>
+          <a:p>
+            <a:endParaRPr lang="en-US"/>
+          </a:p>
+        </p:txBody>
+      </p:sp>
+      <p:pic>
+        <p:nvPicPr>
+          <p:cNvPr id="6146" name="Picture 2"/>
+          <p:cNvPicPr>
+            <a:picLocks noChangeAspect="1" noChangeArrowheads="1"/>
+          </p:cNvPicPr>
+          <p:nvPr/>
+        </p:nvPicPr>
+        <p:blipFill>
+          <a:blip r:embed="rId2"/>
+          <a:srcRect/>
+          <a:stretch>
+            <a:fillRect/>
+          </a:stretch>
+        </p:blipFill>
+        <p:spPr bwMode="auto">
+          <a:xfrm>
+            <a:off x="915353" y="1842135"/>
+            <a:ext cx="10436270" cy="4140654"/>
+          </a:xfrm>
+          <a:prstGeom prst="rect">
+            <a:avLst/>
+          </a:prstGeom>
+          <a:noFill/>
+          <a:ln w="9525">
+            <a:noFill/>
+            <a:miter lim="800000"/>
+            <a:headEnd/>
+            <a:tailEnd/>
+          </a:ln>
+          <a:effectLst/>
+        </p:spPr>
+      </p:pic>
+    </p:spTree>
+  </p:cSld>
+  <p:clrMapOvr>
+    <a:masterClrMapping/>
+  </p:clrMapOvr>
+</p:sld>
+</file>
+
+<file path=ppt/slides/slide13.xml><?xml version="1.0" encoding="utf-8"?>
+<p:sld xmlns:a="http://schemas.openxmlformats.org/drawingml/2006/main" xmlns:r="http://schemas.openxmlformats.org/officeDocument/2006/relationships" xmlns:p="http://schemas.openxmlformats.org/presentationml/2006/main">
+  <p:cSld>
+    <p:spTree>
+      <p:nvGrpSpPr>
+        <p:cNvPr id="1" name=""/>
+        <p:cNvGrpSpPr/>
+        <p:nvPr/>
+      </p:nvGrpSpPr>
+      <p:grpSpPr>
+        <a:xfrm>
+          <a:off x="0" y="0"/>
+          <a:ext cx="0" cy="0"/>
+          <a:chOff x="0" y="0"/>
+          <a:chExt cx="0" cy="0"/>
+        </a:xfrm>
+      </p:grpSpPr>
+      <p:sp>
+        <p:nvSpPr>
+          <p:cNvPr id="2" name="Title 1"/>
+          <p:cNvSpPr>
+            <a:spLocks noGrp="1"/>
+          </p:cNvSpPr>
+          <p:nvPr>
+            <p:ph type="title"/>
+          </p:nvPr>
+        </p:nvSpPr>
+        <p:spPr/>
+        <p:txBody>
+          <a:bodyPr/>
+          <a:lstStyle/>
+          <a:p>
+            <a:r>
+              <a:rPr lang="en-US" dirty="0" smtClean="0"/>
+              <a:t>Relative Length Units</a:t>
+            </a:r>
+            <a:endParaRPr lang="en-US" dirty="0"/>
+          </a:p>
+        </p:txBody>
+      </p:sp>
+      <p:sp>
+        <p:nvSpPr>
+          <p:cNvPr id="4" name="Content Placeholder 3"/>
+          <p:cNvSpPr>
+            <a:spLocks noGrp="1"/>
+          </p:cNvSpPr>
+          <p:nvPr>
+            <p:ph idx="1"/>
+          </p:nvPr>
+        </p:nvSpPr>
+        <p:spPr/>
+        <p:txBody>
+          <a:bodyPr/>
+          <a:lstStyle/>
+          <a:p>
+            <a:endParaRPr lang="en-US"/>
+          </a:p>
+        </p:txBody>
+      </p:sp>
+      <p:pic>
+        <p:nvPicPr>
+          <p:cNvPr id="7170" name="Picture 2"/>
+          <p:cNvPicPr>
+            <a:picLocks noChangeAspect="1" noChangeArrowheads="1"/>
+          </p:cNvPicPr>
+          <p:nvPr/>
+        </p:nvPicPr>
+        <p:blipFill>
+          <a:blip r:embed="rId2"/>
+          <a:srcRect/>
+          <a:stretch>
+            <a:fillRect/>
+          </a:stretch>
+        </p:blipFill>
+        <p:spPr bwMode="auto">
+          <a:xfrm>
+            <a:off x="796563" y="1414599"/>
+            <a:ext cx="10868568" cy="4838700"/>
+          </a:xfrm>
+          <a:prstGeom prst="rect">
+            <a:avLst/>
+          </a:prstGeom>
+          <a:noFill/>
+          <a:ln w="9525">
+            <a:noFill/>
+            <a:miter lim="800000"/>
+            <a:headEnd/>
+            <a:tailEnd/>
+          </a:ln>
+          <a:effectLst/>
+        </p:spPr>
+      </p:pic>
+    </p:spTree>
+  </p:cSld>
+  <p:clrMapOvr>
+    <a:masterClrMapping/>
+  </p:clrMapOvr>
+</p:sld>
+</file>
+
+<file path=ppt/slides/slide14.xml><?xml version="1.0" encoding="utf-8"?>
+<p:sld xmlns:a="http://schemas.openxmlformats.org/drawingml/2006/main" xmlns:r="http://schemas.openxmlformats.org/officeDocument/2006/relationships" xmlns:p="http://schemas.openxmlformats.org/presentationml/2006/main">
+  <p:cSld>
+    <p:spTree>
+      <p:nvGrpSpPr>
+        <p:cNvPr id="1" name=""/>
+        <p:cNvGrpSpPr/>
+        <p:nvPr/>
+      </p:nvGrpSpPr>
+      <p:grpSpPr>
+        <a:xfrm>
+          <a:off x="0" y="0"/>
+          <a:ext cx="0" cy="0"/>
+          <a:chOff x="0" y="0"/>
+          <a:chExt cx="0" cy="0"/>
+        </a:xfrm>
+      </p:grpSpPr>
+      <p:sp>
+        <p:nvSpPr>
+          <p:cNvPr id="2" name="Title 1"/>
+          <p:cNvSpPr>
+            <a:spLocks noGrp="1"/>
+          </p:cNvSpPr>
+          <p:nvPr>
+            <p:ph type="title"/>
+          </p:nvPr>
+        </p:nvSpPr>
+        <p:spPr/>
+        <p:txBody>
+          <a:bodyPr/>
+          <a:lstStyle/>
+          <a:p>
+            <a:r>
+              <a:rPr lang="en-US" dirty="0" smtClean="0"/>
+              <a:t>Other example of absolute Units</a:t>
+            </a:r>
+            <a:endParaRPr lang="en-US" dirty="0"/>
+          </a:p>
+        </p:txBody>
+      </p:sp>
+      <p:pic>
+        <p:nvPicPr>
+          <p:cNvPr id="8194" name="Picture 2"/>
+          <p:cNvPicPr>
+            <a:picLocks noGrp="1" noChangeAspect="1" noChangeArrowheads="1"/>
+          </p:cNvPicPr>
+          <p:nvPr>
+            <p:ph idx="1"/>
+          </p:nvPr>
+        </p:nvPicPr>
+        <p:blipFill>
+          <a:blip r:embed="rId2"/>
+          <a:srcRect/>
+          <a:stretch>
+            <a:fillRect/>
+          </a:stretch>
+        </p:blipFill>
+        <p:spPr bwMode="auto">
+          <a:xfrm>
+            <a:off x="2690949" y="1894114"/>
+            <a:ext cx="6805748" cy="4624252"/>
+          </a:xfrm>
+          <a:prstGeom prst="rect">
+            <a:avLst/>
+          </a:prstGeom>
+          <a:noFill/>
+          <a:ln w="9525">
+            <a:noFill/>
+            <a:miter lim="800000"/>
+            <a:headEnd/>
+            <a:tailEnd/>
+          </a:ln>
+          <a:effectLst/>
+        </p:spPr>
+      </p:pic>
+    </p:spTree>
+  </p:cSld>
+  <p:clrMapOvr>
+    <a:masterClrMapping/>
+  </p:clrMapOvr>
+</p:sld>
+</file>
+
+<file path=ppt/slides/slide15.xml><?xml version="1.0" encoding="utf-8"?>
+<p:sld xmlns:a="http://schemas.openxmlformats.org/drawingml/2006/main" xmlns:r="http://schemas.openxmlformats.org/officeDocument/2006/relationships" xmlns:p="http://schemas.openxmlformats.org/presentationml/2006/main">
+  <p:cSld>
+    <p:spTree>
+      <p:nvGrpSpPr>
+        <p:cNvPr id="1" name=""/>
+        <p:cNvGrpSpPr/>
+        <p:nvPr/>
+      </p:nvGrpSpPr>
+      <p:grpSpPr>
+        <a:xfrm>
+          <a:off x="0" y="0"/>
+          <a:ext cx="0" cy="0"/>
+          <a:chOff x="0" y="0"/>
+          <a:chExt cx="0" cy="0"/>
+        </a:xfrm>
+      </p:grpSpPr>
+      <p:sp>
+        <p:nvSpPr>
+          <p:cNvPr id="2" name="Title 1"/>
+          <p:cNvSpPr>
+            <a:spLocks noGrp="1"/>
+          </p:cNvSpPr>
+          <p:nvPr>
+            <p:ph type="title"/>
+          </p:nvPr>
+        </p:nvSpPr>
+        <p:spPr/>
+        <p:txBody>
+          <a:bodyPr/>
+          <a:lstStyle/>
+          <a:p>
+            <a:r>
+              <a:rPr lang="en-US" dirty="0" smtClean="0"/>
+              <a:t>Other example of relative Units</a:t>
+            </a:r>
+            <a:endParaRPr lang="en-US" dirty="0"/>
+          </a:p>
+        </p:txBody>
+      </p:sp>
+      <p:sp>
+        <p:nvSpPr>
+          <p:cNvPr id="4" name="Content Placeholder 3"/>
+          <p:cNvSpPr>
+            <a:spLocks noGrp="1"/>
+          </p:cNvSpPr>
+          <p:nvPr>
+            <p:ph idx="1"/>
+          </p:nvPr>
+        </p:nvSpPr>
+        <p:spPr/>
+        <p:txBody>
+          <a:bodyPr/>
+          <a:lstStyle/>
+          <a:p>
+            <a:endParaRPr lang="en-US"/>
+          </a:p>
+        </p:txBody>
+      </p:sp>
+      <p:pic>
+        <p:nvPicPr>
+          <p:cNvPr id="9218" name="Picture 2"/>
+          <p:cNvPicPr>
+            <a:picLocks noChangeAspect="1" noChangeArrowheads="1"/>
+          </p:cNvPicPr>
+          <p:nvPr/>
+        </p:nvPicPr>
+        <p:blipFill>
+          <a:blip r:embed="rId2"/>
+          <a:srcRect/>
+          <a:stretch>
+            <a:fillRect/>
+          </a:stretch>
+        </p:blipFill>
+        <p:spPr bwMode="auto">
+          <a:xfrm>
+            <a:off x="914400" y="1788115"/>
+            <a:ext cx="10620103" cy="4352925"/>
+          </a:xfrm>
+          <a:prstGeom prst="rect">
+            <a:avLst/>
+          </a:prstGeom>
+          <a:noFill/>
+          <a:ln w="9525">
+            <a:noFill/>
+            <a:miter lim="800000"/>
+            <a:headEnd/>
+            <a:tailEnd/>
+          </a:ln>
+          <a:effectLst/>
+        </p:spPr>
+      </p:pic>
+    </p:spTree>
+  </p:cSld>
+  <p:clrMapOvr>
+    <a:masterClrMapping/>
+  </p:clrMapOvr>
+</p:sld>
+</file>
+
+<file path=ppt/slides/slide16.xml><?xml version="1.0" encoding="utf-8"?>
+<p:sld xmlns:a="http://schemas.openxmlformats.org/drawingml/2006/main" xmlns:r="http://schemas.openxmlformats.org/officeDocument/2006/relationships" xmlns:p="http://schemas.openxmlformats.org/presentationml/2006/main">
+  <p:cSld>
+    <p:spTree>
+      <p:nvGrpSpPr>
+        <p:cNvPr id="1" name=""/>
+        <p:cNvGrpSpPr/>
+        <p:nvPr/>
+      </p:nvGrpSpPr>
+      <p:grpSpPr>
+        <a:xfrm>
+          <a:off x="0" y="0"/>
+          <a:ext cx="0" cy="0"/>
+          <a:chOff x="0" y="0"/>
+          <a:chExt cx="0" cy="0"/>
+        </a:xfrm>
+      </p:grpSpPr>
+      <p:sp>
+        <p:nvSpPr>
+          <p:cNvPr id="2" name="Title 1"/>
+          <p:cNvSpPr>
+            <a:spLocks noGrp="1"/>
+          </p:cNvSpPr>
+          <p:nvPr>
+            <p:ph type="title"/>
+          </p:nvPr>
+        </p:nvSpPr>
+        <p:spPr/>
+        <p:txBody>
+          <a:bodyPr/>
+          <a:lstStyle/>
+          <a:p>
+            <a:r>
+              <a:rPr lang="en-US" dirty="0" smtClean="0"/>
+              <a:t>Other example </a:t>
+            </a:r>
+            <a:r>
+              <a:rPr lang="en-US" dirty="0" smtClean="0"/>
+              <a:t>of relative and absolute % related to parent</a:t>
+            </a:r>
+            <a:endParaRPr lang="en-US" dirty="0"/>
+          </a:p>
+        </p:txBody>
+      </p:sp>
+      <p:sp>
+        <p:nvSpPr>
+          <p:cNvPr id="4" name="Content Placeholder 3"/>
+          <p:cNvSpPr>
+            <a:spLocks noGrp="1"/>
+          </p:cNvSpPr>
+          <p:nvPr>
+            <p:ph idx="1"/>
+          </p:nvPr>
+        </p:nvSpPr>
+        <p:spPr/>
+        <p:txBody>
+          <a:bodyPr/>
+          <a:lstStyle/>
+          <a:p>
+            <a:endParaRPr lang="en-US"/>
+          </a:p>
+        </p:txBody>
+      </p:sp>
+      <p:pic>
+        <p:nvPicPr>
+          <p:cNvPr id="1026" name="Picture 2"/>
+          <p:cNvPicPr>
+            <a:picLocks noChangeAspect="1" noChangeArrowheads="1"/>
+          </p:cNvPicPr>
+          <p:nvPr/>
+        </p:nvPicPr>
+        <p:blipFill>
+          <a:blip r:embed="rId2"/>
+          <a:srcRect/>
+          <a:stretch>
+            <a:fillRect/>
+          </a:stretch>
+        </p:blipFill>
+        <p:spPr bwMode="auto">
+          <a:xfrm>
+            <a:off x="318679" y="1633130"/>
+            <a:ext cx="12030075" cy="4924425"/>
+          </a:xfrm>
+          <a:prstGeom prst="rect">
+            <a:avLst/>
+          </a:prstGeom>
+          <a:noFill/>
+          <a:ln w="9525">
+            <a:noFill/>
+            <a:miter lim="800000"/>
+            <a:headEnd/>
+            <a:tailEnd/>
+          </a:ln>
+          <a:effectLst/>
+        </p:spPr>
+      </p:pic>
+    </p:spTree>
+  </p:cSld>
+  <p:clrMapOvr>
+    <a:masterClrMapping/>
+  </p:clrMapOvr>
+</p:sld>
+</file>
+
+<file path=ppt/slides/slide17.xml><?xml version="1.0" encoding="utf-8"?>
+<p:sld xmlns:a="http://schemas.openxmlformats.org/drawingml/2006/main" xmlns:r="http://schemas.openxmlformats.org/officeDocument/2006/relationships" xmlns:p="http://schemas.openxmlformats.org/presentationml/2006/main">
+  <p:cSld>
+    <p:spTree>
+      <p:nvGrpSpPr>
+        <p:cNvPr id="1" name=""/>
+        <p:cNvGrpSpPr/>
+        <p:nvPr/>
+      </p:nvGrpSpPr>
+      <p:grpSpPr>
+        <a:xfrm>
+          <a:off x="0" y="0"/>
+          <a:ext cx="0" cy="0"/>
+          <a:chOff x="0" y="0"/>
+          <a:chExt cx="0" cy="0"/>
+        </a:xfrm>
+      </p:grpSpPr>
+      <p:sp>
+        <p:nvSpPr>
+          <p:cNvPr id="2" name="Title 1"/>
+          <p:cNvSpPr>
+            <a:spLocks noGrp="1"/>
+          </p:cNvSpPr>
+          <p:nvPr>
+            <p:ph type="title"/>
+          </p:nvPr>
+        </p:nvSpPr>
+        <p:spPr/>
+        <p:txBody>
+          <a:bodyPr/>
+          <a:lstStyle/>
+          <a:p>
+            <a:r>
+              <a:rPr lang="en-US" dirty="0" smtClean="0"/>
+              <a:t>Other example </a:t>
+            </a:r>
+            <a:r>
+              <a:rPr lang="en-US" dirty="0" smtClean="0"/>
+              <a:t>of relative and absolute </a:t>
+            </a:r>
+            <a:r>
+              <a:rPr lang="en-US" dirty="0" err="1" smtClean="0"/>
+              <a:t>vw</a:t>
+            </a:r>
+            <a:r>
+              <a:rPr lang="en-US" dirty="0" smtClean="0"/>
+              <a:t> and </a:t>
+            </a:r>
+            <a:r>
+              <a:rPr lang="en-US" dirty="0" err="1" smtClean="0"/>
+              <a:t>vh</a:t>
+            </a:r>
+            <a:r>
+              <a:rPr lang="en-US" dirty="0" smtClean="0"/>
+              <a:t> related to </a:t>
+            </a:r>
+            <a:r>
+              <a:rPr lang="en-US" smtClean="0"/>
+              <a:t>screen size</a:t>
+            </a:r>
+            <a:endParaRPr lang="en-US" dirty="0"/>
+          </a:p>
+        </p:txBody>
+      </p:sp>
+      <p:sp>
+        <p:nvSpPr>
+          <p:cNvPr id="4" name="Content Placeholder 3"/>
+          <p:cNvSpPr>
+            <a:spLocks noGrp="1"/>
+          </p:cNvSpPr>
+          <p:nvPr>
+            <p:ph idx="1"/>
+          </p:nvPr>
+        </p:nvSpPr>
+        <p:spPr/>
+        <p:txBody>
+          <a:bodyPr/>
+          <a:lstStyle/>
+          <a:p>
+            <a:endParaRPr lang="en-US"/>
+          </a:p>
+        </p:txBody>
+      </p:sp>
+      <p:pic>
+        <p:nvPicPr>
+          <p:cNvPr id="2050" name="Picture 2"/>
+          <p:cNvPicPr>
+            <a:picLocks noChangeAspect="1" noChangeArrowheads="1"/>
+          </p:cNvPicPr>
+          <p:nvPr/>
+        </p:nvPicPr>
+        <p:blipFill>
+          <a:blip r:embed="rId2"/>
+          <a:srcRect/>
+          <a:stretch>
+            <a:fillRect/>
+          </a:stretch>
+        </p:blipFill>
+        <p:spPr bwMode="auto">
+          <a:xfrm>
+            <a:off x="1000125" y="1868669"/>
+            <a:ext cx="10090242" cy="4401502"/>
+          </a:xfrm>
+          <a:prstGeom prst="rect">
+            <a:avLst/>
+          </a:prstGeom>
+          <a:noFill/>
+          <a:ln w="9525">
+            <a:noFill/>
+            <a:miter lim="800000"/>
+            <a:headEnd/>
+            <a:tailEnd/>
+          </a:ln>
+          <a:effectLst/>
+        </p:spPr>
+      </p:pic>
+    </p:spTree>
+  </p:cSld>
+  <p:clrMapOvr>
+    <a:masterClrMapping/>
+  </p:clrMapOvr>
+</p:sld>
+</file>
+
+<file path=ppt/slides/slide18.xml><?xml version="1.0" encoding="utf-8"?>
+<p:sld xmlns:a="http://schemas.openxmlformats.org/drawingml/2006/main" xmlns:r="http://schemas.openxmlformats.org/officeDocument/2006/relationships" xmlns:p="http://schemas.openxmlformats.org/presentationml/2006/main">
+  <p:cSld>
+    <p:spTree>
+      <p:nvGrpSpPr>
+        <p:cNvPr id="1" name=""/>
+        <p:cNvGrpSpPr/>
+        <p:nvPr/>
+      </p:nvGrpSpPr>
+      <p:grpSpPr>
+        <a:xfrm>
+          <a:off x="0" y="0"/>
+          <a:ext cx="0" cy="0"/>
+          <a:chOff x="0" y="0"/>
+          <a:chExt cx="0" cy="0"/>
+        </a:xfrm>
+      </p:grpSpPr>
+      <p:sp>
+        <p:nvSpPr>
+          <p:cNvPr id="4" name="Content Placeholder 13"/>
+          <p:cNvSpPr txBox="1">
+            <a:spLocks/>
+          </p:cNvSpPr>
+          <p:nvPr/>
+        </p:nvSpPr>
+        <p:spPr>
+          <a:xfrm>
+            <a:off x="321126" y="135993"/>
+            <a:ext cx="9791700" cy="630192"/>
+          </a:xfrm>
+          <a:prstGeom prst="rect">
+            <a:avLst/>
+          </a:prstGeom>
+        </p:spPr>
+        <p:txBody>
+          <a:bodyPr vert="horz" lIns="91440" tIns="45720" rIns="91440" bIns="45720" rtlCol="0">
+            <a:noAutofit/>
+          </a:bodyPr>
+          <a:lstStyle>
+            <a:lvl1pPr marL="0" indent="0" algn="ctr" defTabSz="914400" rtl="0" eaLnBrk="1" latinLnBrk="0" hangingPunct="1">
+              <a:lnSpc>
+                <a:spcPct val="90000"/>
+              </a:lnSpc>
+              <a:spcBef>
+                <a:spcPts val="1000"/>
+              </a:spcBef>
+              <a:buFont typeface="Arial" panose="020B0604020202020204" pitchFamily="34" charset="0"/>
+              <a:buNone/>
+              <a:defRPr kumimoji="1" sz="2400" kern="1200">
+                <a:solidFill>
+                  <a:schemeClr val="tx1"/>
+                </a:solidFill>
+                <a:latin typeface="+mn-lt"/>
+                <a:ea typeface="+mn-ea"/>
+                <a:cs typeface="+mn-cs"/>
+              </a:defRPr>
+            </a:lvl1pPr>
+            <a:lvl2pPr marL="457200" indent="0" algn="ctr" defTabSz="914400" rtl="0" eaLnBrk="1" latinLnBrk="0" hangingPunct="1">
+              <a:lnSpc>
+                <a:spcPct val="90000"/>
+              </a:lnSpc>
+              <a:spcBef>
+                <a:spcPts val="500"/>
+              </a:spcBef>
+              <a:buFont typeface="Arial" panose="020B0604020202020204" pitchFamily="34" charset="0"/>
+              <a:buNone/>
+              <a:defRPr kumimoji="1" sz="2000" kern="1200">
+                <a:solidFill>
+                  <a:schemeClr val="tx1"/>
+                </a:solidFill>
+                <a:latin typeface="+mn-lt"/>
+                <a:ea typeface="+mn-ea"/>
+                <a:cs typeface="+mn-cs"/>
+              </a:defRPr>
+            </a:lvl2pPr>
+            <a:lvl3pPr marL="914400" indent="0" algn="ctr" defTabSz="914400" rtl="0" eaLnBrk="1" latinLnBrk="0" hangingPunct="1">
+              <a:lnSpc>
+                <a:spcPct val="90000"/>
+              </a:lnSpc>
+              <a:spcBef>
+                <a:spcPts val="500"/>
+              </a:spcBef>
+              <a:buFont typeface="Arial" panose="020B0604020202020204" pitchFamily="34" charset="0"/>
+              <a:buNone/>
+              <a:defRPr kumimoji="1" sz="1800" kern="1200">
+                <a:solidFill>
+                  <a:schemeClr val="tx1"/>
+                </a:solidFill>
+                <a:latin typeface="+mn-lt"/>
+                <a:ea typeface="+mn-ea"/>
+                <a:cs typeface="+mn-cs"/>
+              </a:defRPr>
+            </a:lvl3pPr>
+            <a:lvl4pPr marL="1371600" indent="0" algn="ctr" defTabSz="914400" rtl="0" eaLnBrk="1" latinLnBrk="0" hangingPunct="1">
+              <a:lnSpc>
+                <a:spcPct val="90000"/>
+              </a:lnSpc>
+              <a:spcBef>
+                <a:spcPts val="500"/>
+              </a:spcBef>
+              <a:buFont typeface="Arial" panose="020B0604020202020204" pitchFamily="34" charset="0"/>
+              <a:buNone/>
+              <a:defRPr kumimoji="1" sz="1600" kern="1200">
+                <a:solidFill>
+                  <a:schemeClr val="tx1"/>
+                </a:solidFill>
+                <a:latin typeface="+mn-lt"/>
+                <a:ea typeface="+mn-ea"/>
+                <a:cs typeface="+mn-cs"/>
+              </a:defRPr>
+            </a:lvl4pPr>
+            <a:lvl5pPr marL="1828800" indent="0" algn="ctr" defTabSz="914400" rtl="0" eaLnBrk="1" latinLnBrk="0" hangingPunct="1">
+              <a:lnSpc>
+                <a:spcPct val="90000"/>
+              </a:lnSpc>
+              <a:spcBef>
+                <a:spcPts val="500"/>
+              </a:spcBef>
+              <a:buFont typeface="Arial" panose="020B0604020202020204" pitchFamily="34" charset="0"/>
+              <a:buNone/>
+              <a:defRPr kumimoji="1" sz="1600" kern="1200">
+                <a:solidFill>
+                  <a:schemeClr val="tx1"/>
+                </a:solidFill>
+                <a:latin typeface="+mn-lt"/>
+                <a:ea typeface="+mn-ea"/>
+                <a:cs typeface="+mn-cs"/>
+              </a:defRPr>
+            </a:lvl5pPr>
+            <a:lvl6pPr marL="2286000" indent="0" algn="ctr" defTabSz="914400" rtl="0" eaLnBrk="1" latinLnBrk="0" hangingPunct="1">
+              <a:lnSpc>
+                <a:spcPct val="90000"/>
+              </a:lnSpc>
+              <a:spcBef>
+                <a:spcPts val="500"/>
+              </a:spcBef>
+              <a:buFont typeface="Arial" panose="020B0604020202020204" pitchFamily="34" charset="0"/>
+              <a:buNone/>
+              <a:defRPr kumimoji="1" sz="1600" kern="1200">
+                <a:solidFill>
+                  <a:schemeClr val="tx1"/>
+                </a:solidFill>
+                <a:latin typeface="+mn-lt"/>
+                <a:ea typeface="+mn-ea"/>
+                <a:cs typeface="+mn-cs"/>
+              </a:defRPr>
+            </a:lvl6pPr>
+            <a:lvl7pPr marL="2743200" indent="0" algn="ctr" defTabSz="914400" rtl="0" eaLnBrk="1" latinLnBrk="0" hangingPunct="1">
+              <a:lnSpc>
+                <a:spcPct val="90000"/>
+              </a:lnSpc>
+              <a:spcBef>
+                <a:spcPts val="500"/>
+              </a:spcBef>
+              <a:buFont typeface="Arial" panose="020B0604020202020204" pitchFamily="34" charset="0"/>
+              <a:buNone/>
+              <a:defRPr kumimoji="1" sz="1600" kern="1200">
+                <a:solidFill>
+                  <a:schemeClr val="tx1"/>
+                </a:solidFill>
+                <a:latin typeface="+mn-lt"/>
+                <a:ea typeface="+mn-ea"/>
+                <a:cs typeface="+mn-cs"/>
+              </a:defRPr>
+            </a:lvl7pPr>
+            <a:lvl8pPr marL="3200400" indent="0" algn="ctr" defTabSz="914400" rtl="0" eaLnBrk="1" latinLnBrk="0" hangingPunct="1">
+              <a:lnSpc>
+                <a:spcPct val="90000"/>
+              </a:lnSpc>
+              <a:spcBef>
+                <a:spcPts val="500"/>
+              </a:spcBef>
+              <a:buFont typeface="Arial" panose="020B0604020202020204" pitchFamily="34" charset="0"/>
+              <a:buNone/>
+              <a:defRPr kumimoji="1" sz="1600" kern="1200">
+                <a:solidFill>
+                  <a:schemeClr val="tx1"/>
+                </a:solidFill>
+                <a:latin typeface="+mn-lt"/>
+                <a:ea typeface="+mn-ea"/>
+                <a:cs typeface="+mn-cs"/>
+              </a:defRPr>
+            </a:lvl8pPr>
+            <a:lvl9pPr marL="3657600" indent="0" algn="ctr" defTabSz="914400" rtl="0" eaLnBrk="1" latinLnBrk="0" hangingPunct="1">
+              <a:lnSpc>
+                <a:spcPct val="90000"/>
+              </a:lnSpc>
+              <a:spcBef>
+                <a:spcPts val="500"/>
+              </a:spcBef>
+              <a:buFont typeface="Arial" panose="020B0604020202020204" pitchFamily="34" charset="0"/>
+              <a:buNone/>
+              <a:defRPr kumimoji="1" sz="1600" kern="1200">
+                <a:solidFill>
+                  <a:schemeClr val="tx1"/>
+                </a:solidFill>
+                <a:latin typeface="+mn-lt"/>
+                <a:ea typeface="+mn-ea"/>
+                <a:cs typeface="+mn-cs"/>
+              </a:defRPr>
+            </a:lvl9pPr>
+          </a:lstStyle>
+          <a:p>
+            <a:pPr algn="l"/>
+            <a:r>
+              <a:rPr lang="en-US" sz="3600" b="1" dirty="0" smtClean="0">
+                <a:solidFill>
+                  <a:srgbClr val="0064B5"/>
+                </a:solidFill>
+              </a:rPr>
+              <a:t>Different Ways of Adding CSS</a:t>
+            </a:r>
+          </a:p>
+        </p:txBody>
+      </p:sp>
+      <p:sp>
+        <p:nvSpPr>
+          <p:cNvPr id="10" name="Rectangle 9"/>
+          <p:cNvSpPr/>
+          <p:nvPr/>
+        </p:nvSpPr>
+        <p:spPr>
+          <a:xfrm>
+            <a:off x="316947" y="837564"/>
+            <a:ext cx="4614405" cy="784830"/>
+          </a:xfrm>
+          <a:prstGeom prst="rect">
+            <a:avLst/>
+          </a:prstGeom>
+        </p:spPr>
+        <p:txBody>
+          <a:bodyPr wrap="none">
+            <a:spAutoFit/>
+          </a:bodyPr>
+          <a:lstStyle/>
+          <a:p>
+            <a:pPr marL="285750" indent="-285750">
+              <a:lnSpc>
+                <a:spcPct val="150000"/>
+              </a:lnSpc>
+            </a:pPr>
+            <a:r>
+              <a:rPr lang="en-US" dirty="0" smtClean="0"/>
+              <a:t>There are three ways of inserting a style sheet: </a:t>
+            </a:r>
+          </a:p>
+          <a:p>
+            <a:endParaRPr lang="en-US" dirty="0"/>
+          </a:p>
+        </p:txBody>
+      </p:sp>
+      <p:sp>
+        <p:nvSpPr>
+          <p:cNvPr id="8" name="Rectangle 7"/>
+          <p:cNvSpPr/>
+          <p:nvPr/>
+        </p:nvSpPr>
+        <p:spPr>
+          <a:xfrm>
+            <a:off x="333251" y="1303153"/>
+            <a:ext cx="9362840" cy="1754326"/>
+          </a:xfrm>
+          <a:prstGeom prst="rect">
+            <a:avLst/>
+          </a:prstGeom>
+        </p:spPr>
+        <p:txBody>
+          <a:bodyPr wrap="square">
+            <a:spAutoFit/>
+          </a:bodyPr>
+          <a:lstStyle/>
+          <a:p>
+            <a:pPr marL="285750" indent="-285750">
+              <a:lnSpc>
+                <a:spcPct val="150000"/>
+              </a:lnSpc>
+              <a:buFont typeface="Wingdings" pitchFamily="2" charset="2"/>
+              <a:buChar char="Ø"/>
+            </a:pPr>
+            <a:r>
+              <a:rPr lang="en-US" dirty="0" smtClean="0"/>
+              <a:t>External CSS (in the head section)</a:t>
+            </a:r>
+          </a:p>
+          <a:p>
+            <a:pPr marL="285750" indent="-285750">
+              <a:lnSpc>
+                <a:spcPct val="150000"/>
+              </a:lnSpc>
+              <a:buFont typeface="Wingdings" pitchFamily="2" charset="2"/>
+              <a:buChar char="Ø"/>
+            </a:pPr>
+            <a:r>
+              <a:rPr lang="en-US" dirty="0" smtClean="0"/>
+              <a:t>Internal CSS (in the head section)</a:t>
+            </a:r>
+          </a:p>
+          <a:p>
+            <a:pPr marL="285750" indent="-285750">
+              <a:lnSpc>
+                <a:spcPct val="150000"/>
+              </a:lnSpc>
+              <a:buFont typeface="Wingdings" pitchFamily="2" charset="2"/>
+              <a:buChar char="Ø"/>
+            </a:pPr>
+            <a:r>
+              <a:rPr lang="en-US" dirty="0" smtClean="0"/>
+              <a:t>Inline CSS (inside an HTML element)</a:t>
+            </a:r>
+          </a:p>
+          <a:p>
+            <a:pPr marL="285750" indent="-285750">
+              <a:lnSpc>
+                <a:spcPct val="150000"/>
+              </a:lnSpc>
+            </a:pPr>
+            <a:endParaRPr lang="en-US" b="1" u="sng" dirty="0"/>
+          </a:p>
+        </p:txBody>
+      </p:sp>
+      <p:sp>
+        <p:nvSpPr>
+          <p:cNvPr id="11" name="Rectangle 10"/>
+          <p:cNvSpPr/>
+          <p:nvPr/>
+        </p:nvSpPr>
+        <p:spPr>
+          <a:xfrm>
+            <a:off x="362193" y="2709264"/>
+            <a:ext cx="1480277" cy="464871"/>
+          </a:xfrm>
+          <a:prstGeom prst="rect">
+            <a:avLst/>
+          </a:prstGeom>
+        </p:spPr>
+        <p:txBody>
+          <a:bodyPr wrap="none">
+            <a:spAutoFit/>
+          </a:bodyPr>
+          <a:lstStyle/>
+          <a:p>
+            <a:pPr marL="285750" indent="-285750">
+              <a:lnSpc>
+                <a:spcPct val="150000"/>
+              </a:lnSpc>
+            </a:pPr>
+            <a:r>
+              <a:rPr lang="en-US" b="1" u="sng" dirty="0" smtClean="0"/>
+              <a:t>External CSS :</a:t>
+            </a:r>
+          </a:p>
+        </p:txBody>
+      </p:sp>
+      <p:sp>
+        <p:nvSpPr>
+          <p:cNvPr id="12" name="Rectangle 11"/>
+          <p:cNvSpPr/>
+          <p:nvPr/>
+        </p:nvSpPr>
+        <p:spPr>
+          <a:xfrm>
+            <a:off x="408316" y="3217986"/>
+            <a:ext cx="9693216" cy="369332"/>
+          </a:xfrm>
+          <a:prstGeom prst="rect">
+            <a:avLst/>
+          </a:prstGeom>
+        </p:spPr>
+        <p:txBody>
+          <a:bodyPr wrap="square">
+            <a:spAutoFit/>
+          </a:bodyPr>
+          <a:lstStyle/>
+          <a:p>
+            <a:r>
+              <a:rPr lang="en-US" dirty="0" smtClean="0"/>
+              <a:t>With an external style sheet, you can change the look of an entire website by changing just one file</a:t>
+            </a:r>
+            <a:endParaRPr lang="en-US" dirty="0"/>
+          </a:p>
+        </p:txBody>
+      </p:sp>
+      <p:sp>
+        <p:nvSpPr>
+          <p:cNvPr id="13" name="Rectangle 12">
+            <a:extLst>
+              <a:ext uri="{FF2B5EF4-FFF2-40B4-BE49-F238E27FC236}">
+                <a16:creationId xmlns:a16="http://schemas.microsoft.com/office/drawing/2014/main" xmlns="" id="{206016ED-72BE-418C-807D-52DC06FF490C}"/>
+              </a:ext>
+            </a:extLst>
+          </p:cNvPr>
+          <p:cNvSpPr/>
+          <p:nvPr/>
+        </p:nvSpPr>
+        <p:spPr>
+          <a:xfrm>
+            <a:off x="517691" y="3674853"/>
+            <a:ext cx="7901689" cy="2458528"/>
+          </a:xfrm>
+          <a:prstGeom prst="rect">
+            <a:avLst/>
+          </a:prstGeom>
+          <a:gradFill flip="none" rotWithShape="1">
+            <a:gsLst>
+              <a:gs pos="0">
+                <a:schemeClr val="bg2"/>
+              </a:gs>
+              <a:gs pos="50000">
+                <a:schemeClr val="accent3">
+                  <a:lumMod val="20000"/>
+                  <a:lumOff val="80000"/>
+                  <a:shade val="67500"/>
+                  <a:satMod val="115000"/>
+                </a:schemeClr>
+              </a:gs>
+              <a:gs pos="100000">
+                <a:schemeClr val="accent3">
+                  <a:lumMod val="20000"/>
+                  <a:lumOff val="80000"/>
+                  <a:shade val="100000"/>
+                  <a:satMod val="115000"/>
+                </a:schemeClr>
+              </a:gs>
+            </a:gsLst>
+            <a:lin ang="6600000" scaled="0"/>
+            <a:tileRect/>
+          </a:gradFill>
+          <a:ln>
+            <a:solidFill>
+              <a:schemeClr val="tx1">
+                <a:lumMod val="50000"/>
+                <a:lumOff val="50000"/>
+              </a:schemeClr>
+            </a:solidFill>
+          </a:ln>
+        </p:spPr>
+        <p:style>
+          <a:lnRef idx="2">
+            <a:schemeClr val="accent1">
+              <a:shade val="50000"/>
+            </a:schemeClr>
+          </a:lnRef>
+          <a:fillRef idx="1">
+            <a:schemeClr val="accent1"/>
+          </a:fillRef>
+          <a:effectRef idx="0">
+            <a:schemeClr val="accent1"/>
+          </a:effectRef>
+          <a:fontRef idx="minor">
+            <a:schemeClr val="lt1"/>
+          </a:fontRef>
+        </p:style>
+        <p:txBody>
+          <a:bodyPr rtlCol="0" anchor="ctr"/>
+          <a:lstStyle/>
+          <a:p>
+            <a:r>
+              <a:rPr lang="en-US" sz="1600" dirty="0" smtClean="0">
+                <a:solidFill>
+                  <a:schemeClr val="dk1"/>
+                </a:solidFill>
+              </a:rPr>
+              <a:t>&lt;!DOCTYPE html&gt;</a:t>
+            </a:r>
+            <a:br>
+              <a:rPr lang="en-US" sz="1600" dirty="0" smtClean="0">
+                <a:solidFill>
+                  <a:schemeClr val="dk1"/>
+                </a:solidFill>
+              </a:rPr>
+            </a:br>
+            <a:r>
+              <a:rPr lang="en-US" sz="1600" dirty="0" smtClean="0">
+                <a:solidFill>
+                  <a:schemeClr val="dk1"/>
+                </a:solidFill>
+              </a:rPr>
+              <a:t>&lt;html&gt;</a:t>
+            </a:r>
+            <a:br>
+              <a:rPr lang="en-US" sz="1600" dirty="0" smtClean="0">
+                <a:solidFill>
+                  <a:schemeClr val="dk1"/>
+                </a:solidFill>
+              </a:rPr>
+            </a:br>
+            <a:r>
+              <a:rPr lang="en-US" sz="1600" dirty="0" smtClean="0">
+                <a:solidFill>
+                  <a:schemeClr val="dk1"/>
+                </a:solidFill>
+              </a:rPr>
+              <a:t>&lt;head&gt;</a:t>
+            </a:r>
+            <a:br>
+              <a:rPr lang="en-US" sz="1600" dirty="0" smtClean="0">
+                <a:solidFill>
+                  <a:schemeClr val="dk1"/>
+                </a:solidFill>
+              </a:rPr>
+            </a:br>
+            <a:r>
+              <a:rPr lang="en-US" sz="1600" dirty="0" smtClean="0">
+                <a:solidFill>
+                  <a:schemeClr val="dk1"/>
+                </a:solidFill>
+              </a:rPr>
+              <a:t>&lt;link </a:t>
+            </a:r>
+            <a:r>
+              <a:rPr lang="en-US" sz="1600" dirty="0" err="1" smtClean="0">
+                <a:solidFill>
+                  <a:schemeClr val="dk1"/>
+                </a:solidFill>
+              </a:rPr>
+              <a:t>rel</a:t>
+            </a:r>
+            <a:r>
+              <a:rPr lang="en-US" sz="1600" dirty="0" smtClean="0">
+                <a:solidFill>
+                  <a:schemeClr val="dk1"/>
+                </a:solidFill>
+              </a:rPr>
+              <a:t>="</a:t>
+            </a:r>
+            <a:r>
+              <a:rPr lang="en-US" sz="1600" dirty="0" err="1" smtClean="0">
+                <a:solidFill>
+                  <a:schemeClr val="dk1"/>
+                </a:solidFill>
+              </a:rPr>
+              <a:t>stylesheet</a:t>
+            </a:r>
+            <a:r>
+              <a:rPr lang="en-US" sz="1600" dirty="0" smtClean="0">
+                <a:solidFill>
+                  <a:schemeClr val="dk1"/>
+                </a:solidFill>
+              </a:rPr>
+              <a:t>" </a:t>
+            </a:r>
+            <a:r>
+              <a:rPr lang="en-US" sz="1600" dirty="0" err="1" smtClean="0">
+                <a:solidFill>
+                  <a:schemeClr val="dk1"/>
+                </a:solidFill>
+              </a:rPr>
+              <a:t>href</a:t>
+            </a:r>
+            <a:r>
+              <a:rPr lang="en-US" sz="1600" dirty="0" smtClean="0">
+                <a:solidFill>
+                  <a:schemeClr val="dk1"/>
+                </a:solidFill>
+              </a:rPr>
+              <a:t>="mystyle.css"&gt;</a:t>
+            </a:r>
+            <a:br>
+              <a:rPr lang="en-US" sz="1600" dirty="0" smtClean="0">
+                <a:solidFill>
+                  <a:schemeClr val="dk1"/>
+                </a:solidFill>
+              </a:rPr>
+            </a:br>
+            <a:r>
+              <a:rPr lang="en-US" sz="1600" dirty="0" smtClean="0">
+                <a:solidFill>
+                  <a:schemeClr val="dk1"/>
+                </a:solidFill>
+              </a:rPr>
+              <a:t>&lt;/head&gt;</a:t>
+            </a:r>
+            <a:br>
+              <a:rPr lang="en-US" sz="1600" dirty="0" smtClean="0">
+                <a:solidFill>
+                  <a:schemeClr val="dk1"/>
+                </a:solidFill>
+              </a:rPr>
+            </a:br>
+            <a:r>
+              <a:rPr lang="en-US" sz="1600" dirty="0" smtClean="0">
+                <a:solidFill>
+                  <a:schemeClr val="dk1"/>
+                </a:solidFill>
+              </a:rPr>
+              <a:t>&lt;body&gt;</a:t>
+            </a:r>
+            <a:br>
+              <a:rPr lang="en-US" sz="1600" dirty="0" smtClean="0">
+                <a:solidFill>
+                  <a:schemeClr val="dk1"/>
+                </a:solidFill>
+              </a:rPr>
+            </a:br>
+            <a:r>
+              <a:rPr lang="en-US" sz="1600" dirty="0" smtClean="0">
+                <a:solidFill>
+                  <a:schemeClr val="dk1"/>
+                </a:solidFill>
+              </a:rPr>
+              <a:t/>
+            </a:r>
+            <a:br>
+              <a:rPr lang="en-US" sz="1600" dirty="0" smtClean="0">
+                <a:solidFill>
+                  <a:schemeClr val="dk1"/>
+                </a:solidFill>
+              </a:rPr>
+            </a:br>
+            <a:r>
+              <a:rPr lang="en-US" sz="1600" dirty="0" smtClean="0">
+                <a:solidFill>
+                  <a:schemeClr val="dk1"/>
+                </a:solidFill>
+              </a:rPr>
+              <a:t>&lt;/body&gt;</a:t>
+            </a:r>
+            <a:br>
+              <a:rPr lang="en-US" sz="1600" dirty="0" smtClean="0">
+                <a:solidFill>
+                  <a:schemeClr val="dk1"/>
+                </a:solidFill>
+              </a:rPr>
+            </a:br>
+            <a:r>
+              <a:rPr lang="en-US" sz="1600" dirty="0" smtClean="0">
+                <a:solidFill>
+                  <a:schemeClr val="dk1"/>
+                </a:solidFill>
+              </a:rPr>
+              <a:t>&lt;/html&gt;</a:t>
+            </a:r>
+            <a:endParaRPr lang="en-US" sz="1600" dirty="0">
+              <a:solidFill>
+                <a:schemeClr val="dk1"/>
+              </a:solidFill>
+            </a:endParaRPr>
+          </a:p>
+        </p:txBody>
+      </p:sp>
+    </p:spTree>
+    <p:extLst>
+      <p:ext uri="{BB962C8B-B14F-4D97-AF65-F5344CB8AC3E}">
+        <p14:creationId xmlns:p14="http://schemas.microsoft.com/office/powerpoint/2010/main" xmlns="" val="2848728424"/>
+      </p:ext>
+    </p:extLst>
+  </p:cSld>
+  <p:clrMapOvr>
+    <a:masterClrMapping/>
+  </p:clrMapOvr>
+  <p:timing>
+    <p:tnLst>
+      <p:par>
+        <p:cTn id="1" dur="indefinite" restart="never" nodeType="tmRoot"/>
+      </p:par>
+    </p:tnLst>
+  </p:timing>
+</p:sld>
+</file>
+
+<file path=ppt/slides/slide19.xml><?xml version="1.0" encoding="utf-8"?>
+<p:sld xmlns:a="http://schemas.openxmlformats.org/drawingml/2006/main" xmlns:r="http://schemas.openxmlformats.org/officeDocument/2006/relationships" xmlns:p="http://schemas.openxmlformats.org/presentationml/2006/main">
+  <p:cSld>
+    <p:spTree>
+      <p:nvGrpSpPr>
+        <p:cNvPr id="1" name=""/>
+        <p:cNvGrpSpPr/>
+        <p:nvPr/>
+      </p:nvGrpSpPr>
+      <p:grpSpPr>
+        <a:xfrm>
+          <a:off x="0" y="0"/>
+          <a:ext cx="0" cy="0"/>
+          <a:chOff x="0" y="0"/>
+          <a:chExt cx="0" cy="0"/>
+        </a:xfrm>
+      </p:grpSpPr>
+      <p:sp>
+        <p:nvSpPr>
+          <p:cNvPr id="4" name="Content Placeholder 13"/>
+          <p:cNvSpPr txBox="1">
+            <a:spLocks/>
+          </p:cNvSpPr>
+          <p:nvPr/>
+        </p:nvSpPr>
+        <p:spPr>
+          <a:xfrm>
+            <a:off x="321126" y="135993"/>
+            <a:ext cx="9791700" cy="630192"/>
+          </a:xfrm>
+          <a:prstGeom prst="rect">
+            <a:avLst/>
+          </a:prstGeom>
+        </p:spPr>
+        <p:txBody>
+          <a:bodyPr vert="horz" lIns="91440" tIns="45720" rIns="91440" bIns="45720" rtlCol="0">
+            <a:noAutofit/>
+          </a:bodyPr>
+          <a:lstStyle>
+            <a:lvl1pPr marL="0" indent="0" algn="ctr" defTabSz="914400" rtl="0" eaLnBrk="1" latinLnBrk="0" hangingPunct="1">
+              <a:lnSpc>
+                <a:spcPct val="90000"/>
+              </a:lnSpc>
+              <a:spcBef>
+                <a:spcPts val="1000"/>
+              </a:spcBef>
+              <a:buFont typeface="Arial" panose="020B0604020202020204" pitchFamily="34" charset="0"/>
+              <a:buNone/>
+              <a:defRPr kumimoji="1" sz="2400" kern="1200">
+                <a:solidFill>
+                  <a:schemeClr val="tx1"/>
+                </a:solidFill>
+                <a:latin typeface="+mn-lt"/>
+                <a:ea typeface="+mn-ea"/>
+                <a:cs typeface="+mn-cs"/>
+              </a:defRPr>
+            </a:lvl1pPr>
+            <a:lvl2pPr marL="457200" indent="0" algn="ctr" defTabSz="914400" rtl="0" eaLnBrk="1" latinLnBrk="0" hangingPunct="1">
+              <a:lnSpc>
+                <a:spcPct val="90000"/>
+              </a:lnSpc>
+              <a:spcBef>
+                <a:spcPts val="500"/>
+              </a:spcBef>
+              <a:buFont typeface="Arial" panose="020B0604020202020204" pitchFamily="34" charset="0"/>
+              <a:buNone/>
+              <a:defRPr kumimoji="1" sz="2000" kern="1200">
+                <a:solidFill>
+                  <a:schemeClr val="tx1"/>
+                </a:solidFill>
+                <a:latin typeface="+mn-lt"/>
+                <a:ea typeface="+mn-ea"/>
+                <a:cs typeface="+mn-cs"/>
+              </a:defRPr>
+            </a:lvl2pPr>
+            <a:lvl3pPr marL="914400" indent="0" algn="ctr" defTabSz="914400" rtl="0" eaLnBrk="1" latinLnBrk="0" hangingPunct="1">
+              <a:lnSpc>
+                <a:spcPct val="90000"/>
+              </a:lnSpc>
+              <a:spcBef>
+                <a:spcPts val="500"/>
+              </a:spcBef>
+              <a:buFont typeface="Arial" panose="020B0604020202020204" pitchFamily="34" charset="0"/>
+              <a:buNone/>
+              <a:defRPr kumimoji="1" sz="1800" kern="1200">
+                <a:solidFill>
+                  <a:schemeClr val="tx1"/>
+                </a:solidFill>
+                <a:latin typeface="+mn-lt"/>
+                <a:ea typeface="+mn-ea"/>
+                <a:cs typeface="+mn-cs"/>
+              </a:defRPr>
+            </a:lvl3pPr>
+            <a:lvl4pPr marL="1371600" indent="0" algn="ctr" defTabSz="914400" rtl="0" eaLnBrk="1" latinLnBrk="0" hangingPunct="1">
+              <a:lnSpc>
+                <a:spcPct val="90000"/>
+              </a:lnSpc>
+              <a:spcBef>
+                <a:spcPts val="500"/>
+              </a:spcBef>
+              <a:buFont typeface="Arial" panose="020B0604020202020204" pitchFamily="34" charset="0"/>
+              <a:buNone/>
+              <a:defRPr kumimoji="1" sz="1600" kern="1200">
+                <a:solidFill>
+                  <a:schemeClr val="tx1"/>
+                </a:solidFill>
+                <a:latin typeface="+mn-lt"/>
+                <a:ea typeface="+mn-ea"/>
+                <a:cs typeface="+mn-cs"/>
+              </a:defRPr>
+            </a:lvl4pPr>
+            <a:lvl5pPr marL="1828800" indent="0" algn="ctr" defTabSz="914400" rtl="0" eaLnBrk="1" latinLnBrk="0" hangingPunct="1">
+              <a:lnSpc>
+                <a:spcPct val="90000"/>
+              </a:lnSpc>
+              <a:spcBef>
+                <a:spcPts val="500"/>
+              </a:spcBef>
+              <a:buFont typeface="Arial" panose="020B0604020202020204" pitchFamily="34" charset="0"/>
+              <a:buNone/>
+              <a:defRPr kumimoji="1" sz="1600" kern="1200">
+                <a:solidFill>
+                  <a:schemeClr val="tx1"/>
+                </a:solidFill>
+                <a:latin typeface="+mn-lt"/>
+                <a:ea typeface="+mn-ea"/>
+                <a:cs typeface="+mn-cs"/>
+              </a:defRPr>
+            </a:lvl5pPr>
+            <a:lvl6pPr marL="2286000" indent="0" algn="ctr" defTabSz="914400" rtl="0" eaLnBrk="1" latinLnBrk="0" hangingPunct="1">
+              <a:lnSpc>
+                <a:spcPct val="90000"/>
+              </a:lnSpc>
+              <a:spcBef>
+                <a:spcPts val="500"/>
+              </a:spcBef>
+              <a:buFont typeface="Arial" panose="020B0604020202020204" pitchFamily="34" charset="0"/>
+              <a:buNone/>
+              <a:defRPr kumimoji="1" sz="1600" kern="1200">
+                <a:solidFill>
+                  <a:schemeClr val="tx1"/>
+                </a:solidFill>
+                <a:latin typeface="+mn-lt"/>
+                <a:ea typeface="+mn-ea"/>
+                <a:cs typeface="+mn-cs"/>
+              </a:defRPr>
+            </a:lvl6pPr>
+            <a:lvl7pPr marL="2743200" indent="0" algn="ctr" defTabSz="914400" rtl="0" eaLnBrk="1" latinLnBrk="0" hangingPunct="1">
+              <a:lnSpc>
+                <a:spcPct val="90000"/>
+              </a:lnSpc>
+              <a:spcBef>
+                <a:spcPts val="500"/>
+              </a:spcBef>
+              <a:buFont typeface="Arial" panose="020B0604020202020204" pitchFamily="34" charset="0"/>
+              <a:buNone/>
+              <a:defRPr kumimoji="1" sz="1600" kern="1200">
+                <a:solidFill>
+                  <a:schemeClr val="tx1"/>
+                </a:solidFill>
+                <a:latin typeface="+mn-lt"/>
+                <a:ea typeface="+mn-ea"/>
+                <a:cs typeface="+mn-cs"/>
+              </a:defRPr>
+            </a:lvl7pPr>
+            <a:lvl8pPr marL="3200400" indent="0" algn="ctr" defTabSz="914400" rtl="0" eaLnBrk="1" latinLnBrk="0" hangingPunct="1">
+              <a:lnSpc>
+                <a:spcPct val="90000"/>
+              </a:lnSpc>
+              <a:spcBef>
+                <a:spcPts val="500"/>
+              </a:spcBef>
+              <a:buFont typeface="Arial" panose="020B0604020202020204" pitchFamily="34" charset="0"/>
+              <a:buNone/>
+              <a:defRPr kumimoji="1" sz="1600" kern="1200">
+                <a:solidFill>
+                  <a:schemeClr val="tx1"/>
+                </a:solidFill>
+                <a:latin typeface="+mn-lt"/>
+                <a:ea typeface="+mn-ea"/>
+                <a:cs typeface="+mn-cs"/>
+              </a:defRPr>
+            </a:lvl8pPr>
+            <a:lvl9pPr marL="3657600" indent="0" algn="ctr" defTabSz="914400" rtl="0" eaLnBrk="1" latinLnBrk="0" hangingPunct="1">
+              <a:lnSpc>
+                <a:spcPct val="90000"/>
+              </a:lnSpc>
+              <a:spcBef>
+                <a:spcPts val="500"/>
+              </a:spcBef>
+              <a:buFont typeface="Arial" panose="020B0604020202020204" pitchFamily="34" charset="0"/>
+              <a:buNone/>
+              <a:defRPr kumimoji="1" sz="1600" kern="1200">
+                <a:solidFill>
+                  <a:schemeClr val="tx1"/>
+                </a:solidFill>
+                <a:latin typeface="+mn-lt"/>
+                <a:ea typeface="+mn-ea"/>
+                <a:cs typeface="+mn-cs"/>
+              </a:defRPr>
+            </a:lvl9pPr>
+          </a:lstStyle>
+          <a:p>
+            <a:pPr algn="l"/>
+            <a:r>
+              <a:rPr lang="en-US" sz="3600" b="1" dirty="0" smtClean="0">
+                <a:solidFill>
+                  <a:srgbClr val="0064B5"/>
+                </a:solidFill>
+              </a:rPr>
+              <a:t>Different Ways of Adding CSS</a:t>
+            </a:r>
+          </a:p>
+        </p:txBody>
+      </p:sp>
+      <p:sp>
+        <p:nvSpPr>
+          <p:cNvPr id="12" name="Rectangle 11"/>
+          <p:cNvSpPr/>
+          <p:nvPr/>
+        </p:nvSpPr>
+        <p:spPr>
+          <a:xfrm>
+            <a:off x="503207" y="1156273"/>
+            <a:ext cx="9693216" cy="584775"/>
+          </a:xfrm>
+          <a:prstGeom prst="rect">
+            <a:avLst/>
+          </a:prstGeom>
+        </p:spPr>
+        <p:txBody>
+          <a:bodyPr wrap="square">
+            <a:spAutoFit/>
+          </a:bodyPr>
+          <a:lstStyle/>
+          <a:p>
+            <a:r>
+              <a:rPr lang="en-US" sz="1600" dirty="0" smtClean="0"/>
+              <a:t>An internal style sheet may be used if one single HTML page has a unique style.</a:t>
+            </a:r>
+          </a:p>
+          <a:p>
+            <a:r>
+              <a:rPr lang="en-US" sz="1600" dirty="0" smtClean="0"/>
+              <a:t>The internal style is defined inside the &lt;style&gt; element, inside the head section.</a:t>
+            </a:r>
+            <a:endParaRPr lang="en-US" sz="1600" dirty="0"/>
+          </a:p>
+        </p:txBody>
+      </p:sp>
+      <p:sp>
+        <p:nvSpPr>
+          <p:cNvPr id="13" name="Rectangle 12">
+            <a:extLst>
+              <a:ext uri="{FF2B5EF4-FFF2-40B4-BE49-F238E27FC236}">
+                <a16:creationId xmlns:a16="http://schemas.microsoft.com/office/drawing/2014/main" xmlns="" id="{206016ED-72BE-418C-807D-52DC06FF490C}"/>
+              </a:ext>
+            </a:extLst>
+          </p:cNvPr>
+          <p:cNvSpPr/>
+          <p:nvPr/>
+        </p:nvSpPr>
+        <p:spPr>
+          <a:xfrm>
+            <a:off x="569450" y="1751161"/>
+            <a:ext cx="10101426" cy="4554747"/>
+          </a:xfrm>
+          <a:prstGeom prst="rect">
+            <a:avLst/>
+          </a:prstGeom>
+          <a:gradFill flip="none" rotWithShape="1">
+            <a:gsLst>
+              <a:gs pos="0">
+                <a:schemeClr val="bg2"/>
+              </a:gs>
+              <a:gs pos="50000">
+                <a:schemeClr val="accent3">
+                  <a:lumMod val="20000"/>
+                  <a:lumOff val="80000"/>
+                  <a:shade val="67500"/>
+                  <a:satMod val="115000"/>
+                </a:schemeClr>
+              </a:gs>
+              <a:gs pos="100000">
+                <a:schemeClr val="accent3">
+                  <a:lumMod val="20000"/>
+                  <a:lumOff val="80000"/>
+                  <a:shade val="100000"/>
+                  <a:satMod val="115000"/>
+                </a:schemeClr>
+              </a:gs>
+            </a:gsLst>
+            <a:lin ang="6600000" scaled="0"/>
+            <a:tileRect/>
+          </a:gradFill>
+          <a:ln>
+            <a:solidFill>
+              <a:schemeClr val="tx1">
+                <a:lumMod val="50000"/>
+                <a:lumOff val="50000"/>
+              </a:schemeClr>
+            </a:solidFill>
+          </a:ln>
+        </p:spPr>
+        <p:style>
+          <a:lnRef idx="2">
+            <a:schemeClr val="accent1">
+              <a:shade val="50000"/>
+            </a:schemeClr>
+          </a:lnRef>
+          <a:fillRef idx="1">
+            <a:schemeClr val="accent1"/>
+          </a:fillRef>
+          <a:effectRef idx="0">
+            <a:schemeClr val="accent1"/>
+          </a:effectRef>
+          <a:fontRef idx="minor">
+            <a:schemeClr val="lt1"/>
+          </a:fontRef>
+        </p:style>
+        <p:txBody>
+          <a:bodyPr rtlCol="0" anchor="ctr"/>
+          <a:lstStyle/>
+          <a:p>
+            <a:r>
+              <a:rPr lang="en-US" sz="1600" dirty="0" smtClean="0">
+                <a:solidFill>
+                  <a:schemeClr val="dk1"/>
+                </a:solidFill>
+              </a:rPr>
+              <a:t>&lt;html&gt;</a:t>
+            </a:r>
+            <a:br>
+              <a:rPr lang="en-US" sz="1600" dirty="0" smtClean="0">
+                <a:solidFill>
+                  <a:schemeClr val="dk1"/>
+                </a:solidFill>
+              </a:rPr>
+            </a:br>
+            <a:r>
+              <a:rPr lang="en-US" sz="1600" dirty="0" smtClean="0">
+                <a:solidFill>
+                  <a:schemeClr val="dk1"/>
+                </a:solidFill>
+              </a:rPr>
+              <a:t>&lt;head&gt;</a:t>
+            </a:r>
+            <a:br>
+              <a:rPr lang="en-US" sz="1600" dirty="0" smtClean="0">
+                <a:solidFill>
+                  <a:schemeClr val="dk1"/>
+                </a:solidFill>
+              </a:rPr>
+            </a:br>
+            <a:r>
+              <a:rPr lang="en-US" sz="1600" dirty="0" smtClean="0">
+                <a:solidFill>
+                  <a:schemeClr val="dk1"/>
+                </a:solidFill>
+              </a:rPr>
+              <a:t>&lt;style&gt;</a:t>
+            </a:r>
+            <a:br>
+              <a:rPr lang="en-US" sz="1600" dirty="0" smtClean="0">
+                <a:solidFill>
+                  <a:schemeClr val="dk1"/>
+                </a:solidFill>
+              </a:rPr>
+            </a:br>
+            <a:r>
+              <a:rPr lang="en-US" sz="1600" dirty="0" smtClean="0">
+                <a:solidFill>
+                  <a:schemeClr val="dk1"/>
+                </a:solidFill>
+              </a:rPr>
+              <a:t>body {</a:t>
+            </a:r>
+            <a:br>
+              <a:rPr lang="en-US" sz="1600" dirty="0" smtClean="0">
+                <a:solidFill>
+                  <a:schemeClr val="dk1"/>
+                </a:solidFill>
+              </a:rPr>
+            </a:br>
+            <a:r>
+              <a:rPr lang="en-US" sz="1600" dirty="0" smtClean="0">
+                <a:solidFill>
+                  <a:schemeClr val="dk1"/>
+                </a:solidFill>
+              </a:rPr>
+              <a:t>  background-color: linen;</a:t>
+            </a:r>
+            <a:br>
+              <a:rPr lang="en-US" sz="1600" dirty="0" smtClean="0">
+                <a:solidFill>
+                  <a:schemeClr val="dk1"/>
+                </a:solidFill>
+              </a:rPr>
+            </a:br>
+            <a:r>
+              <a:rPr lang="en-US" sz="1600" dirty="0" smtClean="0">
+                <a:solidFill>
+                  <a:schemeClr val="dk1"/>
+                </a:solidFill>
+              </a:rPr>
+              <a:t>}</a:t>
+            </a:r>
+            <a:br>
+              <a:rPr lang="en-US" sz="1600" dirty="0" smtClean="0">
+                <a:solidFill>
+                  <a:schemeClr val="dk1"/>
+                </a:solidFill>
+              </a:rPr>
+            </a:br>
+            <a:r>
+              <a:rPr lang="en-US" sz="1600" dirty="0" smtClean="0">
+                <a:solidFill>
+                  <a:schemeClr val="dk1"/>
+                </a:solidFill>
+              </a:rPr>
+              <a:t>h1 {</a:t>
+            </a:r>
+            <a:br>
+              <a:rPr lang="en-US" sz="1600" dirty="0" smtClean="0">
+                <a:solidFill>
+                  <a:schemeClr val="dk1"/>
+                </a:solidFill>
+              </a:rPr>
+            </a:br>
+            <a:r>
+              <a:rPr lang="en-US" sz="1600" dirty="0" smtClean="0">
+                <a:solidFill>
+                  <a:schemeClr val="dk1"/>
+                </a:solidFill>
+              </a:rPr>
+              <a:t>  color: maroon;</a:t>
+            </a:r>
+            <a:br>
+              <a:rPr lang="en-US" sz="1600" dirty="0" smtClean="0">
+                <a:solidFill>
+                  <a:schemeClr val="dk1"/>
+                </a:solidFill>
+              </a:rPr>
+            </a:br>
+            <a:r>
+              <a:rPr lang="en-US" sz="1600" dirty="0" smtClean="0">
+                <a:solidFill>
+                  <a:schemeClr val="dk1"/>
+                </a:solidFill>
+              </a:rPr>
+              <a:t>  margin-left: 40px;</a:t>
+            </a:r>
+            <a:br>
+              <a:rPr lang="en-US" sz="1600" dirty="0" smtClean="0">
+                <a:solidFill>
+                  <a:schemeClr val="dk1"/>
+                </a:solidFill>
+              </a:rPr>
+            </a:br>
+            <a:r>
+              <a:rPr lang="en-US" sz="1600" dirty="0" smtClean="0">
+                <a:solidFill>
+                  <a:schemeClr val="dk1"/>
+                </a:solidFill>
+              </a:rPr>
+              <a:t>}</a:t>
+            </a:r>
+            <a:br>
+              <a:rPr lang="en-US" sz="1600" dirty="0" smtClean="0">
+                <a:solidFill>
+                  <a:schemeClr val="dk1"/>
+                </a:solidFill>
+              </a:rPr>
+            </a:br>
+            <a:r>
+              <a:rPr lang="en-US" sz="1600" dirty="0" smtClean="0">
+                <a:solidFill>
+                  <a:schemeClr val="dk1"/>
+                </a:solidFill>
+              </a:rPr>
+              <a:t>&lt;/style&gt;</a:t>
+            </a:r>
+            <a:br>
+              <a:rPr lang="en-US" sz="1600" dirty="0" smtClean="0">
+                <a:solidFill>
+                  <a:schemeClr val="dk1"/>
+                </a:solidFill>
+              </a:rPr>
+            </a:br>
+            <a:r>
+              <a:rPr lang="en-US" sz="1600" dirty="0" smtClean="0">
+                <a:solidFill>
+                  <a:schemeClr val="dk1"/>
+                </a:solidFill>
+              </a:rPr>
+              <a:t>&lt;/head&gt;</a:t>
+            </a:r>
+            <a:br>
+              <a:rPr lang="en-US" sz="1600" dirty="0" smtClean="0">
+                <a:solidFill>
+                  <a:schemeClr val="dk1"/>
+                </a:solidFill>
+              </a:rPr>
+            </a:br>
+            <a:r>
+              <a:rPr lang="en-US" sz="1600" dirty="0" smtClean="0">
+                <a:solidFill>
+                  <a:schemeClr val="dk1"/>
+                </a:solidFill>
+              </a:rPr>
+              <a:t>&lt;body&gt;</a:t>
+            </a:r>
+            <a:br>
+              <a:rPr lang="en-US" sz="1600" dirty="0" smtClean="0">
+                <a:solidFill>
+                  <a:schemeClr val="dk1"/>
+                </a:solidFill>
+              </a:rPr>
+            </a:br>
+            <a:r>
+              <a:rPr lang="en-US" sz="1600" dirty="0" smtClean="0">
+                <a:solidFill>
+                  <a:schemeClr val="dk1"/>
+                </a:solidFill>
+              </a:rPr>
+              <a:t>&lt;h1&gt;This is a heading&lt;/h1&gt;</a:t>
+            </a:r>
+            <a:br>
+              <a:rPr lang="en-US" sz="1600" dirty="0" smtClean="0">
+                <a:solidFill>
+                  <a:schemeClr val="dk1"/>
+                </a:solidFill>
+              </a:rPr>
+            </a:br>
+            <a:r>
+              <a:rPr lang="en-US" sz="1600" dirty="0" smtClean="0">
+                <a:solidFill>
+                  <a:schemeClr val="dk1"/>
+                </a:solidFill>
+              </a:rPr>
+              <a:t>&lt;p&gt;This is a paragraph.&lt;/p&gt;</a:t>
+            </a:r>
+            <a:br>
+              <a:rPr lang="en-US" sz="1600" dirty="0" smtClean="0">
+                <a:solidFill>
+                  <a:schemeClr val="dk1"/>
+                </a:solidFill>
+              </a:rPr>
+            </a:br>
+            <a:r>
+              <a:rPr lang="en-US" sz="1600" dirty="0" smtClean="0">
+                <a:solidFill>
+                  <a:schemeClr val="dk1"/>
+                </a:solidFill>
+              </a:rPr>
+              <a:t>&lt;/body&gt;</a:t>
+            </a:r>
+            <a:r>
+              <a:rPr lang="en-US" sz="1600" dirty="0" smtClean="0"/>
+              <a:t/>
+            </a:r>
+            <a:br>
+              <a:rPr lang="en-US" sz="1600" dirty="0" smtClean="0"/>
+            </a:br>
+            <a:r>
+              <a:rPr lang="en-US" sz="1600" dirty="0" smtClean="0">
+                <a:solidFill>
+                  <a:schemeClr val="dk1"/>
+                </a:solidFill>
+              </a:rPr>
+              <a:t>&lt;/html&gt;</a:t>
+            </a:r>
+            <a:endParaRPr lang="en-US" sz="1600" dirty="0">
+              <a:solidFill>
+                <a:schemeClr val="dk1"/>
+              </a:solidFill>
+            </a:endParaRPr>
+          </a:p>
+        </p:txBody>
+      </p:sp>
+      <p:sp>
+        <p:nvSpPr>
+          <p:cNvPr id="14" name="Rectangle 13"/>
+          <p:cNvSpPr/>
+          <p:nvPr/>
+        </p:nvSpPr>
+        <p:spPr>
+          <a:xfrm>
+            <a:off x="462835" y="661929"/>
+            <a:ext cx="1362745" cy="507831"/>
+          </a:xfrm>
+          <a:prstGeom prst="rect">
+            <a:avLst/>
+          </a:prstGeom>
+        </p:spPr>
+        <p:txBody>
+          <a:bodyPr wrap="none">
+            <a:spAutoFit/>
+          </a:bodyPr>
+          <a:lstStyle/>
+          <a:p>
+            <a:pPr marL="285750" indent="-285750">
+              <a:lnSpc>
+                <a:spcPct val="150000"/>
+              </a:lnSpc>
+            </a:pPr>
+            <a:r>
+              <a:rPr lang="en-US" b="1" u="sng" dirty="0" err="1" smtClean="0"/>
+              <a:t>Intenal</a:t>
+            </a:r>
+            <a:r>
+              <a:rPr lang="en-US" b="1" u="sng" dirty="0" smtClean="0"/>
+              <a:t> CSS :</a:t>
+            </a:r>
+          </a:p>
+        </p:txBody>
+      </p:sp>
+    </p:spTree>
+    <p:extLst>
+      <p:ext uri="{BB962C8B-B14F-4D97-AF65-F5344CB8AC3E}">
+        <p14:creationId xmlns:p14="http://schemas.microsoft.com/office/powerpoint/2010/main" xmlns="" val="2848728424"/>
+      </p:ext>
+    </p:extLst>
+  </p:cSld>
+  <p:clrMapOvr>
+    <a:masterClrMapping/>
+  </p:clrMapOvr>
+  <p:timing>
+    <p:tnLst>
+      <p:par>
+        <p:cTn id="1" dur="indefinite" restart="never" nodeType="tmRoot"/>
+      </p:par>
+    </p:tnLst>
+  </p:timing>
+</p:sld>
+</file>
+
+<file path=ppt/slides/slide2.xml><?xml version="1.0" encoding="utf-8"?>
+<p:sld xmlns:a="http://schemas.openxmlformats.org/drawingml/2006/main" xmlns:r="http://schemas.openxmlformats.org/officeDocument/2006/relationships" xmlns:p="http://schemas.openxmlformats.org/presentationml/2006/main">
+  <p:cSld>
+    <p:spTree>
+      <p:nvGrpSpPr>
+        <p:cNvPr id="1" name=""/>
+        <p:cNvGrpSpPr/>
+        <p:nvPr/>
+      </p:nvGrpSpPr>
+      <p:grpSpPr>
+        <a:xfrm>
+          <a:off x="0" y="0"/>
+          <a:ext cx="0" cy="0"/>
+          <a:chOff x="0" y="0"/>
+          <a:chExt cx="0" cy="0"/>
+        </a:xfrm>
+      </p:grpSpPr>
+      <p:sp>
+        <p:nvSpPr>
+          <p:cNvPr id="4" name="Content Placeholder 13"/>
+          <p:cNvSpPr txBox="1">
+            <a:spLocks/>
+          </p:cNvSpPr>
+          <p:nvPr/>
+        </p:nvSpPr>
+        <p:spPr>
+          <a:xfrm>
+            <a:off x="321126" y="334401"/>
+            <a:ext cx="9791700" cy="630192"/>
+          </a:xfrm>
+          <a:prstGeom prst="rect">
+            <a:avLst/>
+          </a:prstGeom>
+        </p:spPr>
+        <p:txBody>
+          <a:bodyPr vert="horz" lIns="91440" tIns="45720" rIns="91440" bIns="45720" rtlCol="0">
+            <a:noAutofit/>
+          </a:bodyPr>
+          <a:lstStyle>
+            <a:lvl1pPr marL="0" indent="0" algn="ctr" defTabSz="914400" rtl="0" eaLnBrk="1" latinLnBrk="0" hangingPunct="1">
+              <a:lnSpc>
+                <a:spcPct val="90000"/>
+              </a:lnSpc>
+              <a:spcBef>
+                <a:spcPts val="1000"/>
+              </a:spcBef>
+              <a:buFont typeface="Arial" panose="020B0604020202020204" pitchFamily="34" charset="0"/>
+              <a:buNone/>
+              <a:defRPr kumimoji="1" sz="2400" kern="1200">
+                <a:solidFill>
+                  <a:schemeClr val="tx1"/>
+                </a:solidFill>
+                <a:latin typeface="+mn-lt"/>
+                <a:ea typeface="+mn-ea"/>
+                <a:cs typeface="+mn-cs"/>
+              </a:defRPr>
+            </a:lvl1pPr>
+            <a:lvl2pPr marL="457200" indent="0" algn="ctr" defTabSz="914400" rtl="0" eaLnBrk="1" latinLnBrk="0" hangingPunct="1">
+              <a:lnSpc>
+                <a:spcPct val="90000"/>
+              </a:lnSpc>
+              <a:spcBef>
+                <a:spcPts val="500"/>
+              </a:spcBef>
+              <a:buFont typeface="Arial" panose="020B0604020202020204" pitchFamily="34" charset="0"/>
+              <a:buNone/>
+              <a:defRPr kumimoji="1" sz="2000" kern="1200">
+                <a:solidFill>
+                  <a:schemeClr val="tx1"/>
+                </a:solidFill>
+                <a:latin typeface="+mn-lt"/>
+                <a:ea typeface="+mn-ea"/>
+                <a:cs typeface="+mn-cs"/>
+              </a:defRPr>
+            </a:lvl2pPr>
+            <a:lvl3pPr marL="914400" indent="0" algn="ctr" defTabSz="914400" rtl="0" eaLnBrk="1" latinLnBrk="0" hangingPunct="1">
+              <a:lnSpc>
+                <a:spcPct val="90000"/>
+              </a:lnSpc>
+              <a:spcBef>
+                <a:spcPts val="500"/>
+              </a:spcBef>
+              <a:buFont typeface="Arial" panose="020B0604020202020204" pitchFamily="34" charset="0"/>
+              <a:buNone/>
+              <a:defRPr kumimoji="1" sz="1800" kern="1200">
+                <a:solidFill>
+                  <a:schemeClr val="tx1"/>
+                </a:solidFill>
+                <a:latin typeface="+mn-lt"/>
+                <a:ea typeface="+mn-ea"/>
+                <a:cs typeface="+mn-cs"/>
+              </a:defRPr>
+            </a:lvl3pPr>
+            <a:lvl4pPr marL="1371600" indent="0" algn="ctr" defTabSz="914400" rtl="0" eaLnBrk="1" latinLnBrk="0" hangingPunct="1">
+              <a:lnSpc>
+                <a:spcPct val="90000"/>
+              </a:lnSpc>
+              <a:spcBef>
+                <a:spcPts val="500"/>
+              </a:spcBef>
+              <a:buFont typeface="Arial" panose="020B0604020202020204" pitchFamily="34" charset="0"/>
+              <a:buNone/>
+              <a:defRPr kumimoji="1" sz="1600" kern="1200">
+                <a:solidFill>
+                  <a:schemeClr val="tx1"/>
+                </a:solidFill>
+                <a:latin typeface="+mn-lt"/>
+                <a:ea typeface="+mn-ea"/>
+                <a:cs typeface="+mn-cs"/>
+              </a:defRPr>
+            </a:lvl4pPr>
+            <a:lvl5pPr marL="1828800" indent="0" algn="ctr" defTabSz="914400" rtl="0" eaLnBrk="1" latinLnBrk="0" hangingPunct="1">
+              <a:lnSpc>
+                <a:spcPct val="90000"/>
+              </a:lnSpc>
+              <a:spcBef>
+                <a:spcPts val="500"/>
+              </a:spcBef>
+              <a:buFont typeface="Arial" panose="020B0604020202020204" pitchFamily="34" charset="0"/>
+              <a:buNone/>
+              <a:defRPr kumimoji="1" sz="1600" kern="1200">
+                <a:solidFill>
+                  <a:schemeClr val="tx1"/>
+                </a:solidFill>
+                <a:latin typeface="+mn-lt"/>
+                <a:ea typeface="+mn-ea"/>
+                <a:cs typeface="+mn-cs"/>
+              </a:defRPr>
+            </a:lvl5pPr>
+            <a:lvl6pPr marL="2286000" indent="0" algn="ctr" defTabSz="914400" rtl="0" eaLnBrk="1" latinLnBrk="0" hangingPunct="1">
+              <a:lnSpc>
+                <a:spcPct val="90000"/>
+              </a:lnSpc>
+              <a:spcBef>
+                <a:spcPts val="500"/>
+              </a:spcBef>
+              <a:buFont typeface="Arial" panose="020B0604020202020204" pitchFamily="34" charset="0"/>
+              <a:buNone/>
+              <a:defRPr kumimoji="1" sz="1600" kern="1200">
+                <a:solidFill>
+                  <a:schemeClr val="tx1"/>
+                </a:solidFill>
+                <a:latin typeface="+mn-lt"/>
+                <a:ea typeface="+mn-ea"/>
+                <a:cs typeface="+mn-cs"/>
+              </a:defRPr>
+            </a:lvl6pPr>
+            <a:lvl7pPr marL="2743200" indent="0" algn="ctr" defTabSz="914400" rtl="0" eaLnBrk="1" latinLnBrk="0" hangingPunct="1">
+              <a:lnSpc>
+                <a:spcPct val="90000"/>
+              </a:lnSpc>
+              <a:spcBef>
+                <a:spcPts val="500"/>
+              </a:spcBef>
+              <a:buFont typeface="Arial" panose="020B0604020202020204" pitchFamily="34" charset="0"/>
+              <a:buNone/>
+              <a:defRPr kumimoji="1" sz="1600" kern="1200">
+                <a:solidFill>
+                  <a:schemeClr val="tx1"/>
+                </a:solidFill>
+                <a:latin typeface="+mn-lt"/>
+                <a:ea typeface="+mn-ea"/>
+                <a:cs typeface="+mn-cs"/>
+              </a:defRPr>
+            </a:lvl7pPr>
+            <a:lvl8pPr marL="3200400" indent="0" algn="ctr" defTabSz="914400" rtl="0" eaLnBrk="1" latinLnBrk="0" hangingPunct="1">
+              <a:lnSpc>
+                <a:spcPct val="90000"/>
+              </a:lnSpc>
+              <a:spcBef>
+                <a:spcPts val="500"/>
+              </a:spcBef>
+              <a:buFont typeface="Arial" panose="020B0604020202020204" pitchFamily="34" charset="0"/>
+              <a:buNone/>
+              <a:defRPr kumimoji="1" sz="1600" kern="1200">
+                <a:solidFill>
+                  <a:schemeClr val="tx1"/>
+                </a:solidFill>
+                <a:latin typeface="+mn-lt"/>
+                <a:ea typeface="+mn-ea"/>
+                <a:cs typeface="+mn-cs"/>
+              </a:defRPr>
+            </a:lvl8pPr>
+            <a:lvl9pPr marL="3657600" indent="0" algn="ctr" defTabSz="914400" rtl="0" eaLnBrk="1" latinLnBrk="0" hangingPunct="1">
+              <a:lnSpc>
+                <a:spcPct val="90000"/>
+              </a:lnSpc>
+              <a:spcBef>
+                <a:spcPts val="500"/>
+              </a:spcBef>
+              <a:buFont typeface="Arial" panose="020B0604020202020204" pitchFamily="34" charset="0"/>
+              <a:buNone/>
+              <a:defRPr kumimoji="1" sz="1600" kern="1200">
+                <a:solidFill>
+                  <a:schemeClr val="tx1"/>
+                </a:solidFill>
+                <a:latin typeface="+mn-lt"/>
+                <a:ea typeface="+mn-ea"/>
+                <a:cs typeface="+mn-cs"/>
+              </a:defRPr>
+            </a:lvl9pPr>
+          </a:lstStyle>
+          <a:p>
+            <a:pPr algn="l"/>
+            <a:r>
+              <a:rPr lang="en-US" sz="3600" b="1" dirty="0">
+                <a:solidFill>
+                  <a:srgbClr val="0064B5"/>
+                </a:solidFill>
+              </a:rPr>
+              <a:t>Agenda</a:t>
+            </a:r>
+          </a:p>
+        </p:txBody>
+      </p:sp>
+      <p:sp>
+        <p:nvSpPr>
+          <p:cNvPr id="3" name="Rectangle 2"/>
+          <p:cNvSpPr/>
+          <p:nvPr/>
+        </p:nvSpPr>
+        <p:spPr>
+          <a:xfrm>
+            <a:off x="321126" y="965455"/>
+            <a:ext cx="10991307" cy="3416320"/>
+          </a:xfrm>
+          <a:prstGeom prst="rect">
+            <a:avLst/>
+          </a:prstGeom>
+        </p:spPr>
+        <p:txBody>
+          <a:bodyPr wrap="square">
+            <a:spAutoFit/>
+          </a:bodyPr>
+          <a:lstStyle/>
+          <a:p>
+            <a:pPr marL="285750" indent="-285750">
+              <a:lnSpc>
+                <a:spcPct val="150000"/>
+              </a:lnSpc>
+              <a:buFont typeface="Arial" panose="020B0604020202020204" pitchFamily="34" charset="0"/>
+              <a:buChar char="•"/>
+            </a:pPr>
+            <a:r>
+              <a:rPr lang="en-US" altLang="ja-JP" dirty="0" smtClean="0"/>
+              <a:t>CSS Introduction</a:t>
+            </a:r>
+            <a:endParaRPr lang="en-US" altLang="ja-JP" dirty="0"/>
+          </a:p>
+          <a:p>
+            <a:pPr marL="285750" indent="-285750">
+              <a:lnSpc>
+                <a:spcPct val="150000"/>
+              </a:lnSpc>
+              <a:buFont typeface="Arial" panose="020B0604020202020204" pitchFamily="34" charset="0"/>
+              <a:buChar char="•"/>
+            </a:pPr>
+            <a:r>
+              <a:rPr lang="en-US" altLang="ja-JP" dirty="0" smtClean="0"/>
+              <a:t>CSS Syntax understanding</a:t>
+            </a:r>
+            <a:endParaRPr lang="en-US" altLang="ja-JP" dirty="0"/>
+          </a:p>
+          <a:p>
+            <a:pPr marL="285750" indent="-285750">
+              <a:lnSpc>
+                <a:spcPct val="150000"/>
+              </a:lnSpc>
+              <a:buFont typeface="Arial" panose="020B0604020202020204" pitchFamily="34" charset="0"/>
+              <a:buChar char="•"/>
+            </a:pPr>
+            <a:r>
+              <a:rPr lang="en-US" altLang="ja-JP" dirty="0" smtClean="0"/>
+              <a:t>CSS Selectors</a:t>
+            </a:r>
+          </a:p>
+          <a:p>
+            <a:pPr marL="285750" indent="-285750">
+              <a:lnSpc>
+                <a:spcPct val="150000"/>
+              </a:lnSpc>
+              <a:buFont typeface="Arial" panose="020B0604020202020204" pitchFamily="34" charset="0"/>
+              <a:buChar char="•"/>
+            </a:pPr>
+            <a:r>
+              <a:rPr lang="en-US" altLang="ja-JP" dirty="0" smtClean="0"/>
+              <a:t>Different Ways of Applying CSS in HTML</a:t>
+            </a:r>
+            <a:endParaRPr lang="en-US" altLang="ja-JP" dirty="0"/>
+          </a:p>
+          <a:p>
+            <a:pPr marL="285750" indent="-285750">
+              <a:lnSpc>
+                <a:spcPct val="150000"/>
+              </a:lnSpc>
+              <a:buFont typeface="Arial" panose="020B0604020202020204" pitchFamily="34" charset="0"/>
+              <a:buChar char="•"/>
+            </a:pPr>
+            <a:r>
+              <a:rPr lang="en-US" altLang="ja-JP" dirty="0" smtClean="0"/>
+              <a:t>CSS Properties – Deep Dive</a:t>
+            </a:r>
+            <a:endParaRPr lang="en-US" altLang="ja-JP" dirty="0"/>
+          </a:p>
+          <a:p>
+            <a:pPr marL="285750" indent="-285750">
+              <a:lnSpc>
+                <a:spcPct val="150000"/>
+              </a:lnSpc>
+              <a:buFont typeface="Arial" panose="020B0604020202020204" pitchFamily="34" charset="0"/>
+              <a:buChar char="•"/>
+            </a:pPr>
+            <a:r>
+              <a:rPr lang="en-US" altLang="ja-JP" dirty="0" smtClean="0"/>
+              <a:t>Building Various Navigation List</a:t>
+            </a:r>
+            <a:endParaRPr lang="en-US" altLang="ja-JP" dirty="0"/>
+          </a:p>
+          <a:p>
+            <a:pPr marL="285750" indent="-285750">
+              <a:lnSpc>
+                <a:spcPct val="150000"/>
+              </a:lnSpc>
+              <a:buFont typeface="Arial" panose="020B0604020202020204" pitchFamily="34" charset="0"/>
+              <a:buChar char="•"/>
+            </a:pPr>
+            <a:r>
+              <a:rPr lang="en-US" altLang="ja-JP" dirty="0" smtClean="0"/>
+              <a:t>Styling HTML Forms </a:t>
+            </a:r>
+          </a:p>
+          <a:p>
+            <a:pPr marL="285750" indent="-285750">
+              <a:lnSpc>
+                <a:spcPct val="150000"/>
+              </a:lnSpc>
+              <a:buFont typeface="Arial" panose="020B0604020202020204" pitchFamily="34" charset="0"/>
+              <a:buChar char="•"/>
+            </a:pPr>
+            <a:endParaRPr lang="en-US" altLang="ja-JP" dirty="0"/>
+          </a:p>
+        </p:txBody>
+      </p:sp>
+    </p:spTree>
+    <p:extLst>
+      <p:ext uri="{BB962C8B-B14F-4D97-AF65-F5344CB8AC3E}">
+        <p14:creationId xmlns:p14="http://schemas.microsoft.com/office/powerpoint/2010/main" xmlns="" val="1328577666"/>
+      </p:ext>
+    </p:extLst>
+  </p:cSld>
+  <p:clrMapOvr>
+    <a:masterClrMapping/>
+  </p:clrMapOvr>
+  <p:timing>
+    <p:tnLst>
+      <p:par>
+        <p:cTn id="1" dur="indefinite" restart="never" nodeType="tmRoot"/>
+      </p:par>
+    </p:tnLst>
+  </p:timing>
+</p:sld>
+</file>
+
+<file path=ppt/slides/slide20.xml><?xml version="1.0" encoding="utf-8"?>
+<p:sld xmlns:a="http://schemas.openxmlformats.org/drawingml/2006/main" xmlns:r="http://schemas.openxmlformats.org/officeDocument/2006/relationships" xmlns:p="http://schemas.openxmlformats.org/presentationml/2006/main">
+  <p:cSld>
+    <p:spTree>
+      <p:nvGrpSpPr>
+        <p:cNvPr id="1" name=""/>
+        <p:cNvGrpSpPr/>
+        <p:nvPr/>
+      </p:nvGrpSpPr>
+      <p:grpSpPr>
+        <a:xfrm>
+          <a:off x="0" y="0"/>
+          <a:ext cx="0" cy="0"/>
+          <a:chOff x="0" y="0"/>
+          <a:chExt cx="0" cy="0"/>
+        </a:xfrm>
+      </p:grpSpPr>
+      <p:sp>
+        <p:nvSpPr>
+          <p:cNvPr id="4" name="Content Placeholder 13"/>
+          <p:cNvSpPr txBox="1">
+            <a:spLocks/>
+          </p:cNvSpPr>
+          <p:nvPr/>
+        </p:nvSpPr>
+        <p:spPr>
+          <a:xfrm>
+            <a:off x="321126" y="135993"/>
+            <a:ext cx="9791700" cy="630192"/>
+          </a:xfrm>
+          <a:prstGeom prst="rect">
+            <a:avLst/>
+          </a:prstGeom>
+        </p:spPr>
+        <p:txBody>
+          <a:bodyPr vert="horz" lIns="91440" tIns="45720" rIns="91440" bIns="45720" rtlCol="0">
+            <a:noAutofit/>
+          </a:bodyPr>
+          <a:lstStyle>
+            <a:lvl1pPr marL="0" indent="0" algn="ctr" defTabSz="914400" rtl="0" eaLnBrk="1" latinLnBrk="0" hangingPunct="1">
+              <a:lnSpc>
+                <a:spcPct val="90000"/>
+              </a:lnSpc>
+              <a:spcBef>
+                <a:spcPts val="1000"/>
+              </a:spcBef>
+              <a:buFont typeface="Arial" panose="020B0604020202020204" pitchFamily="34" charset="0"/>
+              <a:buNone/>
+              <a:defRPr kumimoji="1" sz="2400" kern="1200">
+                <a:solidFill>
+                  <a:schemeClr val="tx1"/>
+                </a:solidFill>
+                <a:latin typeface="+mn-lt"/>
+                <a:ea typeface="+mn-ea"/>
+                <a:cs typeface="+mn-cs"/>
+              </a:defRPr>
+            </a:lvl1pPr>
+            <a:lvl2pPr marL="457200" indent="0" algn="ctr" defTabSz="914400" rtl="0" eaLnBrk="1" latinLnBrk="0" hangingPunct="1">
+              <a:lnSpc>
+                <a:spcPct val="90000"/>
+              </a:lnSpc>
+              <a:spcBef>
+                <a:spcPts val="500"/>
+              </a:spcBef>
+              <a:buFont typeface="Arial" panose="020B0604020202020204" pitchFamily="34" charset="0"/>
+              <a:buNone/>
+              <a:defRPr kumimoji="1" sz="2000" kern="1200">
+                <a:solidFill>
+                  <a:schemeClr val="tx1"/>
+                </a:solidFill>
+                <a:latin typeface="+mn-lt"/>
+                <a:ea typeface="+mn-ea"/>
+                <a:cs typeface="+mn-cs"/>
+              </a:defRPr>
+            </a:lvl2pPr>
+            <a:lvl3pPr marL="914400" indent="0" algn="ctr" defTabSz="914400" rtl="0" eaLnBrk="1" latinLnBrk="0" hangingPunct="1">
+              <a:lnSpc>
+                <a:spcPct val="90000"/>
+              </a:lnSpc>
+              <a:spcBef>
+                <a:spcPts val="500"/>
+              </a:spcBef>
+              <a:buFont typeface="Arial" panose="020B0604020202020204" pitchFamily="34" charset="0"/>
+              <a:buNone/>
+              <a:defRPr kumimoji="1" sz="1800" kern="1200">
+                <a:solidFill>
+                  <a:schemeClr val="tx1"/>
+                </a:solidFill>
+                <a:latin typeface="+mn-lt"/>
+                <a:ea typeface="+mn-ea"/>
+                <a:cs typeface="+mn-cs"/>
+              </a:defRPr>
+            </a:lvl3pPr>
+            <a:lvl4pPr marL="1371600" indent="0" algn="ctr" defTabSz="914400" rtl="0" eaLnBrk="1" latinLnBrk="0" hangingPunct="1">
+              <a:lnSpc>
+                <a:spcPct val="90000"/>
+              </a:lnSpc>
+              <a:spcBef>
+                <a:spcPts val="500"/>
+              </a:spcBef>
+              <a:buFont typeface="Arial" panose="020B0604020202020204" pitchFamily="34" charset="0"/>
+              <a:buNone/>
+              <a:defRPr kumimoji="1" sz="1600" kern="1200">
+                <a:solidFill>
+                  <a:schemeClr val="tx1"/>
+                </a:solidFill>
+                <a:latin typeface="+mn-lt"/>
+                <a:ea typeface="+mn-ea"/>
+                <a:cs typeface="+mn-cs"/>
+              </a:defRPr>
+            </a:lvl4pPr>
+            <a:lvl5pPr marL="1828800" indent="0" algn="ctr" defTabSz="914400" rtl="0" eaLnBrk="1" latinLnBrk="0" hangingPunct="1">
+              <a:lnSpc>
+                <a:spcPct val="90000"/>
+              </a:lnSpc>
+              <a:spcBef>
+                <a:spcPts val="500"/>
+              </a:spcBef>
+              <a:buFont typeface="Arial" panose="020B0604020202020204" pitchFamily="34" charset="0"/>
+              <a:buNone/>
+              <a:defRPr kumimoji="1" sz="1600" kern="1200">
+                <a:solidFill>
+                  <a:schemeClr val="tx1"/>
+                </a:solidFill>
+                <a:latin typeface="+mn-lt"/>
+                <a:ea typeface="+mn-ea"/>
+                <a:cs typeface="+mn-cs"/>
+              </a:defRPr>
+            </a:lvl5pPr>
+            <a:lvl6pPr marL="2286000" indent="0" algn="ctr" defTabSz="914400" rtl="0" eaLnBrk="1" latinLnBrk="0" hangingPunct="1">
+              <a:lnSpc>
+                <a:spcPct val="90000"/>
+              </a:lnSpc>
+              <a:spcBef>
+                <a:spcPts val="500"/>
+              </a:spcBef>
+              <a:buFont typeface="Arial" panose="020B0604020202020204" pitchFamily="34" charset="0"/>
+              <a:buNone/>
+              <a:defRPr kumimoji="1" sz="1600" kern="1200">
+                <a:solidFill>
+                  <a:schemeClr val="tx1"/>
+                </a:solidFill>
+                <a:latin typeface="+mn-lt"/>
+                <a:ea typeface="+mn-ea"/>
+                <a:cs typeface="+mn-cs"/>
+              </a:defRPr>
+            </a:lvl6pPr>
+            <a:lvl7pPr marL="2743200" indent="0" algn="ctr" defTabSz="914400" rtl="0" eaLnBrk="1" latinLnBrk="0" hangingPunct="1">
+              <a:lnSpc>
+                <a:spcPct val="90000"/>
+              </a:lnSpc>
+              <a:spcBef>
+                <a:spcPts val="500"/>
+              </a:spcBef>
+              <a:buFont typeface="Arial" panose="020B0604020202020204" pitchFamily="34" charset="0"/>
+              <a:buNone/>
+              <a:defRPr kumimoji="1" sz="1600" kern="1200">
+                <a:solidFill>
+                  <a:schemeClr val="tx1"/>
+                </a:solidFill>
+                <a:latin typeface="+mn-lt"/>
+                <a:ea typeface="+mn-ea"/>
+                <a:cs typeface="+mn-cs"/>
+              </a:defRPr>
+            </a:lvl7pPr>
+            <a:lvl8pPr marL="3200400" indent="0" algn="ctr" defTabSz="914400" rtl="0" eaLnBrk="1" latinLnBrk="0" hangingPunct="1">
+              <a:lnSpc>
+                <a:spcPct val="90000"/>
+              </a:lnSpc>
+              <a:spcBef>
+                <a:spcPts val="500"/>
+              </a:spcBef>
+              <a:buFont typeface="Arial" panose="020B0604020202020204" pitchFamily="34" charset="0"/>
+              <a:buNone/>
+              <a:defRPr kumimoji="1" sz="1600" kern="1200">
+                <a:solidFill>
+                  <a:schemeClr val="tx1"/>
+                </a:solidFill>
+                <a:latin typeface="+mn-lt"/>
+                <a:ea typeface="+mn-ea"/>
+                <a:cs typeface="+mn-cs"/>
+              </a:defRPr>
+            </a:lvl8pPr>
+            <a:lvl9pPr marL="3657600" indent="0" algn="ctr" defTabSz="914400" rtl="0" eaLnBrk="1" latinLnBrk="0" hangingPunct="1">
+              <a:lnSpc>
+                <a:spcPct val="90000"/>
+              </a:lnSpc>
+              <a:spcBef>
+                <a:spcPts val="500"/>
+              </a:spcBef>
+              <a:buFont typeface="Arial" panose="020B0604020202020204" pitchFamily="34" charset="0"/>
+              <a:buNone/>
+              <a:defRPr kumimoji="1" sz="1600" kern="1200">
+                <a:solidFill>
+                  <a:schemeClr val="tx1"/>
+                </a:solidFill>
+                <a:latin typeface="+mn-lt"/>
+                <a:ea typeface="+mn-ea"/>
+                <a:cs typeface="+mn-cs"/>
+              </a:defRPr>
+            </a:lvl9pPr>
+          </a:lstStyle>
+          <a:p>
+            <a:pPr algn="l"/>
+            <a:r>
+              <a:rPr lang="en-US" sz="3600" b="1" dirty="0" smtClean="0">
+                <a:solidFill>
+                  <a:srgbClr val="0064B5"/>
+                </a:solidFill>
+              </a:rPr>
+              <a:t>Different Ways of Adding CSS</a:t>
+            </a:r>
+          </a:p>
+        </p:txBody>
+      </p:sp>
+      <p:sp>
+        <p:nvSpPr>
+          <p:cNvPr id="12" name="Rectangle 11"/>
+          <p:cNvSpPr/>
+          <p:nvPr/>
+        </p:nvSpPr>
+        <p:spPr>
+          <a:xfrm>
+            <a:off x="503207" y="1156273"/>
+            <a:ext cx="9693216" cy="584775"/>
+          </a:xfrm>
+          <a:prstGeom prst="rect">
+            <a:avLst/>
+          </a:prstGeom>
+        </p:spPr>
+        <p:txBody>
+          <a:bodyPr wrap="square">
+            <a:spAutoFit/>
+          </a:bodyPr>
+          <a:lstStyle/>
+          <a:p>
+            <a:r>
+              <a:rPr lang="en-US" sz="1600" dirty="0" smtClean="0"/>
+              <a:t>An inline style may be used to apply a unique style for a single element, to use inline styles, add the style attribute to the relevant element.</a:t>
+            </a:r>
+            <a:endParaRPr lang="en-US" sz="1600" dirty="0"/>
+          </a:p>
+        </p:txBody>
+      </p:sp>
+      <p:sp>
+        <p:nvSpPr>
+          <p:cNvPr id="13" name="Rectangle 12">
+            <a:extLst>
+              <a:ext uri="{FF2B5EF4-FFF2-40B4-BE49-F238E27FC236}">
+                <a16:creationId xmlns:a16="http://schemas.microsoft.com/office/drawing/2014/main" xmlns="" id="{206016ED-72BE-418C-807D-52DC06FF490C}"/>
+              </a:ext>
+            </a:extLst>
+          </p:cNvPr>
+          <p:cNvSpPr/>
+          <p:nvPr/>
+        </p:nvSpPr>
+        <p:spPr>
+          <a:xfrm>
+            <a:off x="569449" y="1777042"/>
+            <a:ext cx="10101426" cy="3347049"/>
+          </a:xfrm>
+          <a:prstGeom prst="rect">
+            <a:avLst/>
+          </a:prstGeom>
+          <a:gradFill flip="none" rotWithShape="1">
+            <a:gsLst>
+              <a:gs pos="0">
+                <a:schemeClr val="bg2"/>
+              </a:gs>
+              <a:gs pos="50000">
+                <a:schemeClr val="accent3">
+                  <a:lumMod val="20000"/>
+                  <a:lumOff val="80000"/>
+                  <a:shade val="67500"/>
+                  <a:satMod val="115000"/>
+                </a:schemeClr>
+              </a:gs>
+              <a:gs pos="100000">
+                <a:schemeClr val="accent3">
+                  <a:lumMod val="20000"/>
+                  <a:lumOff val="80000"/>
+                  <a:shade val="100000"/>
+                  <a:satMod val="115000"/>
+                </a:schemeClr>
+              </a:gs>
+            </a:gsLst>
+            <a:lin ang="6600000" scaled="0"/>
+            <a:tileRect/>
+          </a:gradFill>
+          <a:ln>
+            <a:solidFill>
+              <a:schemeClr val="tx1">
+                <a:lumMod val="50000"/>
+                <a:lumOff val="50000"/>
+              </a:schemeClr>
+            </a:solidFill>
+          </a:ln>
+        </p:spPr>
+        <p:style>
+          <a:lnRef idx="2">
+            <a:schemeClr val="accent1">
+              <a:shade val="50000"/>
+            </a:schemeClr>
+          </a:lnRef>
+          <a:fillRef idx="1">
+            <a:schemeClr val="accent1"/>
+          </a:fillRef>
+          <a:effectRef idx="0">
+            <a:schemeClr val="accent1"/>
+          </a:effectRef>
+          <a:fontRef idx="minor">
+            <a:schemeClr val="lt1"/>
+          </a:fontRef>
+        </p:style>
+        <p:txBody>
+          <a:bodyPr rtlCol="0" anchor="ctr"/>
+          <a:lstStyle/>
+          <a:p>
+            <a:r>
+              <a:rPr lang="en-US" sz="1600" dirty="0" smtClean="0"/>
+              <a:t/>
+            </a:r>
+            <a:br>
+              <a:rPr lang="en-US" sz="1600" dirty="0" smtClean="0"/>
+            </a:br>
+            <a:r>
+              <a:rPr lang="en-US" sz="1600" dirty="0" smtClean="0">
+                <a:solidFill>
+                  <a:schemeClr val="dk1"/>
+                </a:solidFill>
+              </a:rPr>
+              <a:t> &lt;!DOCTYPE html&gt;</a:t>
+            </a:r>
+            <a:br>
+              <a:rPr lang="en-US" sz="1600" dirty="0" smtClean="0">
+                <a:solidFill>
+                  <a:schemeClr val="dk1"/>
+                </a:solidFill>
+              </a:rPr>
+            </a:br>
+            <a:r>
+              <a:rPr lang="en-US" sz="1600" dirty="0" smtClean="0">
+                <a:solidFill>
+                  <a:schemeClr val="dk1"/>
+                </a:solidFill>
+              </a:rPr>
+              <a:t>&lt;html&gt;</a:t>
+            </a:r>
+            <a:br>
+              <a:rPr lang="en-US" sz="1600" dirty="0" smtClean="0">
+                <a:solidFill>
+                  <a:schemeClr val="dk1"/>
+                </a:solidFill>
+              </a:rPr>
+            </a:br>
+            <a:r>
+              <a:rPr lang="en-US" sz="1600" dirty="0" smtClean="0">
+                <a:solidFill>
+                  <a:schemeClr val="dk1"/>
+                </a:solidFill>
+              </a:rPr>
+              <a:t>&lt;body&gt;</a:t>
+            </a:r>
+            <a:br>
+              <a:rPr lang="en-US" sz="1600" dirty="0" smtClean="0">
+                <a:solidFill>
+                  <a:schemeClr val="dk1"/>
+                </a:solidFill>
+              </a:rPr>
+            </a:br>
+            <a:r>
+              <a:rPr lang="en-US" sz="1600" dirty="0" smtClean="0">
+                <a:solidFill>
+                  <a:schemeClr val="dk1"/>
+                </a:solidFill>
+              </a:rPr>
+              <a:t/>
+            </a:r>
+            <a:br>
+              <a:rPr lang="en-US" sz="1600" dirty="0" smtClean="0">
+                <a:solidFill>
+                  <a:schemeClr val="dk1"/>
+                </a:solidFill>
+              </a:rPr>
+            </a:br>
+            <a:r>
+              <a:rPr lang="en-US" sz="1600" dirty="0" smtClean="0">
+                <a:solidFill>
+                  <a:schemeClr val="dk1"/>
+                </a:solidFill>
+              </a:rPr>
+              <a:t>&lt;h1 style="</a:t>
+            </a:r>
+            <a:r>
+              <a:rPr lang="en-US" sz="1600" dirty="0" err="1" smtClean="0">
+                <a:solidFill>
+                  <a:schemeClr val="dk1"/>
+                </a:solidFill>
+              </a:rPr>
+              <a:t>color:blue;text-align:center</a:t>
+            </a:r>
+            <a:r>
+              <a:rPr lang="en-US" sz="1600" dirty="0" smtClean="0">
+                <a:solidFill>
+                  <a:schemeClr val="dk1"/>
+                </a:solidFill>
+              </a:rPr>
+              <a:t>;"&gt;This is a heading&lt;/h1&gt;</a:t>
+            </a:r>
+            <a:br>
+              <a:rPr lang="en-US" sz="1600" dirty="0" smtClean="0">
+                <a:solidFill>
+                  <a:schemeClr val="dk1"/>
+                </a:solidFill>
+              </a:rPr>
+            </a:br>
+            <a:r>
+              <a:rPr lang="en-US" sz="1600" dirty="0" smtClean="0">
+                <a:solidFill>
+                  <a:schemeClr val="dk1"/>
+                </a:solidFill>
+              </a:rPr>
+              <a:t>&lt;p style="</a:t>
+            </a:r>
+            <a:r>
+              <a:rPr lang="en-US" sz="1600" dirty="0" err="1" smtClean="0">
+                <a:solidFill>
+                  <a:schemeClr val="dk1"/>
+                </a:solidFill>
+              </a:rPr>
+              <a:t>color:red</a:t>
+            </a:r>
+            <a:r>
+              <a:rPr lang="en-US" sz="1600" dirty="0" smtClean="0">
+                <a:solidFill>
+                  <a:schemeClr val="dk1"/>
+                </a:solidFill>
+              </a:rPr>
+              <a:t>;"&gt;This is a paragraph.&lt;/p&gt;</a:t>
+            </a:r>
+            <a:br>
+              <a:rPr lang="en-US" sz="1600" dirty="0" smtClean="0">
+                <a:solidFill>
+                  <a:schemeClr val="dk1"/>
+                </a:solidFill>
+              </a:rPr>
+            </a:br>
+            <a:r>
+              <a:rPr lang="en-US" sz="1600" dirty="0" smtClean="0">
+                <a:solidFill>
+                  <a:schemeClr val="dk1"/>
+                </a:solidFill>
+              </a:rPr>
+              <a:t/>
+            </a:r>
+            <a:br>
+              <a:rPr lang="en-US" sz="1600" dirty="0" smtClean="0">
+                <a:solidFill>
+                  <a:schemeClr val="dk1"/>
+                </a:solidFill>
+              </a:rPr>
+            </a:br>
+            <a:r>
+              <a:rPr lang="en-US" sz="1600" dirty="0" smtClean="0">
+                <a:solidFill>
+                  <a:schemeClr val="dk1"/>
+                </a:solidFill>
+              </a:rPr>
+              <a:t>&lt;/body&gt;</a:t>
+            </a:r>
+            <a:br>
+              <a:rPr lang="en-US" sz="1600" dirty="0" smtClean="0">
+                <a:solidFill>
+                  <a:schemeClr val="dk1"/>
+                </a:solidFill>
+              </a:rPr>
+            </a:br>
+            <a:r>
+              <a:rPr lang="en-US" sz="1600" dirty="0" smtClean="0">
+                <a:solidFill>
+                  <a:schemeClr val="dk1"/>
+                </a:solidFill>
+              </a:rPr>
+              <a:t>&lt;/html&gt; </a:t>
+            </a:r>
+            <a:r>
+              <a:rPr lang="en-US" sz="1600" dirty="0" smtClean="0"/>
+              <a:t/>
+            </a:r>
+            <a:br>
+              <a:rPr lang="en-US" sz="1600" dirty="0" smtClean="0"/>
+            </a:br>
+            <a:endParaRPr lang="en-US" sz="1600" dirty="0">
+              <a:solidFill>
+                <a:schemeClr val="dk1"/>
+              </a:solidFill>
+            </a:endParaRPr>
+          </a:p>
+        </p:txBody>
+      </p:sp>
+      <p:sp>
+        <p:nvSpPr>
+          <p:cNvPr id="14" name="Rectangle 13"/>
+          <p:cNvSpPr/>
+          <p:nvPr/>
+        </p:nvSpPr>
+        <p:spPr>
+          <a:xfrm>
+            <a:off x="462835" y="661929"/>
+            <a:ext cx="1229824" cy="464871"/>
+          </a:xfrm>
+          <a:prstGeom prst="rect">
+            <a:avLst/>
+          </a:prstGeom>
+        </p:spPr>
+        <p:txBody>
+          <a:bodyPr wrap="none">
+            <a:spAutoFit/>
+          </a:bodyPr>
+          <a:lstStyle/>
+          <a:p>
+            <a:pPr marL="285750" indent="-285750">
+              <a:lnSpc>
+                <a:spcPct val="150000"/>
+              </a:lnSpc>
+            </a:pPr>
+            <a:r>
+              <a:rPr lang="en-US" b="1" u="sng" dirty="0" smtClean="0"/>
+              <a:t>Inline CSS :</a:t>
+            </a:r>
+          </a:p>
+        </p:txBody>
+      </p:sp>
+    </p:spTree>
+    <p:extLst>
+      <p:ext uri="{BB962C8B-B14F-4D97-AF65-F5344CB8AC3E}">
+        <p14:creationId xmlns:p14="http://schemas.microsoft.com/office/powerpoint/2010/main" xmlns="" val="2848728424"/>
+      </p:ext>
+    </p:extLst>
+  </p:cSld>
+  <p:clrMapOvr>
+    <a:masterClrMapping/>
+  </p:clrMapOvr>
+  <p:timing>
+    <p:tnLst>
+      <p:par>
+        <p:cTn id="1" dur="indefinite" restart="never" nodeType="tmRoot"/>
+      </p:par>
+    </p:tnLst>
+  </p:timing>
+</p:sld>
+</file>
+
+<file path=ppt/slides/slide21.xml><?xml version="1.0" encoding="utf-8"?>
+<p:sld xmlns:a="http://schemas.openxmlformats.org/drawingml/2006/main" xmlns:r="http://schemas.openxmlformats.org/officeDocument/2006/relationships" xmlns:p="http://schemas.openxmlformats.org/presentationml/2006/main">
+  <p:cSld>
+    <p:spTree>
+      <p:nvGrpSpPr>
+        <p:cNvPr id="1" name=""/>
+        <p:cNvGrpSpPr/>
+        <p:nvPr/>
+      </p:nvGrpSpPr>
+      <p:grpSpPr>
+        <a:xfrm>
+          <a:off x="0" y="0"/>
+          <a:ext cx="0" cy="0"/>
+          <a:chOff x="0" y="0"/>
+          <a:chExt cx="0" cy="0"/>
+        </a:xfrm>
+      </p:grpSpPr>
+      <p:sp>
+        <p:nvSpPr>
+          <p:cNvPr id="2" name="Title 1"/>
+          <p:cNvSpPr>
+            <a:spLocks noGrp="1"/>
+          </p:cNvSpPr>
+          <p:nvPr>
+            <p:ph type="title"/>
+          </p:nvPr>
+        </p:nvSpPr>
+        <p:spPr/>
+        <p:txBody>
+          <a:bodyPr/>
+          <a:lstStyle/>
+          <a:p>
+            <a:r>
+              <a:rPr lang="en-US" dirty="0" smtClean="0"/>
+              <a:t>CSS Order</a:t>
+            </a:r>
+            <a:endParaRPr lang="en-US" dirty="0"/>
+          </a:p>
+        </p:txBody>
+      </p:sp>
+      <p:pic>
+        <p:nvPicPr>
+          <p:cNvPr id="1026" name="Picture 2"/>
+          <p:cNvPicPr>
+            <a:picLocks noGrp="1" noChangeAspect="1" noChangeArrowheads="1"/>
+          </p:cNvPicPr>
+          <p:nvPr>
+            <p:ph idx="1"/>
+          </p:nvPr>
+        </p:nvPicPr>
+        <p:blipFill>
+          <a:blip r:embed="rId2"/>
+          <a:srcRect/>
+          <a:stretch>
+            <a:fillRect/>
+          </a:stretch>
+        </p:blipFill>
+        <p:spPr bwMode="auto">
+          <a:xfrm>
+            <a:off x="2745063" y="1825625"/>
+            <a:ext cx="6701874" cy="4351338"/>
+          </a:xfrm>
+          <a:prstGeom prst="rect">
+            <a:avLst/>
+          </a:prstGeom>
+          <a:noFill/>
+          <a:ln w="9525">
+            <a:noFill/>
+            <a:miter lim="800000"/>
+            <a:headEnd/>
+            <a:tailEnd/>
+          </a:ln>
+          <a:effectLst/>
+        </p:spPr>
+      </p:pic>
+    </p:spTree>
+  </p:cSld>
+  <p:clrMapOvr>
+    <a:masterClrMapping/>
+  </p:clrMapOvr>
+</p:sld>
+</file>
+
+<file path=ppt/slides/slide22.xml><?xml version="1.0" encoding="utf-8"?>
+<p:sld xmlns:a="http://schemas.openxmlformats.org/drawingml/2006/main" xmlns:r="http://schemas.openxmlformats.org/officeDocument/2006/relationships" xmlns:p="http://schemas.openxmlformats.org/presentationml/2006/main">
+  <p:cSld>
+    <p:spTree>
+      <p:nvGrpSpPr>
+        <p:cNvPr id="1" name=""/>
+        <p:cNvGrpSpPr/>
+        <p:nvPr/>
+      </p:nvGrpSpPr>
+      <p:grpSpPr>
+        <a:xfrm>
+          <a:off x="0" y="0"/>
+          <a:ext cx="0" cy="0"/>
+          <a:chOff x="0" y="0"/>
+          <a:chExt cx="0" cy="0"/>
+        </a:xfrm>
+      </p:grpSpPr>
+      <p:sp>
+        <p:nvSpPr>
+          <p:cNvPr id="2" name="Title 1"/>
+          <p:cNvSpPr>
+            <a:spLocks noGrp="1"/>
+          </p:cNvSpPr>
+          <p:nvPr>
+            <p:ph type="title"/>
+          </p:nvPr>
+        </p:nvSpPr>
+        <p:spPr/>
+        <p:txBody>
+          <a:bodyPr/>
+          <a:lstStyle/>
+          <a:p>
+            <a:r>
+              <a:rPr lang="en-US" dirty="0" smtClean="0"/>
+              <a:t>Question</a:t>
+            </a:r>
+            <a:endParaRPr lang="en-US" dirty="0"/>
+          </a:p>
+        </p:txBody>
+      </p:sp>
+      <p:pic>
+        <p:nvPicPr>
+          <p:cNvPr id="1026" name="Picture 2"/>
+          <p:cNvPicPr>
+            <a:picLocks noGrp="1" noChangeAspect="1" noChangeArrowheads="1"/>
+          </p:cNvPicPr>
+          <p:nvPr>
+            <p:ph idx="1"/>
+          </p:nvPr>
+        </p:nvPicPr>
+        <p:blipFill>
+          <a:blip r:embed="rId2"/>
+          <a:srcRect/>
+          <a:stretch>
+            <a:fillRect/>
+          </a:stretch>
+        </p:blipFill>
+        <p:spPr bwMode="auto">
+          <a:xfrm>
+            <a:off x="1347242" y="1876947"/>
+            <a:ext cx="6085524" cy="3596390"/>
+          </a:xfrm>
+          <a:prstGeom prst="rect">
+            <a:avLst/>
+          </a:prstGeom>
+          <a:noFill/>
+          <a:ln w="9525">
+            <a:noFill/>
+            <a:miter lim="800000"/>
+            <a:headEnd/>
+            <a:tailEnd/>
+          </a:ln>
+          <a:effectLst/>
+        </p:spPr>
+      </p:pic>
+    </p:spTree>
+  </p:cSld>
+  <p:clrMapOvr>
+    <a:masterClrMapping/>
+  </p:clrMapOvr>
+</p:sld>
+</file>
+
+<file path=ppt/slides/slide23.xml><?xml version="1.0" encoding="utf-8"?>
 <p:sld xmlns:a="http://schemas.openxmlformats.org/drawingml/2006/main" xmlns:r="http://schemas.openxmlformats.org/officeDocument/2006/relationships" xmlns:p="http://schemas.openxmlformats.org/presentationml/2006/main">
   <p:cSld>
     <p:spTree>
@@ -3295,7 +6481,7 @@
 </p:sld>
 </file>
 
-<file path=ppt/slides/slide11.xml><?xml version="1.0" encoding="utf-8"?>
+<file path=ppt/slides/slide24.xml><?xml version="1.0" encoding="utf-8"?>
 <p:sld xmlns:a="http://schemas.openxmlformats.org/drawingml/2006/main" xmlns:r="http://schemas.openxmlformats.org/officeDocument/2006/relationships" xmlns:p="http://schemas.openxmlformats.org/presentationml/2006/main">
   <p:cSld>
     <p:spTree>
@@ -3395,7 +6581,7 @@
 </p:sld>
 </file>
 
-<file path=ppt/slides/slide12.xml><?xml version="1.0" encoding="utf-8"?>
+<file path=ppt/slides/slide25.xml><?xml version="1.0" encoding="utf-8"?>
 <p:sld xmlns:a="http://schemas.openxmlformats.org/drawingml/2006/main" xmlns:r="http://schemas.openxmlformats.org/officeDocument/2006/relationships" xmlns:p="http://schemas.openxmlformats.org/presentationml/2006/main">
   <p:cSld>
     <p:spTree>
@@ -3495,7 +6681,7 @@
 </p:sld>
 </file>
 
-<file path=ppt/slides/slide13.xml><?xml version="1.0" encoding="utf-8"?>
+<file path=ppt/slides/slide26.xml><?xml version="1.0" encoding="utf-8"?>
 <p:sld xmlns:a="http://schemas.openxmlformats.org/drawingml/2006/main" xmlns:r="http://schemas.openxmlformats.org/officeDocument/2006/relationships" xmlns:p="http://schemas.openxmlformats.org/presentationml/2006/main">
   <p:cSld>
     <p:spTree>
@@ -3595,7 +6781,7 @@
 </p:sld>
 </file>
 
-<file path=ppt/slides/slide14.xml><?xml version="1.0" encoding="utf-8"?>
+<file path=ppt/slides/slide27.xml><?xml version="1.0" encoding="utf-8"?>
 <p:sld xmlns:a="http://schemas.openxmlformats.org/drawingml/2006/main" xmlns:r="http://schemas.openxmlformats.org/officeDocument/2006/relationships" xmlns:p="http://schemas.openxmlformats.org/presentationml/2006/main">
   <p:cSld>
     <p:spTree>
@@ -3695,7 +6881,7 @@
 </p:sld>
 </file>
 
-<file path=ppt/slides/slide15.xml><?xml version="1.0" encoding="utf-8"?>
+<file path=ppt/slides/slide28.xml><?xml version="1.0" encoding="utf-8"?>
 <p:sld xmlns:a="http://schemas.openxmlformats.org/drawingml/2006/main" xmlns:r="http://schemas.openxmlformats.org/officeDocument/2006/relationships" xmlns:p="http://schemas.openxmlformats.org/presentationml/2006/main">
   <p:cSld>
     <p:spTree>
@@ -3795,7 +6981,7 @@
 </p:sld>
 </file>
 
-<file path=ppt/slides/slide16.xml><?xml version="1.0" encoding="utf-8"?>
+<file path=ppt/slides/slide29.xml><?xml version="1.0" encoding="utf-8"?>
 <p:sld xmlns:a="http://schemas.openxmlformats.org/drawingml/2006/main" xmlns:r="http://schemas.openxmlformats.org/officeDocument/2006/relationships" xmlns:p="http://schemas.openxmlformats.org/presentationml/2006/main">
   <p:cSld>
     <p:spTree>
@@ -3895,7 +7081,362 @@
 </p:sld>
 </file>
 
-<file path=ppt/slides/slide17.xml><?xml version="1.0" encoding="utf-8"?>
+<file path=ppt/slides/slide3.xml><?xml version="1.0" encoding="utf-8"?>
+<p:sld xmlns:a="http://schemas.openxmlformats.org/drawingml/2006/main" xmlns:r="http://schemas.openxmlformats.org/officeDocument/2006/relationships" xmlns:p="http://schemas.openxmlformats.org/presentationml/2006/main">
+  <p:cSld>
+    <p:spTree>
+      <p:nvGrpSpPr>
+        <p:cNvPr id="1" name=""/>
+        <p:cNvGrpSpPr/>
+        <p:nvPr/>
+      </p:nvGrpSpPr>
+      <p:grpSpPr>
+        <a:xfrm>
+          <a:off x="0" y="0"/>
+          <a:ext cx="0" cy="0"/>
+          <a:chOff x="0" y="0"/>
+          <a:chExt cx="0" cy="0"/>
+        </a:xfrm>
+      </p:grpSpPr>
+      <p:sp>
+        <p:nvSpPr>
+          <p:cNvPr id="4" name="Content Placeholder 13"/>
+          <p:cNvSpPr txBox="1">
+            <a:spLocks/>
+          </p:cNvSpPr>
+          <p:nvPr/>
+        </p:nvSpPr>
+        <p:spPr>
+          <a:xfrm>
+            <a:off x="321126" y="334401"/>
+            <a:ext cx="9791700" cy="630192"/>
+          </a:xfrm>
+          <a:prstGeom prst="rect">
+            <a:avLst/>
+          </a:prstGeom>
+        </p:spPr>
+        <p:txBody>
+          <a:bodyPr vert="horz" lIns="91440" tIns="45720" rIns="91440" bIns="45720" rtlCol="0">
+            <a:noAutofit/>
+          </a:bodyPr>
+          <a:lstStyle>
+            <a:lvl1pPr marL="0" indent="0" algn="ctr" defTabSz="914400" rtl="0" eaLnBrk="1" latinLnBrk="0" hangingPunct="1">
+              <a:lnSpc>
+                <a:spcPct val="90000"/>
+              </a:lnSpc>
+              <a:spcBef>
+                <a:spcPts val="1000"/>
+              </a:spcBef>
+              <a:buFont typeface="Arial" panose="020B0604020202020204" pitchFamily="34" charset="0"/>
+              <a:buNone/>
+              <a:defRPr kumimoji="1" sz="2400" kern="1200">
+                <a:solidFill>
+                  <a:schemeClr val="tx1"/>
+                </a:solidFill>
+                <a:latin typeface="+mn-lt"/>
+                <a:ea typeface="+mn-ea"/>
+                <a:cs typeface="+mn-cs"/>
+              </a:defRPr>
+            </a:lvl1pPr>
+            <a:lvl2pPr marL="457200" indent="0" algn="ctr" defTabSz="914400" rtl="0" eaLnBrk="1" latinLnBrk="0" hangingPunct="1">
+              <a:lnSpc>
+                <a:spcPct val="90000"/>
+              </a:lnSpc>
+              <a:spcBef>
+                <a:spcPts val="500"/>
+              </a:spcBef>
+              <a:buFont typeface="Arial" panose="020B0604020202020204" pitchFamily="34" charset="0"/>
+              <a:buNone/>
+              <a:defRPr kumimoji="1" sz="2000" kern="1200">
+                <a:solidFill>
+                  <a:schemeClr val="tx1"/>
+                </a:solidFill>
+                <a:latin typeface="+mn-lt"/>
+                <a:ea typeface="+mn-ea"/>
+                <a:cs typeface="+mn-cs"/>
+              </a:defRPr>
+            </a:lvl2pPr>
+            <a:lvl3pPr marL="914400" indent="0" algn="ctr" defTabSz="914400" rtl="0" eaLnBrk="1" latinLnBrk="0" hangingPunct="1">
+              <a:lnSpc>
+                <a:spcPct val="90000"/>
+              </a:lnSpc>
+              <a:spcBef>
+                <a:spcPts val="500"/>
+              </a:spcBef>
+              <a:buFont typeface="Arial" panose="020B0604020202020204" pitchFamily="34" charset="0"/>
+              <a:buNone/>
+              <a:defRPr kumimoji="1" sz="1800" kern="1200">
+                <a:solidFill>
+                  <a:schemeClr val="tx1"/>
+                </a:solidFill>
+                <a:latin typeface="+mn-lt"/>
+                <a:ea typeface="+mn-ea"/>
+                <a:cs typeface="+mn-cs"/>
+              </a:defRPr>
+            </a:lvl3pPr>
+            <a:lvl4pPr marL="1371600" indent="0" algn="ctr" defTabSz="914400" rtl="0" eaLnBrk="1" latinLnBrk="0" hangingPunct="1">
+              <a:lnSpc>
+                <a:spcPct val="90000"/>
+              </a:lnSpc>
+              <a:spcBef>
+                <a:spcPts val="500"/>
+              </a:spcBef>
+              <a:buFont typeface="Arial" panose="020B0604020202020204" pitchFamily="34" charset="0"/>
+              <a:buNone/>
+              <a:defRPr kumimoji="1" sz="1600" kern="1200">
+                <a:solidFill>
+                  <a:schemeClr val="tx1"/>
+                </a:solidFill>
+                <a:latin typeface="+mn-lt"/>
+                <a:ea typeface="+mn-ea"/>
+                <a:cs typeface="+mn-cs"/>
+              </a:defRPr>
+            </a:lvl4pPr>
+            <a:lvl5pPr marL="1828800" indent="0" algn="ctr" defTabSz="914400" rtl="0" eaLnBrk="1" latinLnBrk="0" hangingPunct="1">
+              <a:lnSpc>
+                <a:spcPct val="90000"/>
+              </a:lnSpc>
+              <a:spcBef>
+                <a:spcPts val="500"/>
+              </a:spcBef>
+              <a:buFont typeface="Arial" panose="020B0604020202020204" pitchFamily="34" charset="0"/>
+              <a:buNone/>
+              <a:defRPr kumimoji="1" sz="1600" kern="1200">
+                <a:solidFill>
+                  <a:schemeClr val="tx1"/>
+                </a:solidFill>
+                <a:latin typeface="+mn-lt"/>
+                <a:ea typeface="+mn-ea"/>
+                <a:cs typeface="+mn-cs"/>
+              </a:defRPr>
+            </a:lvl5pPr>
+            <a:lvl6pPr marL="2286000" indent="0" algn="ctr" defTabSz="914400" rtl="0" eaLnBrk="1" latinLnBrk="0" hangingPunct="1">
+              <a:lnSpc>
+                <a:spcPct val="90000"/>
+              </a:lnSpc>
+              <a:spcBef>
+                <a:spcPts val="500"/>
+              </a:spcBef>
+              <a:buFont typeface="Arial" panose="020B0604020202020204" pitchFamily="34" charset="0"/>
+              <a:buNone/>
+              <a:defRPr kumimoji="1" sz="1600" kern="1200">
+                <a:solidFill>
+                  <a:schemeClr val="tx1"/>
+                </a:solidFill>
+                <a:latin typeface="+mn-lt"/>
+                <a:ea typeface="+mn-ea"/>
+                <a:cs typeface="+mn-cs"/>
+              </a:defRPr>
+            </a:lvl6pPr>
+            <a:lvl7pPr marL="2743200" indent="0" algn="ctr" defTabSz="914400" rtl="0" eaLnBrk="1" latinLnBrk="0" hangingPunct="1">
+              <a:lnSpc>
+                <a:spcPct val="90000"/>
+              </a:lnSpc>
+              <a:spcBef>
+                <a:spcPts val="500"/>
+              </a:spcBef>
+              <a:buFont typeface="Arial" panose="020B0604020202020204" pitchFamily="34" charset="0"/>
+              <a:buNone/>
+              <a:defRPr kumimoji="1" sz="1600" kern="1200">
+                <a:solidFill>
+                  <a:schemeClr val="tx1"/>
+                </a:solidFill>
+                <a:latin typeface="+mn-lt"/>
+                <a:ea typeface="+mn-ea"/>
+                <a:cs typeface="+mn-cs"/>
+              </a:defRPr>
+            </a:lvl7pPr>
+            <a:lvl8pPr marL="3200400" indent="0" algn="ctr" defTabSz="914400" rtl="0" eaLnBrk="1" latinLnBrk="0" hangingPunct="1">
+              <a:lnSpc>
+                <a:spcPct val="90000"/>
+              </a:lnSpc>
+              <a:spcBef>
+                <a:spcPts val="500"/>
+              </a:spcBef>
+              <a:buFont typeface="Arial" panose="020B0604020202020204" pitchFamily="34" charset="0"/>
+              <a:buNone/>
+              <a:defRPr kumimoji="1" sz="1600" kern="1200">
+                <a:solidFill>
+                  <a:schemeClr val="tx1"/>
+                </a:solidFill>
+                <a:latin typeface="+mn-lt"/>
+                <a:ea typeface="+mn-ea"/>
+                <a:cs typeface="+mn-cs"/>
+              </a:defRPr>
+            </a:lvl8pPr>
+            <a:lvl9pPr marL="3657600" indent="0" algn="ctr" defTabSz="914400" rtl="0" eaLnBrk="1" latinLnBrk="0" hangingPunct="1">
+              <a:lnSpc>
+                <a:spcPct val="90000"/>
+              </a:lnSpc>
+              <a:spcBef>
+                <a:spcPts val="500"/>
+              </a:spcBef>
+              <a:buFont typeface="Arial" panose="020B0604020202020204" pitchFamily="34" charset="0"/>
+              <a:buNone/>
+              <a:defRPr kumimoji="1" sz="1600" kern="1200">
+                <a:solidFill>
+                  <a:schemeClr val="tx1"/>
+                </a:solidFill>
+                <a:latin typeface="+mn-lt"/>
+                <a:ea typeface="+mn-ea"/>
+                <a:cs typeface="+mn-cs"/>
+              </a:defRPr>
+            </a:lvl9pPr>
+          </a:lstStyle>
+          <a:p>
+            <a:pPr algn="l"/>
+            <a:r>
+              <a:rPr lang="en-US" sz="3600" b="1" dirty="0" smtClean="0">
+                <a:solidFill>
+                  <a:srgbClr val="0064B5"/>
+                </a:solidFill>
+              </a:rPr>
+              <a:t>What is CSS?</a:t>
+            </a:r>
+            <a:endParaRPr lang="en-US" sz="3600" b="1" dirty="0">
+              <a:solidFill>
+                <a:srgbClr val="0064B5"/>
+              </a:solidFill>
+            </a:endParaRPr>
+          </a:p>
+        </p:txBody>
+      </p:sp>
+      <p:sp>
+        <p:nvSpPr>
+          <p:cNvPr id="8" name="Rectangle 7"/>
+          <p:cNvSpPr/>
+          <p:nvPr/>
+        </p:nvSpPr>
+        <p:spPr>
+          <a:xfrm>
+            <a:off x="537714" y="978967"/>
+            <a:ext cx="8890958" cy="1754326"/>
+          </a:xfrm>
+          <a:prstGeom prst="rect">
+            <a:avLst/>
+          </a:prstGeom>
+        </p:spPr>
+        <p:txBody>
+          <a:bodyPr wrap="square">
+            <a:spAutoFit/>
+          </a:bodyPr>
+          <a:lstStyle/>
+          <a:p>
+            <a:pPr marL="285750" lvl="0" indent="-285750">
+              <a:lnSpc>
+                <a:spcPct val="150000"/>
+              </a:lnSpc>
+              <a:buClr>
+                <a:schemeClr val="dk1"/>
+              </a:buClr>
+              <a:buSzPts val="1850"/>
+              <a:buFont typeface="Arial" pitchFamily="34" charset="0"/>
+              <a:buChar char="•"/>
+            </a:pPr>
+            <a:r>
+              <a:rPr lang="en-US" altLang="ja-JP" dirty="0" smtClean="0"/>
+              <a:t>CSS stands for Cascading Style Sheets.</a:t>
+            </a:r>
+          </a:p>
+          <a:p>
+            <a:pPr marL="285750" lvl="0" indent="-285750">
+              <a:lnSpc>
+                <a:spcPct val="150000"/>
+              </a:lnSpc>
+              <a:buClr>
+                <a:schemeClr val="dk1"/>
+              </a:buClr>
+              <a:buSzPts val="1850"/>
+              <a:buFont typeface="Arial" pitchFamily="34" charset="0"/>
+              <a:buChar char="•"/>
+            </a:pPr>
+            <a:r>
+              <a:rPr lang="en-US" altLang="ja-JP" dirty="0" smtClean="0"/>
+              <a:t>It is used to style HTML documents to make it good looking.</a:t>
+            </a:r>
+          </a:p>
+          <a:p>
+            <a:pPr marL="285750" lvl="0" indent="-285750">
+              <a:lnSpc>
+                <a:spcPct val="150000"/>
+              </a:lnSpc>
+              <a:buClr>
+                <a:schemeClr val="dk1"/>
+              </a:buClr>
+              <a:buSzPts val="1850"/>
+              <a:buFont typeface="Arial" pitchFamily="34" charset="0"/>
+              <a:buChar char="•"/>
+            </a:pPr>
+            <a:r>
+              <a:rPr lang="en-US" altLang="ja-JP" dirty="0" smtClean="0"/>
+              <a:t>Turn ordinary black &amp; white page into colorful one.</a:t>
+            </a:r>
+          </a:p>
+          <a:p>
+            <a:pPr marL="285750" lvl="0" indent="-285750">
+              <a:lnSpc>
+                <a:spcPct val="150000"/>
+              </a:lnSpc>
+              <a:buClr>
+                <a:schemeClr val="dk1"/>
+              </a:buClr>
+              <a:buSzPts val="1850"/>
+              <a:buFont typeface="Arial" pitchFamily="34" charset="0"/>
+              <a:buChar char="•"/>
+            </a:pPr>
+            <a:r>
+              <a:rPr lang="en-US" altLang="ja-JP" dirty="0" smtClean="0"/>
+              <a:t>Can make webpage as a Responsive one.</a:t>
+            </a:r>
+            <a:endParaRPr lang="en-US" altLang="ja-JP" dirty="0"/>
+          </a:p>
+        </p:txBody>
+      </p:sp>
+      <p:pic>
+        <p:nvPicPr>
+          <p:cNvPr id="10" name="Picture 9" descr="difference-between-a-website-and-web-app.jpg"/>
+          <p:cNvPicPr>
+            <a:picLocks noChangeAspect="1"/>
+          </p:cNvPicPr>
+          <p:nvPr/>
+        </p:nvPicPr>
+        <p:blipFill>
+          <a:blip r:embed="rId2"/>
+          <a:stretch>
+            <a:fillRect/>
+          </a:stretch>
+        </p:blipFill>
+        <p:spPr>
+          <a:xfrm>
+            <a:off x="2451987" y="2716746"/>
+            <a:ext cx="6735146" cy="3576639"/>
+          </a:xfrm>
+          <a:prstGeom prst="rect">
+            <a:avLst/>
+          </a:prstGeom>
+        </p:spPr>
+      </p:pic>
+    </p:spTree>
+    <p:extLst>
+      <p:ext uri="{BB962C8B-B14F-4D97-AF65-F5344CB8AC3E}">
+        <p14:creationId xmlns:p14="http://schemas.microsoft.com/office/powerpoint/2010/main" xmlns="" val="1328577666"/>
+      </p:ext>
+    </p:extLst>
+  </p:cSld>
+  <p:clrMapOvr>
+    <a:masterClrMapping/>
+  </p:clrMapOvr>
+  <p:timing>
+    <p:tnLst>
+      <p:par>
+        <p:cTn id="1" dur="indefinite" restart="never" nodeType="tmRoot"/>
+      </p:par>
+    </p:tnLst>
+  </p:timing>
+</p:sld>
+</file>
+
+<file path=ppt/slides/slide30.xml><?xml version="1.0" encoding="utf-8"?>
 <p:sld xmlns:a="http://schemas.openxmlformats.org/drawingml/2006/main" xmlns:r="http://schemas.openxmlformats.org/officeDocument/2006/relationships" xmlns:p="http://schemas.openxmlformats.org/presentationml/2006/main">
   <p:cSld>
     <p:spTree>
@@ -3995,7 +7536,7 @@
 </p:sld>
 </file>
 
-<file path=ppt/slides/slide18.xml><?xml version="1.0" encoding="utf-8"?>
+<file path=ppt/slides/slide31.xml><?xml version="1.0" encoding="utf-8"?>
 <p:sld xmlns:a="http://schemas.openxmlformats.org/drawingml/2006/main" xmlns:r="http://schemas.openxmlformats.org/officeDocument/2006/relationships" xmlns:p="http://schemas.openxmlformats.org/presentationml/2006/main">
   <p:cSld>
     <p:spTree>
@@ -4095,7 +7636,7 @@
 </p:sld>
 </file>
 
-<file path=ppt/slides/slide19.xml><?xml version="1.0" encoding="utf-8"?>
+<file path=ppt/slides/slide32.xml><?xml version="1.0" encoding="utf-8"?>
 <p:sld xmlns:a="http://schemas.openxmlformats.org/drawingml/2006/main" xmlns:r="http://schemas.openxmlformats.org/officeDocument/2006/relationships" xmlns:p="http://schemas.openxmlformats.org/presentationml/2006/main">
   <p:cSld>
     <p:spTree>
@@ -4178,7 +7719,7 @@
 </p:sld>
 </file>
 
-<file path=ppt/slides/slide2.xml><?xml version="1.0" encoding="utf-8"?>
+<file path=ppt/slides/slide33.xml><?xml version="1.0" encoding="utf-8"?>
 <p:sld xmlns:a="http://schemas.openxmlformats.org/drawingml/2006/main" xmlns:r="http://schemas.openxmlformats.org/officeDocument/2006/relationships" xmlns:p="http://schemas.openxmlformats.org/presentationml/2006/main">
   <p:cSld>
     <p:spTree>
@@ -4205,7 +7746,7 @@
         </p:nvSpPr>
         <p:spPr>
           <a:xfrm>
-            <a:off x="321126" y="334401"/>
+            <a:off x="321126" y="135993"/>
             <a:ext cx="9791700" cy="630192"/>
           </a:xfrm>
           <a:prstGeom prst="rect">
@@ -4383,32 +7924,70 @@
           <a:p>
             <a:pPr algn="l"/>
             <a:r>
-              <a:rPr lang="en-US" sz="3600" b="1" dirty="0">
+              <a:rPr lang="en-US" sz="3600" b="1" dirty="0" smtClean="0">
                 <a:solidFill>
                   <a:srgbClr val="0064B5"/>
                 </a:solidFill>
               </a:rPr>
-              <a:t>Agenda</a:t>
-            </a:r>
-          </a:p>
-        </p:txBody>
-      </p:sp>
-      <p:sp>
-        <p:nvSpPr>
-          <p:cNvPr id="3" name="Rectangle 2"/>
+              <a:t>CSS  Basic Selectors</a:t>
+            </a:r>
+          </a:p>
+        </p:txBody>
+      </p:sp>
+      <p:sp>
+        <p:nvSpPr>
+          <p:cNvPr id="10" name="Rectangle 9"/>
           <p:cNvSpPr/>
           <p:nvPr/>
         </p:nvSpPr>
         <p:spPr>
           <a:xfrm>
-            <a:off x="321126" y="965455"/>
-            <a:ext cx="10991307" cy="3416320"/>
+            <a:off x="316947" y="837564"/>
+            <a:ext cx="6779548" cy="784830"/>
           </a:xfrm>
           <a:prstGeom prst="rect">
             <a:avLst/>
           </a:prstGeom>
         </p:spPr>
         <p:txBody>
+          <a:bodyPr wrap="none">
+            <a:spAutoFit/>
+          </a:bodyPr>
+          <a:lstStyle/>
+          <a:p>
+            <a:pPr marL="285750" indent="-285750">
+              <a:lnSpc>
+                <a:spcPct val="150000"/>
+              </a:lnSpc>
+              <a:buFont typeface="Arial" panose="020B0604020202020204" pitchFamily="34" charset="0"/>
+              <a:buChar char="•"/>
+            </a:pPr>
+            <a:r>
+              <a:rPr lang="en-US" dirty="0" smtClean="0"/>
+              <a:t>A CSS selector selects the HTML element(s) which we want to style </a:t>
+            </a:r>
+          </a:p>
+          <a:p>
+            <a:endParaRPr lang="en-US" dirty="0"/>
+          </a:p>
+        </p:txBody>
+      </p:sp>
+      <p:sp>
+        <p:nvSpPr>
+          <p:cNvPr id="8" name="Rectangle 7"/>
+          <p:cNvSpPr/>
+          <p:nvPr/>
+        </p:nvSpPr>
+        <p:spPr>
+          <a:xfrm>
+            <a:off x="333251" y="1303153"/>
+            <a:ext cx="9362840" cy="3000821"/>
+          </a:xfrm>
+          <a:prstGeom prst="rect">
+            <a:avLst/>
+          </a:prstGeom>
+        </p:spPr>
+        <p:txBody>
           <a:bodyPr wrap="square">
             <a:spAutoFit/>
           </a:bodyPr>
@@ -4418,40 +7997,36 @@
               <a:lnSpc>
                 <a:spcPct val="150000"/>
               </a:lnSpc>
-              <a:buFont typeface="Arial" panose="020B0604020202020204" pitchFamily="34" charset="0"/>
-              <a:buChar char="•"/>
             </a:pPr>
             <a:r>
-              <a:rPr lang="en-US" altLang="ja-JP" dirty="0" smtClean="0"/>
-              <a:t>CSS Introduction</a:t>
-            </a:r>
-            <a:endParaRPr lang="en-US" altLang="ja-JP" dirty="0"/>
+              <a:rPr lang="en-US" b="1" u="sng" dirty="0" smtClean="0"/>
+              <a:t>Types of Selectors:</a:t>
+            </a:r>
           </a:p>
           <a:p>
             <a:pPr marL="285750" indent="-285750">
               <a:lnSpc>
                 <a:spcPct val="150000"/>
               </a:lnSpc>
-              <a:buFont typeface="Arial" panose="020B0604020202020204" pitchFamily="34" charset="0"/>
-              <a:buChar char="•"/>
+              <a:buFont typeface="Wingdings" pitchFamily="2" charset="2"/>
+              <a:buChar char="Ø"/>
             </a:pPr>
             <a:r>
-              <a:rPr lang="en-US" altLang="ja-JP" dirty="0" smtClean="0"/>
-              <a:t>CSS Syntax understanding</a:t>
-            </a:r>
-            <a:endParaRPr lang="en-US" altLang="ja-JP" dirty="0"/>
+              <a:rPr lang="en-US" dirty="0" smtClean="0"/>
+              <a:t>CSS element Selector</a:t>
+            </a:r>
           </a:p>
           <a:p>
             <a:pPr marL="285750" indent="-285750">
               <a:lnSpc>
                 <a:spcPct val="150000"/>
               </a:lnSpc>
-              <a:buFont typeface="Arial" panose="020B0604020202020204" pitchFamily="34" charset="0"/>
-              <a:buChar char="•"/>
+              <a:buFont typeface="Wingdings" pitchFamily="2" charset="2"/>
+              <a:buChar char="Ø"/>
             </a:pPr>
             <a:r>
-              <a:rPr lang="en-US" altLang="ja-JP" dirty="0" smtClean="0"/>
-              <a:t>CSS Selectors</a:t>
+              <a:rPr lang="en-US" dirty="0" smtClean="0"/>
+              <a:t>CSS id Selector</a:t>
             </a:r>
           </a:p>
           <a:p>
@@ -4459,72 +8034,54 @@
               <a:lnSpc>
                 <a:spcPct val="150000"/>
               </a:lnSpc>
-              <a:buFont typeface="Arial" panose="020B0604020202020204" pitchFamily="34" charset="0"/>
-              <a:buChar char="•"/>
+              <a:buFont typeface="Wingdings" pitchFamily="2" charset="2"/>
+              <a:buChar char="Ø"/>
             </a:pPr>
             <a:r>
-              <a:rPr lang="en-US" altLang="ja-JP" dirty="0" smtClean="0"/>
-              <a:t>Different Ways of Applying CSS in HTML</a:t>
-            </a:r>
-            <a:endParaRPr lang="en-US" altLang="ja-JP" dirty="0"/>
+              <a:rPr lang="en-US" dirty="0" smtClean="0"/>
+              <a:t>CSS class Selector</a:t>
+            </a:r>
           </a:p>
           <a:p>
             <a:pPr marL="285750" indent="-285750">
               <a:lnSpc>
                 <a:spcPct val="150000"/>
               </a:lnSpc>
-              <a:buFont typeface="Arial" panose="020B0604020202020204" pitchFamily="34" charset="0"/>
-              <a:buChar char="•"/>
+              <a:buFont typeface="Wingdings" pitchFamily="2" charset="2"/>
+              <a:buChar char="Ø"/>
             </a:pPr>
             <a:r>
-              <a:rPr lang="en-US" altLang="ja-JP" dirty="0" smtClean="0"/>
-              <a:t>CSS Properties – Deep Dive</a:t>
-            </a:r>
-            <a:endParaRPr lang="en-US" altLang="ja-JP" dirty="0"/>
+              <a:rPr lang="en-US" dirty="0" smtClean="0"/>
+              <a:t>CSS Universal Selector</a:t>
+            </a:r>
           </a:p>
           <a:p>
             <a:pPr marL="285750" indent="-285750">
               <a:lnSpc>
                 <a:spcPct val="150000"/>
               </a:lnSpc>
-              <a:buFont typeface="Arial" panose="020B0604020202020204" pitchFamily="34" charset="0"/>
-              <a:buChar char="•"/>
+              <a:buFont typeface="Wingdings" pitchFamily="2" charset="2"/>
+              <a:buChar char="Ø"/>
             </a:pPr>
             <a:r>
-              <a:rPr lang="en-US" altLang="ja-JP" dirty="0" smtClean="0"/>
-              <a:t>Building Various Navigation List</a:t>
-            </a:r>
-            <a:endParaRPr lang="en-US" altLang="ja-JP" dirty="0"/>
+              <a:rPr lang="en-US" dirty="0" smtClean="0"/>
+              <a:t>CSS Grouping Selector</a:t>
+            </a:r>
           </a:p>
           <a:p>
             <a:pPr marL="285750" indent="-285750">
               <a:lnSpc>
                 <a:spcPct val="150000"/>
               </a:lnSpc>
-              <a:buFont typeface="Arial" panose="020B0604020202020204" pitchFamily="34" charset="0"/>
-              <a:buChar char="•"/>
             </a:pPr>
-            <a:r>
-              <a:rPr lang="en-US" altLang="ja-JP" dirty="0" smtClean="0"/>
-              <a:t>Styling HTML Forms </a:t>
-            </a:r>
-          </a:p>
-          <a:p>
-            <a:pPr marL="285750" indent="-285750">
-              <a:lnSpc>
-                <a:spcPct val="150000"/>
-              </a:lnSpc>
-              <a:buFont typeface="Arial" panose="020B0604020202020204" pitchFamily="34" charset="0"/>
-              <a:buChar char="•"/>
-            </a:pPr>
-            <a:endParaRPr lang="en-US" altLang="ja-JP" dirty="0"/>
+            <a:endParaRPr lang="en-US" b="1" u="sng" dirty="0"/>
           </a:p>
         </p:txBody>
       </p:sp>
     </p:spTree>
     <p:extLst>
       <p:ext uri="{BB962C8B-B14F-4D97-AF65-F5344CB8AC3E}">
-        <p14:creationId xmlns="" xmlns:p14="http://schemas.microsoft.com/office/powerpoint/2010/main" val="1328577666"/>
+        <p14:creationId xmlns:p14="http://schemas.microsoft.com/office/powerpoint/2010/main" xmlns="" val="2848728424"/>
       </p:ext>
     </p:extLst>
   </p:cSld>
@@ -4541,7 +8098,7 @@
 </p:sld>
 </file>
 
-<file path=ppt/slides/slide20.xml><?xml version="1.0" encoding="utf-8"?>
+<file path=ppt/slides/slide34.xml><?xml version="1.0" encoding="utf-8"?>
 <p:sld xmlns:a="http://schemas.openxmlformats.org/drawingml/2006/main" xmlns:r="http://schemas.openxmlformats.org/officeDocument/2006/relationships" xmlns:p="http://schemas.openxmlformats.org/presentationml/2006/main">
   <p:cSld>
     <p:spTree>
@@ -4751,385 +8308,6 @@
                   <a:srgbClr val="0064B5"/>
                 </a:solidFill>
               </a:rPr>
-              <a:t>CSS  Basic Selectors</a:t>
-            </a:r>
-          </a:p>
-        </p:txBody>
-      </p:sp>
-      <p:sp>
-        <p:nvSpPr>
-          <p:cNvPr id="10" name="Rectangle 9"/>
-          <p:cNvSpPr/>
-          <p:nvPr/>
-        </p:nvSpPr>
-        <p:spPr>
-          <a:xfrm>
-            <a:off x="316947" y="837564"/>
-            <a:ext cx="6779548" cy="784830"/>
-          </a:xfrm>
-          <a:prstGeom prst="rect">
-            <a:avLst/>
-          </a:prstGeom>
-        </p:spPr>
-        <p:txBody>
-          <a:bodyPr wrap="none">
-            <a:spAutoFit/>
-          </a:bodyPr>
-          <a:lstStyle/>
-          <a:p>
-            <a:pPr marL="285750" indent="-285750">
-              <a:lnSpc>
-                <a:spcPct val="150000"/>
-              </a:lnSpc>
-              <a:buFont typeface="Arial" panose="020B0604020202020204" pitchFamily="34" charset="0"/>
-              <a:buChar char="•"/>
-            </a:pPr>
-            <a:r>
-              <a:rPr lang="en-US" dirty="0" smtClean="0"/>
-              <a:t>A CSS selector selects the HTML element(s) which we want to style </a:t>
-            </a:r>
-          </a:p>
-          <a:p>
-            <a:endParaRPr lang="en-US" dirty="0"/>
-          </a:p>
-        </p:txBody>
-      </p:sp>
-      <p:sp>
-        <p:nvSpPr>
-          <p:cNvPr id="8" name="Rectangle 7"/>
-          <p:cNvSpPr/>
-          <p:nvPr/>
-        </p:nvSpPr>
-        <p:spPr>
-          <a:xfrm>
-            <a:off x="333251" y="1303153"/>
-            <a:ext cx="9362840" cy="3000821"/>
-          </a:xfrm>
-          <a:prstGeom prst="rect">
-            <a:avLst/>
-          </a:prstGeom>
-        </p:spPr>
-        <p:txBody>
-          <a:bodyPr wrap="square">
-            <a:spAutoFit/>
-          </a:bodyPr>
-          <a:lstStyle/>
-          <a:p>
-            <a:pPr marL="285750" indent="-285750">
-              <a:lnSpc>
-                <a:spcPct val="150000"/>
-              </a:lnSpc>
-            </a:pPr>
-            <a:r>
-              <a:rPr lang="en-US" b="1" u="sng" dirty="0" smtClean="0"/>
-              <a:t>Types of Selectors:</a:t>
-            </a:r>
-          </a:p>
-          <a:p>
-            <a:pPr marL="285750" indent="-285750">
-              <a:lnSpc>
-                <a:spcPct val="150000"/>
-              </a:lnSpc>
-              <a:buFont typeface="Wingdings" pitchFamily="2" charset="2"/>
-              <a:buChar char="Ø"/>
-            </a:pPr>
-            <a:r>
-              <a:rPr lang="en-US" dirty="0" smtClean="0"/>
-              <a:t>CSS element Selector</a:t>
-            </a:r>
-          </a:p>
-          <a:p>
-            <a:pPr marL="285750" indent="-285750">
-              <a:lnSpc>
-                <a:spcPct val="150000"/>
-              </a:lnSpc>
-              <a:buFont typeface="Wingdings" pitchFamily="2" charset="2"/>
-              <a:buChar char="Ø"/>
-            </a:pPr>
-            <a:r>
-              <a:rPr lang="en-US" dirty="0" smtClean="0"/>
-              <a:t>CSS id Selector</a:t>
-            </a:r>
-          </a:p>
-          <a:p>
-            <a:pPr marL="285750" indent="-285750">
-              <a:lnSpc>
-                <a:spcPct val="150000"/>
-              </a:lnSpc>
-              <a:buFont typeface="Wingdings" pitchFamily="2" charset="2"/>
-              <a:buChar char="Ø"/>
-            </a:pPr>
-            <a:r>
-              <a:rPr lang="en-US" dirty="0" smtClean="0"/>
-              <a:t>CSS class Selector</a:t>
-            </a:r>
-          </a:p>
-          <a:p>
-            <a:pPr marL="285750" indent="-285750">
-              <a:lnSpc>
-                <a:spcPct val="150000"/>
-              </a:lnSpc>
-              <a:buFont typeface="Wingdings" pitchFamily="2" charset="2"/>
-              <a:buChar char="Ø"/>
-            </a:pPr>
-            <a:r>
-              <a:rPr lang="en-US" dirty="0" smtClean="0"/>
-              <a:t>CSS Universal Selector</a:t>
-            </a:r>
-          </a:p>
-          <a:p>
-            <a:pPr marL="285750" indent="-285750">
-              <a:lnSpc>
-                <a:spcPct val="150000"/>
-              </a:lnSpc>
-              <a:buFont typeface="Wingdings" pitchFamily="2" charset="2"/>
-              <a:buChar char="Ø"/>
-            </a:pPr>
-            <a:r>
-              <a:rPr lang="en-US" dirty="0" smtClean="0"/>
-              <a:t>CSS Grouping Selector</a:t>
-            </a:r>
-          </a:p>
-          <a:p>
-            <a:pPr marL="285750" indent="-285750">
-              <a:lnSpc>
-                <a:spcPct val="150000"/>
-              </a:lnSpc>
-            </a:pPr>
-            <a:endParaRPr lang="en-US" b="1" u="sng" dirty="0"/>
-          </a:p>
-        </p:txBody>
-      </p:sp>
-    </p:spTree>
-    <p:extLst>
-      <p:ext uri="{BB962C8B-B14F-4D97-AF65-F5344CB8AC3E}">
-        <p14:creationId xmlns="" xmlns:p14="http://schemas.microsoft.com/office/powerpoint/2010/main" val="2848728424"/>
-      </p:ext>
-    </p:extLst>
-  </p:cSld>
-  <p:clrMapOvr>
-    <a:masterClrMapping/>
-  </p:clrMapOvr>
-  <p:timing>
-    <p:tnLst>
-      <p:par>
-        <p:cTn id="1" dur="indefinite" restart="never" nodeType="tmRoot"/>
-      </p:par>
-    </p:tnLst>
-  </p:timing>
-</p:sld>
-</file>
-
-<file path=ppt/slides/slide21.xml><?xml version="1.0" encoding="utf-8"?>
-<p:sld xmlns:a="http://schemas.openxmlformats.org/drawingml/2006/main" xmlns:r="http://schemas.openxmlformats.org/officeDocument/2006/relationships" xmlns:p="http://schemas.openxmlformats.org/presentationml/2006/main">
-  <p:cSld>
-    <p:spTree>
-      <p:nvGrpSpPr>
-        <p:cNvPr id="1" name=""/>
-        <p:cNvGrpSpPr/>
-        <p:nvPr/>
-      </p:nvGrpSpPr>
-      <p:grpSpPr>
-        <a:xfrm>
-          <a:off x="0" y="0"/>
-          <a:ext cx="0" cy="0"/>
-          <a:chOff x="0" y="0"/>
-          <a:chExt cx="0" cy="0"/>
-        </a:xfrm>
-      </p:grpSpPr>
-      <p:sp>
-        <p:nvSpPr>
-          <p:cNvPr id="4" name="Content Placeholder 13"/>
-          <p:cNvSpPr txBox="1">
-            <a:spLocks/>
-          </p:cNvSpPr>
-          <p:nvPr/>
-        </p:nvSpPr>
-        <p:spPr>
-          <a:xfrm>
-            <a:off x="321126" y="135993"/>
-            <a:ext cx="9791700" cy="630192"/>
-          </a:xfrm>
-          <a:prstGeom prst="rect">
-            <a:avLst/>
-          </a:prstGeom>
-        </p:spPr>
-        <p:txBody>
-          <a:bodyPr vert="horz" lIns="91440" tIns="45720" rIns="91440" bIns="45720" rtlCol="0">
-            <a:noAutofit/>
-          </a:bodyPr>
-          <a:lstStyle>
-            <a:lvl1pPr marL="0" indent="0" algn="ctr" defTabSz="914400" rtl="0" eaLnBrk="1" latinLnBrk="0" hangingPunct="1">
-              <a:lnSpc>
-                <a:spcPct val="90000"/>
-              </a:lnSpc>
-              <a:spcBef>
-                <a:spcPts val="1000"/>
-              </a:spcBef>
-              <a:buFont typeface="Arial" panose="020B0604020202020204" pitchFamily="34" charset="0"/>
-              <a:buNone/>
-              <a:defRPr kumimoji="1" sz="2400" kern="1200">
-                <a:solidFill>
-                  <a:schemeClr val="tx1"/>
-                </a:solidFill>
-                <a:latin typeface="+mn-lt"/>
-                <a:ea typeface="+mn-ea"/>
-                <a:cs typeface="+mn-cs"/>
-              </a:defRPr>
-            </a:lvl1pPr>
-            <a:lvl2pPr marL="457200" indent="0" algn="ctr" defTabSz="914400" rtl="0" eaLnBrk="1" latinLnBrk="0" hangingPunct="1">
-              <a:lnSpc>
-                <a:spcPct val="90000"/>
-              </a:lnSpc>
-              <a:spcBef>
-                <a:spcPts val="500"/>
-              </a:spcBef>
-              <a:buFont typeface="Arial" panose="020B0604020202020204" pitchFamily="34" charset="0"/>
-              <a:buNone/>
-              <a:defRPr kumimoji="1" sz="2000" kern="1200">
-                <a:solidFill>
-                  <a:schemeClr val="tx1"/>
-                </a:solidFill>
-                <a:latin typeface="+mn-lt"/>
-                <a:ea typeface="+mn-ea"/>
-                <a:cs typeface="+mn-cs"/>
-              </a:defRPr>
-            </a:lvl2pPr>
-            <a:lvl3pPr marL="914400" indent="0" algn="ctr" defTabSz="914400" rtl="0" eaLnBrk="1" latinLnBrk="0" hangingPunct="1">
-              <a:lnSpc>
-                <a:spcPct val="90000"/>
-              </a:lnSpc>
-              <a:spcBef>
-                <a:spcPts val="500"/>
-              </a:spcBef>
-              <a:buFont typeface="Arial" panose="020B0604020202020204" pitchFamily="34" charset="0"/>
-              <a:buNone/>
-              <a:defRPr kumimoji="1" sz="1800" kern="1200">
-                <a:solidFill>
-                  <a:schemeClr val="tx1"/>
-                </a:solidFill>
-                <a:latin typeface="+mn-lt"/>
-                <a:ea typeface="+mn-ea"/>
-                <a:cs typeface="+mn-cs"/>
-              </a:defRPr>
-            </a:lvl3pPr>
-            <a:lvl4pPr marL="1371600" indent="0" algn="ctr" defTabSz="914400" rtl="0" eaLnBrk="1" latinLnBrk="0" hangingPunct="1">
-              <a:lnSpc>
-                <a:spcPct val="90000"/>
-              </a:lnSpc>
-              <a:spcBef>
-                <a:spcPts val="500"/>
-              </a:spcBef>
-              <a:buFont typeface="Arial" panose="020B0604020202020204" pitchFamily="34" charset="0"/>
-              <a:buNone/>
-              <a:defRPr kumimoji="1" sz="1600" kern="1200">
-                <a:solidFill>
-                  <a:schemeClr val="tx1"/>
-                </a:solidFill>
-                <a:latin typeface="+mn-lt"/>
-                <a:ea typeface="+mn-ea"/>
-                <a:cs typeface="+mn-cs"/>
-              </a:defRPr>
-            </a:lvl4pPr>
-            <a:lvl5pPr marL="1828800" indent="0" algn="ctr" defTabSz="914400" rtl="0" eaLnBrk="1" latinLnBrk="0" hangingPunct="1">
-              <a:lnSpc>
-                <a:spcPct val="90000"/>
-              </a:lnSpc>
-              <a:spcBef>
-                <a:spcPts val="500"/>
-              </a:spcBef>
-              <a:buFont typeface="Arial" panose="020B0604020202020204" pitchFamily="34" charset="0"/>
-              <a:buNone/>
-              <a:defRPr kumimoji="1" sz="1600" kern="1200">
-                <a:solidFill>
-                  <a:schemeClr val="tx1"/>
-                </a:solidFill>
-                <a:latin typeface="+mn-lt"/>
-                <a:ea typeface="+mn-ea"/>
-                <a:cs typeface="+mn-cs"/>
-              </a:defRPr>
-            </a:lvl5pPr>
-            <a:lvl6pPr marL="2286000" indent="0" algn="ctr" defTabSz="914400" rtl="0" eaLnBrk="1" latinLnBrk="0" hangingPunct="1">
-              <a:lnSpc>
-                <a:spcPct val="90000"/>
-              </a:lnSpc>
-              <a:spcBef>
-                <a:spcPts val="500"/>
-              </a:spcBef>
-              <a:buFont typeface="Arial" panose="020B0604020202020204" pitchFamily="34" charset="0"/>
-              <a:buNone/>
-              <a:defRPr kumimoji="1" sz="1600" kern="1200">
-                <a:solidFill>
-                  <a:schemeClr val="tx1"/>
-                </a:solidFill>
-                <a:latin typeface="+mn-lt"/>
-                <a:ea typeface="+mn-ea"/>
-                <a:cs typeface="+mn-cs"/>
-              </a:defRPr>
-            </a:lvl6pPr>
-            <a:lvl7pPr marL="2743200" indent="0" algn="ctr" defTabSz="914400" rtl="0" eaLnBrk="1" latinLnBrk="0" hangingPunct="1">
-              <a:lnSpc>
-                <a:spcPct val="90000"/>
-              </a:lnSpc>
-              <a:spcBef>
-                <a:spcPts val="500"/>
-              </a:spcBef>
-              <a:buFont typeface="Arial" panose="020B0604020202020204" pitchFamily="34" charset="0"/>
-              <a:buNone/>
-              <a:defRPr kumimoji="1" sz="1600" kern="1200">
-                <a:solidFill>
-                  <a:schemeClr val="tx1"/>
-                </a:solidFill>
-                <a:latin typeface="+mn-lt"/>
-                <a:ea typeface="+mn-ea"/>
-                <a:cs typeface="+mn-cs"/>
-              </a:defRPr>
-            </a:lvl7pPr>
-            <a:lvl8pPr marL="3200400" indent="0" algn="ctr" defTabSz="914400" rtl="0" eaLnBrk="1" latinLnBrk="0" hangingPunct="1">
-              <a:lnSpc>
-                <a:spcPct val="90000"/>
-              </a:lnSpc>
-              <a:spcBef>
-                <a:spcPts val="500"/>
-              </a:spcBef>
-              <a:buFont typeface="Arial" panose="020B0604020202020204" pitchFamily="34" charset="0"/>
-              <a:buNone/>
-              <a:defRPr kumimoji="1" sz="1600" kern="1200">
-                <a:solidFill>
-                  <a:schemeClr val="tx1"/>
-                </a:solidFill>
-                <a:latin typeface="+mn-lt"/>
-                <a:ea typeface="+mn-ea"/>
-                <a:cs typeface="+mn-cs"/>
-              </a:defRPr>
-            </a:lvl8pPr>
-            <a:lvl9pPr marL="3657600" indent="0" algn="ctr" defTabSz="914400" rtl="0" eaLnBrk="1" latinLnBrk="0" hangingPunct="1">
-              <a:lnSpc>
-                <a:spcPct val="90000"/>
-              </a:lnSpc>
-              <a:spcBef>
-                <a:spcPts val="500"/>
-              </a:spcBef>
-              <a:buFont typeface="Arial" panose="020B0604020202020204" pitchFamily="34" charset="0"/>
-              <a:buNone/>
-              <a:defRPr kumimoji="1" sz="1600" kern="1200">
-                <a:solidFill>
-                  <a:schemeClr val="tx1"/>
-                </a:solidFill>
-                <a:latin typeface="+mn-lt"/>
-                <a:ea typeface="+mn-ea"/>
-                <a:cs typeface="+mn-cs"/>
-              </a:defRPr>
-            </a:lvl9pPr>
-          </a:lstStyle>
-          <a:p>
-            <a:pPr algn="l"/>
-            <a:r>
-              <a:rPr lang="en-US" sz="3600" b="1" dirty="0" smtClean="0">
-                <a:solidFill>
-                  <a:srgbClr val="0064B5"/>
-                </a:solidFill>
-              </a:rPr>
               <a:t>CSS Selectors</a:t>
             </a:r>
           </a:p>
@@ -5270,7 +8448,7 @@
           <p:cNvPr id="11" name="Rectangle 10">
             <a:extLst>
               <a:ext uri="{FF2B5EF4-FFF2-40B4-BE49-F238E27FC236}">
-                <a16:creationId xmlns="" xmlns:a16="http://schemas.microsoft.com/office/drawing/2014/main" id="{206016ED-72BE-418C-807D-52DC06FF490C}"/>
+                <a16:creationId xmlns:a16="http://schemas.microsoft.com/office/drawing/2014/main" xmlns="" id="{206016ED-72BE-418C-807D-52DC06FF490C}"/>
               </a:ext>
             </a:extLst>
           </p:cNvPr>
@@ -5400,7 +8578,7 @@
           <p:cNvPr id="12" name="Rectangle 11">
             <a:extLst>
               <a:ext uri="{FF2B5EF4-FFF2-40B4-BE49-F238E27FC236}">
-                <a16:creationId xmlns="" xmlns:a16="http://schemas.microsoft.com/office/drawing/2014/main" id="{206016ED-72BE-418C-807D-52DC06FF490C}"/>
+                <a16:creationId xmlns:a16="http://schemas.microsoft.com/office/drawing/2014/main" xmlns="" id="{206016ED-72BE-418C-807D-52DC06FF490C}"/>
               </a:ext>
             </a:extLst>
           </p:cNvPr>
@@ -5567,7 +8745,7 @@
           <p:cNvPr id="13" name="Rectangle 12">
             <a:extLst>
               <a:ext uri="{FF2B5EF4-FFF2-40B4-BE49-F238E27FC236}">
-                <a16:creationId xmlns="" xmlns:a16="http://schemas.microsoft.com/office/drawing/2014/main" id="{206016ED-72BE-418C-807D-52DC06FF490C}"/>
+                <a16:creationId xmlns:a16="http://schemas.microsoft.com/office/drawing/2014/main" xmlns="" id="{206016ED-72BE-418C-807D-52DC06FF490C}"/>
               </a:ext>
             </a:extLst>
           </p:cNvPr>
@@ -5732,7 +8910,7 @@
     </p:spTree>
     <p:extLst>
       <p:ext uri="{BB962C8B-B14F-4D97-AF65-F5344CB8AC3E}">
-        <p14:creationId xmlns="" xmlns:p14="http://schemas.microsoft.com/office/powerpoint/2010/main" val="2848728424"/>
+        <p14:creationId xmlns:p14="http://schemas.microsoft.com/office/powerpoint/2010/main" xmlns="" val="2848728424"/>
       </p:ext>
     </p:extLst>
   </p:cSld>
@@ -5749,7 +8927,7 @@
 </p:sld>
 </file>
 
-<file path=ppt/slides/slide22.xml><?xml version="1.0" encoding="utf-8"?>
+<file path=ppt/slides/slide35.xml><?xml version="1.0" encoding="utf-8"?>
 <p:sld xmlns:a="http://schemas.openxmlformats.org/drawingml/2006/main" xmlns:r="http://schemas.openxmlformats.org/officeDocument/2006/relationships" xmlns:p="http://schemas.openxmlformats.org/presentationml/2006/main">
   <p:cSld>
     <p:spTree>
@@ -6078,7 +9256,7 @@
           <p:cNvPr id="11" name="Rectangle 10">
             <a:extLst>
               <a:ext uri="{FF2B5EF4-FFF2-40B4-BE49-F238E27FC236}">
-                <a16:creationId xmlns="" xmlns:a16="http://schemas.microsoft.com/office/drawing/2014/main" id="{206016ED-72BE-418C-807D-52DC06FF490C}"/>
+                <a16:creationId xmlns:a16="http://schemas.microsoft.com/office/drawing/2014/main" xmlns="" id="{206016ED-72BE-418C-807D-52DC06FF490C}"/>
               </a:ext>
             </a:extLst>
           </p:cNvPr>
@@ -6213,7 +9391,7 @@
           <p:cNvPr id="12" name="Rectangle 11">
             <a:extLst>
               <a:ext uri="{FF2B5EF4-FFF2-40B4-BE49-F238E27FC236}">
-                <a16:creationId xmlns="" xmlns:a16="http://schemas.microsoft.com/office/drawing/2014/main" id="{206016ED-72BE-418C-807D-52DC06FF490C}"/>
+                <a16:creationId xmlns:a16="http://schemas.microsoft.com/office/drawing/2014/main" xmlns="" id="{206016ED-72BE-418C-807D-52DC06FF490C}"/>
               </a:ext>
             </a:extLst>
           </p:cNvPr>
@@ -6546,7 +9724,7 @@
           <p:cNvPr id="10" name="Rectangle 9">
             <a:extLst>
               <a:ext uri="{FF2B5EF4-FFF2-40B4-BE49-F238E27FC236}">
-                <a16:creationId xmlns="" xmlns:a16="http://schemas.microsoft.com/office/drawing/2014/main" id="{206016ED-72BE-418C-807D-52DC06FF490C}"/>
+                <a16:creationId xmlns:a16="http://schemas.microsoft.com/office/drawing/2014/main" xmlns="" id="{206016ED-72BE-418C-807D-52DC06FF490C}"/>
               </a:ext>
             </a:extLst>
           </p:cNvPr>
@@ -6719,7 +9897,7 @@
     </p:spTree>
     <p:extLst>
       <p:ext uri="{BB962C8B-B14F-4D97-AF65-F5344CB8AC3E}">
-        <p14:creationId xmlns="" xmlns:p14="http://schemas.microsoft.com/office/powerpoint/2010/main" val="2848728424"/>
+        <p14:creationId xmlns:p14="http://schemas.microsoft.com/office/powerpoint/2010/main" xmlns="" val="2848728424"/>
       </p:ext>
     </p:extLst>
   </p:cSld>
@@ -6736,7 +9914,7 @@
 </p:sld>
 </file>
 
-<file path=ppt/slides/slide23.xml><?xml version="1.0" encoding="utf-8"?>
+<file path=ppt/slides/slide36.xml><?xml version="1.0" encoding="utf-8"?>
 <p:sld xmlns:a="http://schemas.openxmlformats.org/drawingml/2006/main" xmlns:r="http://schemas.openxmlformats.org/officeDocument/2006/relationships" xmlns:p="http://schemas.openxmlformats.org/presentationml/2006/main">
   <p:cSld>
     <p:spTree>
@@ -6836,7 +10014,7 @@
 </p:sld>
 </file>
 
-<file path=ppt/slides/slide24.xml><?xml version="1.0" encoding="utf-8"?>
+<file path=ppt/slides/slide37.xml><?xml version="1.0" encoding="utf-8"?>
 <p:sld xmlns:a="http://schemas.openxmlformats.org/drawingml/2006/main" xmlns:r="http://schemas.openxmlformats.org/officeDocument/2006/relationships" xmlns:p="http://schemas.openxmlformats.org/presentationml/2006/main">
   <p:cSld>
     <p:spTree>
@@ -6936,7 +10114,7 @@
 </p:sld>
 </file>
 
-<file path=ppt/slides/slide25.xml><?xml version="1.0" encoding="utf-8"?>
+<file path=ppt/slides/slide38.xml><?xml version="1.0" encoding="utf-8"?>
 <p:sld xmlns:a="http://schemas.openxmlformats.org/drawingml/2006/main" xmlns:r="http://schemas.openxmlformats.org/officeDocument/2006/relationships" xmlns:p="http://schemas.openxmlformats.org/presentationml/2006/main">
   <p:cSld>
     <p:spTree>
@@ -7036,7 +10214,7 @@
 </p:sld>
 </file>
 
-<file path=ppt/slides/slide26.xml><?xml version="1.0" encoding="utf-8"?>
+<file path=ppt/slides/slide39.xml><?xml version="1.0" encoding="utf-8"?>
 <p:sld xmlns:a="http://schemas.openxmlformats.org/drawingml/2006/main" xmlns:r="http://schemas.openxmlformats.org/officeDocument/2006/relationships" xmlns:p="http://schemas.openxmlformats.org/presentationml/2006/main">
   <p:cSld>
     <p:spTree>
@@ -7136,7 +10314,360 @@
 </p:sld>
 </file>
 
-<file path=ppt/slides/slide27.xml><?xml version="1.0" encoding="utf-8"?>
+<file path=ppt/slides/slide4.xml><?xml version="1.0" encoding="utf-8"?>
+<p:sld xmlns:a="http://schemas.openxmlformats.org/drawingml/2006/main" xmlns:r="http://schemas.openxmlformats.org/officeDocument/2006/relationships" xmlns:p="http://schemas.openxmlformats.org/presentationml/2006/main">
+  <p:cSld>
+    <p:spTree>
+      <p:nvGrpSpPr>
+        <p:cNvPr id="1" name=""/>
+        <p:cNvGrpSpPr/>
+        <p:nvPr/>
+      </p:nvGrpSpPr>
+      <p:grpSpPr>
+        <a:xfrm>
+          <a:off x="0" y="0"/>
+          <a:ext cx="0" cy="0"/>
+          <a:chOff x="0" y="0"/>
+          <a:chExt cx="0" cy="0"/>
+        </a:xfrm>
+      </p:grpSpPr>
+      <p:sp>
+        <p:nvSpPr>
+          <p:cNvPr id="4" name="Content Placeholder 13"/>
+          <p:cNvSpPr txBox="1">
+            <a:spLocks/>
+          </p:cNvSpPr>
+          <p:nvPr/>
+        </p:nvSpPr>
+        <p:spPr>
+          <a:xfrm>
+            <a:off x="321126" y="135993"/>
+            <a:ext cx="9791700" cy="630192"/>
+          </a:xfrm>
+          <a:prstGeom prst="rect">
+            <a:avLst/>
+          </a:prstGeom>
+        </p:spPr>
+        <p:txBody>
+          <a:bodyPr vert="horz" lIns="91440" tIns="45720" rIns="91440" bIns="45720" rtlCol="0">
+            <a:noAutofit/>
+          </a:bodyPr>
+          <a:lstStyle>
+            <a:lvl1pPr marL="0" indent="0" algn="ctr" defTabSz="914400" rtl="0" eaLnBrk="1" latinLnBrk="0" hangingPunct="1">
+              <a:lnSpc>
+                <a:spcPct val="90000"/>
+              </a:lnSpc>
+              <a:spcBef>
+                <a:spcPts val="1000"/>
+              </a:spcBef>
+              <a:buFont typeface="Arial" panose="020B0604020202020204" pitchFamily="34" charset="0"/>
+              <a:buNone/>
+              <a:defRPr kumimoji="1" sz="2400" kern="1200">
+                <a:solidFill>
+                  <a:schemeClr val="tx1"/>
+                </a:solidFill>
+                <a:latin typeface="+mn-lt"/>
+                <a:ea typeface="+mn-ea"/>
+                <a:cs typeface="+mn-cs"/>
+              </a:defRPr>
+            </a:lvl1pPr>
+            <a:lvl2pPr marL="457200" indent="0" algn="ctr" defTabSz="914400" rtl="0" eaLnBrk="1" latinLnBrk="0" hangingPunct="1">
+              <a:lnSpc>
+                <a:spcPct val="90000"/>
+              </a:lnSpc>
+              <a:spcBef>
+                <a:spcPts val="500"/>
+              </a:spcBef>
+              <a:buFont typeface="Arial" panose="020B0604020202020204" pitchFamily="34" charset="0"/>
+              <a:buNone/>
+              <a:defRPr kumimoji="1" sz="2000" kern="1200">
+                <a:solidFill>
+                  <a:schemeClr val="tx1"/>
+                </a:solidFill>
+                <a:latin typeface="+mn-lt"/>
+                <a:ea typeface="+mn-ea"/>
+                <a:cs typeface="+mn-cs"/>
+              </a:defRPr>
+            </a:lvl2pPr>
+            <a:lvl3pPr marL="914400" indent="0" algn="ctr" defTabSz="914400" rtl="0" eaLnBrk="1" latinLnBrk="0" hangingPunct="1">
+              <a:lnSpc>
+                <a:spcPct val="90000"/>
+              </a:lnSpc>
+              <a:spcBef>
+                <a:spcPts val="500"/>
+              </a:spcBef>
+              <a:buFont typeface="Arial" panose="020B0604020202020204" pitchFamily="34" charset="0"/>
+              <a:buNone/>
+              <a:defRPr kumimoji="1" sz="1800" kern="1200">
+                <a:solidFill>
+                  <a:schemeClr val="tx1"/>
+                </a:solidFill>
+                <a:latin typeface="+mn-lt"/>
+                <a:ea typeface="+mn-ea"/>
+                <a:cs typeface="+mn-cs"/>
+              </a:defRPr>
+            </a:lvl3pPr>
+            <a:lvl4pPr marL="1371600" indent="0" algn="ctr" defTabSz="914400" rtl="0" eaLnBrk="1" latinLnBrk="0" hangingPunct="1">
+              <a:lnSpc>
+                <a:spcPct val="90000"/>
+              </a:lnSpc>
+              <a:spcBef>
+                <a:spcPts val="500"/>
+              </a:spcBef>
+              <a:buFont typeface="Arial" panose="020B0604020202020204" pitchFamily="34" charset="0"/>
+              <a:buNone/>
+              <a:defRPr kumimoji="1" sz="1600" kern="1200">
+                <a:solidFill>
+                  <a:schemeClr val="tx1"/>
+                </a:solidFill>
+                <a:latin typeface="+mn-lt"/>
+                <a:ea typeface="+mn-ea"/>
+                <a:cs typeface="+mn-cs"/>
+              </a:defRPr>
+            </a:lvl4pPr>
+            <a:lvl5pPr marL="1828800" indent="0" algn="ctr" defTabSz="914400" rtl="0" eaLnBrk="1" latinLnBrk="0" hangingPunct="1">
+              <a:lnSpc>
+                <a:spcPct val="90000"/>
+              </a:lnSpc>
+              <a:spcBef>
+                <a:spcPts val="500"/>
+              </a:spcBef>
+              <a:buFont typeface="Arial" panose="020B0604020202020204" pitchFamily="34" charset="0"/>
+              <a:buNone/>
+              <a:defRPr kumimoji="1" sz="1600" kern="1200">
+                <a:solidFill>
+                  <a:schemeClr val="tx1"/>
+                </a:solidFill>
+                <a:latin typeface="+mn-lt"/>
+                <a:ea typeface="+mn-ea"/>
+                <a:cs typeface="+mn-cs"/>
+              </a:defRPr>
+            </a:lvl5pPr>
+            <a:lvl6pPr marL="2286000" indent="0" algn="ctr" defTabSz="914400" rtl="0" eaLnBrk="1" latinLnBrk="0" hangingPunct="1">
+              <a:lnSpc>
+                <a:spcPct val="90000"/>
+              </a:lnSpc>
+              <a:spcBef>
+                <a:spcPts val="500"/>
+              </a:spcBef>
+              <a:buFont typeface="Arial" panose="020B0604020202020204" pitchFamily="34" charset="0"/>
+              <a:buNone/>
+              <a:defRPr kumimoji="1" sz="1600" kern="1200">
+                <a:solidFill>
+                  <a:schemeClr val="tx1"/>
+                </a:solidFill>
+                <a:latin typeface="+mn-lt"/>
+                <a:ea typeface="+mn-ea"/>
+                <a:cs typeface="+mn-cs"/>
+              </a:defRPr>
+            </a:lvl6pPr>
+            <a:lvl7pPr marL="2743200" indent="0" algn="ctr" defTabSz="914400" rtl="0" eaLnBrk="1" latinLnBrk="0" hangingPunct="1">
+              <a:lnSpc>
+                <a:spcPct val="90000"/>
+              </a:lnSpc>
+              <a:spcBef>
+                <a:spcPts val="500"/>
+              </a:spcBef>
+              <a:buFont typeface="Arial" panose="020B0604020202020204" pitchFamily="34" charset="0"/>
+              <a:buNone/>
+              <a:defRPr kumimoji="1" sz="1600" kern="1200">
+                <a:solidFill>
+                  <a:schemeClr val="tx1"/>
+                </a:solidFill>
+                <a:latin typeface="+mn-lt"/>
+                <a:ea typeface="+mn-ea"/>
+                <a:cs typeface="+mn-cs"/>
+              </a:defRPr>
+            </a:lvl7pPr>
+            <a:lvl8pPr marL="3200400" indent="0" algn="ctr" defTabSz="914400" rtl="0" eaLnBrk="1" latinLnBrk="0" hangingPunct="1">
+              <a:lnSpc>
+                <a:spcPct val="90000"/>
+              </a:lnSpc>
+              <a:spcBef>
+                <a:spcPts val="500"/>
+              </a:spcBef>
+              <a:buFont typeface="Arial" panose="020B0604020202020204" pitchFamily="34" charset="0"/>
+              <a:buNone/>
+              <a:defRPr kumimoji="1" sz="1600" kern="1200">
+                <a:solidFill>
+                  <a:schemeClr val="tx1"/>
+                </a:solidFill>
+                <a:latin typeface="+mn-lt"/>
+                <a:ea typeface="+mn-ea"/>
+                <a:cs typeface="+mn-cs"/>
+              </a:defRPr>
+            </a:lvl8pPr>
+            <a:lvl9pPr marL="3657600" indent="0" algn="ctr" defTabSz="914400" rtl="0" eaLnBrk="1" latinLnBrk="0" hangingPunct="1">
+              <a:lnSpc>
+                <a:spcPct val="90000"/>
+              </a:lnSpc>
+              <a:spcBef>
+                <a:spcPts val="500"/>
+              </a:spcBef>
+              <a:buFont typeface="Arial" panose="020B0604020202020204" pitchFamily="34" charset="0"/>
+              <a:buNone/>
+              <a:defRPr kumimoji="1" sz="1600" kern="1200">
+                <a:solidFill>
+                  <a:schemeClr val="tx1"/>
+                </a:solidFill>
+                <a:latin typeface="+mn-lt"/>
+                <a:ea typeface="+mn-ea"/>
+                <a:cs typeface="+mn-cs"/>
+              </a:defRPr>
+            </a:lvl9pPr>
+          </a:lstStyle>
+          <a:p>
+            <a:pPr algn="l"/>
+            <a:r>
+              <a:rPr lang="en-US" sz="3600" b="1" dirty="0" smtClean="0">
+                <a:solidFill>
+                  <a:srgbClr val="0064B5"/>
+                </a:solidFill>
+              </a:rPr>
+              <a:t>CSS Syntax</a:t>
+            </a:r>
+            <a:endParaRPr lang="en-US" sz="3600" b="1" dirty="0">
+              <a:solidFill>
+                <a:srgbClr val="0064B5"/>
+              </a:solidFill>
+            </a:endParaRPr>
+          </a:p>
+        </p:txBody>
+      </p:sp>
+      <p:pic>
+        <p:nvPicPr>
+          <p:cNvPr id="1026" name="Picture 2"/>
+          <p:cNvPicPr>
+            <a:picLocks noChangeAspect="1" noChangeArrowheads="1"/>
+          </p:cNvPicPr>
+          <p:nvPr/>
+        </p:nvPicPr>
+        <p:blipFill>
+          <a:blip r:embed="rId2"/>
+          <a:srcRect/>
+          <a:stretch>
+            <a:fillRect/>
+          </a:stretch>
+        </p:blipFill>
+        <p:spPr bwMode="auto">
+          <a:xfrm>
+            <a:off x="806120" y="2708695"/>
+            <a:ext cx="6596723" cy="2059736"/>
+          </a:xfrm>
+          <a:prstGeom prst="rect">
+            <a:avLst/>
+          </a:prstGeom>
+          <a:noFill/>
+          <a:ln w="9525">
+            <a:noFill/>
+            <a:miter lim="800000"/>
+            <a:headEnd/>
+            <a:tailEnd/>
+          </a:ln>
+          <a:effectLst/>
+        </p:spPr>
+      </p:pic>
+      <p:sp>
+        <p:nvSpPr>
+          <p:cNvPr id="10" name="Rectangle 9"/>
+          <p:cNvSpPr/>
+          <p:nvPr/>
+        </p:nvSpPr>
+        <p:spPr>
+          <a:xfrm>
+            <a:off x="316947" y="837564"/>
+            <a:ext cx="8160439" cy="1615827"/>
+          </a:xfrm>
+          <a:prstGeom prst="rect">
+            <a:avLst/>
+          </a:prstGeom>
+        </p:spPr>
+        <p:txBody>
+          <a:bodyPr wrap="none">
+            <a:spAutoFit/>
+          </a:bodyPr>
+          <a:lstStyle/>
+          <a:p>
+            <a:pPr marL="285750" indent="-285750">
+              <a:lnSpc>
+                <a:spcPct val="150000"/>
+              </a:lnSpc>
+              <a:buFont typeface="Arial" panose="020B0604020202020204" pitchFamily="34" charset="0"/>
+              <a:buChar char="•"/>
+            </a:pPr>
+            <a:r>
+              <a:rPr lang="en-US" dirty="0" smtClean="0">
+                <a:solidFill>
+                  <a:schemeClr val="dk1"/>
+                </a:solidFill>
+              </a:rPr>
+              <a:t>A CSS rule consists of a selector and a declaration block.</a:t>
+            </a:r>
+          </a:p>
+          <a:p>
+            <a:pPr marL="285750" indent="-285750">
+              <a:lnSpc>
+                <a:spcPct val="150000"/>
+              </a:lnSpc>
+              <a:buFont typeface="Arial" panose="020B0604020202020204" pitchFamily="34" charset="0"/>
+              <a:buChar char="•"/>
+            </a:pPr>
+            <a:r>
+              <a:rPr lang="en-US" dirty="0" smtClean="0">
+                <a:solidFill>
+                  <a:schemeClr val="dk1"/>
+                </a:solidFill>
+              </a:rPr>
+              <a:t>The selector points to the HTML element you want to style.</a:t>
+            </a:r>
+          </a:p>
+          <a:p>
+            <a:pPr marL="285750" indent="-285750">
+              <a:lnSpc>
+                <a:spcPct val="150000"/>
+              </a:lnSpc>
+              <a:buFont typeface="Arial" panose="020B0604020202020204" pitchFamily="34" charset="0"/>
+              <a:buChar char="•"/>
+            </a:pPr>
+            <a:r>
+              <a:rPr lang="en-US" dirty="0" smtClean="0">
+                <a:solidFill>
+                  <a:schemeClr val="dk1"/>
+                </a:solidFill>
+              </a:rPr>
+              <a:t>The declaration block contains one or more declarations separated by semicolons</a:t>
+            </a:r>
+            <a:r>
+              <a:rPr lang="en-US" dirty="0" smtClean="0"/>
+              <a:t>.</a:t>
+            </a:r>
+          </a:p>
+          <a:p>
+            <a:endParaRPr lang="en-US" dirty="0"/>
+          </a:p>
+        </p:txBody>
+      </p:sp>
+    </p:spTree>
+    <p:extLst>
+      <p:ext uri="{BB962C8B-B14F-4D97-AF65-F5344CB8AC3E}">
+        <p14:creationId xmlns:p14="http://schemas.microsoft.com/office/powerpoint/2010/main" xmlns="" val="2848728424"/>
+      </p:ext>
+    </p:extLst>
+  </p:cSld>
+  <p:clrMapOvr>
+    <a:masterClrMapping/>
+  </p:clrMapOvr>
+  <p:timing>
+    <p:tnLst>
+      <p:par>
+        <p:cTn id="1" dur="indefinite" restart="never" nodeType="tmRoot"/>
+      </p:par>
+    </p:tnLst>
+  </p:timing>
+</p:sld>
+</file>
+
+<file path=ppt/slides/slide40.xml><?xml version="1.0" encoding="utf-8"?>
 <p:sld xmlns:a="http://schemas.openxmlformats.org/drawingml/2006/main" xmlns:r="http://schemas.openxmlformats.org/officeDocument/2006/relationships" xmlns:p="http://schemas.openxmlformats.org/presentationml/2006/main">
   <p:cSld>
     <p:spTree>
@@ -7236,7 +10767,7 @@
 </p:sld>
 </file>
 
-<file path=ppt/slides/slide28.xml><?xml version="1.0" encoding="utf-8"?>
+<file path=ppt/slides/slide41.xml><?xml version="1.0" encoding="utf-8"?>
 <p:sld xmlns:a="http://schemas.openxmlformats.org/drawingml/2006/main" xmlns:r="http://schemas.openxmlformats.org/officeDocument/2006/relationships" xmlns:p="http://schemas.openxmlformats.org/presentationml/2006/main">
   <p:cSld>
     <p:spTree>
@@ -7336,7 +10867,7 @@
 </p:sld>
 </file>
 
-<file path=ppt/slides/slide29.xml><?xml version="1.0" encoding="utf-8"?>
+<file path=ppt/slides/slide42.xml><?xml version="1.0" encoding="utf-8"?>
 <p:sld xmlns:a="http://schemas.openxmlformats.org/drawingml/2006/main" xmlns:r="http://schemas.openxmlformats.org/officeDocument/2006/relationships" xmlns:p="http://schemas.openxmlformats.org/presentationml/2006/main">
   <p:cSld>
     <p:spTree>
@@ -7436,362 +10967,7 @@
 </p:sld>
 </file>
 
-<file path=ppt/slides/slide3.xml><?xml version="1.0" encoding="utf-8"?>
-<p:sld xmlns:a="http://schemas.openxmlformats.org/drawingml/2006/main" xmlns:r="http://schemas.openxmlformats.org/officeDocument/2006/relationships" xmlns:p="http://schemas.openxmlformats.org/presentationml/2006/main">
-  <p:cSld>
-    <p:spTree>
-      <p:nvGrpSpPr>
-        <p:cNvPr id="1" name=""/>
-        <p:cNvGrpSpPr/>
-        <p:nvPr/>
-      </p:nvGrpSpPr>
-      <p:grpSpPr>
-        <a:xfrm>
-          <a:off x="0" y="0"/>
-          <a:ext cx="0" cy="0"/>
-          <a:chOff x="0" y="0"/>
-          <a:chExt cx="0" cy="0"/>
-        </a:xfrm>
-      </p:grpSpPr>
-      <p:sp>
-        <p:nvSpPr>
-          <p:cNvPr id="4" name="Content Placeholder 13"/>
-          <p:cNvSpPr txBox="1">
-            <a:spLocks/>
-          </p:cNvSpPr>
-          <p:nvPr/>
-        </p:nvSpPr>
-        <p:spPr>
-          <a:xfrm>
-            <a:off x="321126" y="334401"/>
-            <a:ext cx="9791700" cy="630192"/>
-          </a:xfrm>
-          <a:prstGeom prst="rect">
-            <a:avLst/>
-          </a:prstGeom>
-        </p:spPr>
-        <p:txBody>
-          <a:bodyPr vert="horz" lIns="91440" tIns="45720" rIns="91440" bIns="45720" rtlCol="0">
-            <a:noAutofit/>
-          </a:bodyPr>
-          <a:lstStyle>
-            <a:lvl1pPr marL="0" indent="0" algn="ctr" defTabSz="914400" rtl="0" eaLnBrk="1" latinLnBrk="0" hangingPunct="1">
-              <a:lnSpc>
-                <a:spcPct val="90000"/>
-              </a:lnSpc>
-              <a:spcBef>
-                <a:spcPts val="1000"/>
-              </a:spcBef>
-              <a:buFont typeface="Arial" panose="020B0604020202020204" pitchFamily="34" charset="0"/>
-              <a:buNone/>
-              <a:defRPr kumimoji="1" sz="2400" kern="1200">
-                <a:solidFill>
-                  <a:schemeClr val="tx1"/>
-                </a:solidFill>
-                <a:latin typeface="+mn-lt"/>
-                <a:ea typeface="+mn-ea"/>
-                <a:cs typeface="+mn-cs"/>
-              </a:defRPr>
-            </a:lvl1pPr>
-            <a:lvl2pPr marL="457200" indent="0" algn="ctr" defTabSz="914400" rtl="0" eaLnBrk="1" latinLnBrk="0" hangingPunct="1">
-              <a:lnSpc>
-                <a:spcPct val="90000"/>
-              </a:lnSpc>
-              <a:spcBef>
-                <a:spcPts val="500"/>
-              </a:spcBef>
-              <a:buFont typeface="Arial" panose="020B0604020202020204" pitchFamily="34" charset="0"/>
-              <a:buNone/>
-              <a:defRPr kumimoji="1" sz="2000" kern="1200">
-                <a:solidFill>
-                  <a:schemeClr val="tx1"/>
-                </a:solidFill>
-                <a:latin typeface="+mn-lt"/>
-                <a:ea typeface="+mn-ea"/>
-                <a:cs typeface="+mn-cs"/>
-              </a:defRPr>
-            </a:lvl2pPr>
-            <a:lvl3pPr marL="914400" indent="0" algn="ctr" defTabSz="914400" rtl="0" eaLnBrk="1" latinLnBrk="0" hangingPunct="1">
-              <a:lnSpc>
-                <a:spcPct val="90000"/>
-              </a:lnSpc>
-              <a:spcBef>
-                <a:spcPts val="500"/>
-              </a:spcBef>
-              <a:buFont typeface="Arial" panose="020B0604020202020204" pitchFamily="34" charset="0"/>
-              <a:buNone/>
-              <a:defRPr kumimoji="1" sz="1800" kern="1200">
-                <a:solidFill>
-                  <a:schemeClr val="tx1"/>
-                </a:solidFill>
-                <a:latin typeface="+mn-lt"/>
-                <a:ea typeface="+mn-ea"/>
-                <a:cs typeface="+mn-cs"/>
-              </a:defRPr>
-            </a:lvl3pPr>
-            <a:lvl4pPr marL="1371600" indent="0" algn="ctr" defTabSz="914400" rtl="0" eaLnBrk="1" latinLnBrk="0" hangingPunct="1">
-              <a:lnSpc>
-                <a:spcPct val="90000"/>
-              </a:lnSpc>
-              <a:spcBef>
-                <a:spcPts val="500"/>
-              </a:spcBef>
-              <a:buFont typeface="Arial" panose="020B0604020202020204" pitchFamily="34" charset="0"/>
-              <a:buNone/>
-              <a:defRPr kumimoji="1" sz="1600" kern="1200">
-                <a:solidFill>
-                  <a:schemeClr val="tx1"/>
-                </a:solidFill>
-                <a:latin typeface="+mn-lt"/>
-                <a:ea typeface="+mn-ea"/>
-                <a:cs typeface="+mn-cs"/>
-              </a:defRPr>
-            </a:lvl4pPr>
-            <a:lvl5pPr marL="1828800" indent="0" algn="ctr" defTabSz="914400" rtl="0" eaLnBrk="1" latinLnBrk="0" hangingPunct="1">
-              <a:lnSpc>
-                <a:spcPct val="90000"/>
-              </a:lnSpc>
-              <a:spcBef>
-                <a:spcPts val="500"/>
-              </a:spcBef>
-              <a:buFont typeface="Arial" panose="020B0604020202020204" pitchFamily="34" charset="0"/>
-              <a:buNone/>
-              <a:defRPr kumimoji="1" sz="1600" kern="1200">
-                <a:solidFill>
-                  <a:schemeClr val="tx1"/>
-                </a:solidFill>
-                <a:latin typeface="+mn-lt"/>
-                <a:ea typeface="+mn-ea"/>
-                <a:cs typeface="+mn-cs"/>
-              </a:defRPr>
-            </a:lvl5pPr>
-            <a:lvl6pPr marL="2286000" indent="0" algn="ctr" defTabSz="914400" rtl="0" eaLnBrk="1" latinLnBrk="0" hangingPunct="1">
-              <a:lnSpc>
-                <a:spcPct val="90000"/>
-              </a:lnSpc>
-              <a:spcBef>
-                <a:spcPts val="500"/>
-              </a:spcBef>
-              <a:buFont typeface="Arial" panose="020B0604020202020204" pitchFamily="34" charset="0"/>
-              <a:buNone/>
-              <a:defRPr kumimoji="1" sz="1600" kern="1200">
-                <a:solidFill>
-                  <a:schemeClr val="tx1"/>
-                </a:solidFill>
-                <a:latin typeface="+mn-lt"/>
-                <a:ea typeface="+mn-ea"/>
-                <a:cs typeface="+mn-cs"/>
-              </a:defRPr>
-            </a:lvl6pPr>
-            <a:lvl7pPr marL="2743200" indent="0" algn="ctr" defTabSz="914400" rtl="0" eaLnBrk="1" latinLnBrk="0" hangingPunct="1">
-              <a:lnSpc>
-                <a:spcPct val="90000"/>
-              </a:lnSpc>
-              <a:spcBef>
-                <a:spcPts val="500"/>
-              </a:spcBef>
-              <a:buFont typeface="Arial" panose="020B0604020202020204" pitchFamily="34" charset="0"/>
-              <a:buNone/>
-              <a:defRPr kumimoji="1" sz="1600" kern="1200">
-                <a:solidFill>
-                  <a:schemeClr val="tx1"/>
-                </a:solidFill>
-                <a:latin typeface="+mn-lt"/>
-                <a:ea typeface="+mn-ea"/>
-                <a:cs typeface="+mn-cs"/>
-              </a:defRPr>
-            </a:lvl7pPr>
-            <a:lvl8pPr marL="3200400" indent="0" algn="ctr" defTabSz="914400" rtl="0" eaLnBrk="1" latinLnBrk="0" hangingPunct="1">
-              <a:lnSpc>
-                <a:spcPct val="90000"/>
-              </a:lnSpc>
-              <a:spcBef>
-                <a:spcPts val="500"/>
-              </a:spcBef>
-              <a:buFont typeface="Arial" panose="020B0604020202020204" pitchFamily="34" charset="0"/>
-              <a:buNone/>
-              <a:defRPr kumimoji="1" sz="1600" kern="1200">
-                <a:solidFill>
-                  <a:schemeClr val="tx1"/>
-                </a:solidFill>
-                <a:latin typeface="+mn-lt"/>
-                <a:ea typeface="+mn-ea"/>
-                <a:cs typeface="+mn-cs"/>
-              </a:defRPr>
-            </a:lvl8pPr>
-            <a:lvl9pPr marL="3657600" indent="0" algn="ctr" defTabSz="914400" rtl="0" eaLnBrk="1" latinLnBrk="0" hangingPunct="1">
-              <a:lnSpc>
-                <a:spcPct val="90000"/>
-              </a:lnSpc>
-              <a:spcBef>
-                <a:spcPts val="500"/>
-              </a:spcBef>
-              <a:buFont typeface="Arial" panose="020B0604020202020204" pitchFamily="34" charset="0"/>
-              <a:buNone/>
-              <a:defRPr kumimoji="1" sz="1600" kern="1200">
-                <a:solidFill>
-                  <a:schemeClr val="tx1"/>
-                </a:solidFill>
-                <a:latin typeface="+mn-lt"/>
-                <a:ea typeface="+mn-ea"/>
-                <a:cs typeface="+mn-cs"/>
-              </a:defRPr>
-            </a:lvl9pPr>
-          </a:lstStyle>
-          <a:p>
-            <a:pPr algn="l"/>
-            <a:r>
-              <a:rPr lang="en-US" sz="3600" b="1" dirty="0" smtClean="0">
-                <a:solidFill>
-                  <a:srgbClr val="0064B5"/>
-                </a:solidFill>
-              </a:rPr>
-              <a:t>What is CSS?</a:t>
-            </a:r>
-            <a:endParaRPr lang="en-US" sz="3600" b="1" dirty="0">
-              <a:solidFill>
-                <a:srgbClr val="0064B5"/>
-              </a:solidFill>
-            </a:endParaRPr>
-          </a:p>
-        </p:txBody>
-      </p:sp>
-      <p:sp>
-        <p:nvSpPr>
-          <p:cNvPr id="8" name="Rectangle 7"/>
-          <p:cNvSpPr/>
-          <p:nvPr/>
-        </p:nvSpPr>
-        <p:spPr>
-          <a:xfrm>
-            <a:off x="537714" y="978967"/>
-            <a:ext cx="8890958" cy="1754326"/>
-          </a:xfrm>
-          <a:prstGeom prst="rect">
-            <a:avLst/>
-          </a:prstGeom>
-        </p:spPr>
-        <p:txBody>
-          <a:bodyPr wrap="square">
-            <a:spAutoFit/>
-          </a:bodyPr>
-          <a:lstStyle/>
-          <a:p>
-            <a:pPr marL="285750" lvl="0" indent="-285750">
-              <a:lnSpc>
-                <a:spcPct val="150000"/>
-              </a:lnSpc>
-              <a:buClr>
-                <a:schemeClr val="dk1"/>
-              </a:buClr>
-              <a:buSzPts val="1850"/>
-              <a:buFont typeface="Arial" pitchFamily="34" charset="0"/>
-              <a:buChar char="•"/>
-            </a:pPr>
-            <a:r>
-              <a:rPr lang="en-US" altLang="ja-JP" dirty="0" smtClean="0"/>
-              <a:t>CSS stands for Cascading Style Sheets.</a:t>
-            </a:r>
-          </a:p>
-          <a:p>
-            <a:pPr marL="285750" lvl="0" indent="-285750">
-              <a:lnSpc>
-                <a:spcPct val="150000"/>
-              </a:lnSpc>
-              <a:buClr>
-                <a:schemeClr val="dk1"/>
-              </a:buClr>
-              <a:buSzPts val="1850"/>
-              <a:buFont typeface="Arial" pitchFamily="34" charset="0"/>
-              <a:buChar char="•"/>
-            </a:pPr>
-            <a:r>
-              <a:rPr lang="en-US" altLang="ja-JP" dirty="0" smtClean="0"/>
-              <a:t>It is used to style HTML documents to make it good looking.</a:t>
-            </a:r>
-          </a:p>
-          <a:p>
-            <a:pPr marL="285750" lvl="0" indent="-285750">
-              <a:lnSpc>
-                <a:spcPct val="150000"/>
-              </a:lnSpc>
-              <a:buClr>
-                <a:schemeClr val="dk1"/>
-              </a:buClr>
-              <a:buSzPts val="1850"/>
-              <a:buFont typeface="Arial" pitchFamily="34" charset="0"/>
-              <a:buChar char="•"/>
-            </a:pPr>
-            <a:r>
-              <a:rPr lang="en-US" altLang="ja-JP" dirty="0" smtClean="0"/>
-              <a:t>Turn ordinary black &amp; white page into colorful one.</a:t>
-            </a:r>
-          </a:p>
-          <a:p>
-            <a:pPr marL="285750" lvl="0" indent="-285750">
-              <a:lnSpc>
-                <a:spcPct val="150000"/>
-              </a:lnSpc>
-              <a:buClr>
-                <a:schemeClr val="dk1"/>
-              </a:buClr>
-              <a:buSzPts val="1850"/>
-              <a:buFont typeface="Arial" pitchFamily="34" charset="0"/>
-              <a:buChar char="•"/>
-            </a:pPr>
-            <a:r>
-              <a:rPr lang="en-US" altLang="ja-JP" dirty="0" smtClean="0"/>
-              <a:t>Can make webpage as a Responsive one.</a:t>
-            </a:r>
-            <a:endParaRPr lang="en-US" altLang="ja-JP" dirty="0"/>
-          </a:p>
-        </p:txBody>
-      </p:sp>
-      <p:pic>
-        <p:nvPicPr>
-          <p:cNvPr id="10" name="Picture 9" descr="difference-between-a-website-and-web-app.jpg"/>
-          <p:cNvPicPr>
-            <a:picLocks noChangeAspect="1"/>
-          </p:cNvPicPr>
-          <p:nvPr/>
-        </p:nvPicPr>
-        <p:blipFill>
-          <a:blip r:embed="rId2"/>
-          <a:stretch>
-            <a:fillRect/>
-          </a:stretch>
-        </p:blipFill>
-        <p:spPr>
-          <a:xfrm>
-            <a:off x="2451987" y="2716746"/>
-            <a:ext cx="6735146" cy="3576639"/>
-          </a:xfrm>
-          <a:prstGeom prst="rect">
-            <a:avLst/>
-          </a:prstGeom>
-        </p:spPr>
-      </p:pic>
-    </p:spTree>
-    <p:extLst>
-      <p:ext uri="{BB962C8B-B14F-4D97-AF65-F5344CB8AC3E}">
-        <p14:creationId xmlns="" xmlns:p14="http://schemas.microsoft.com/office/powerpoint/2010/main" val="1328577666"/>
-      </p:ext>
-    </p:extLst>
-  </p:cSld>
-  <p:clrMapOvr>
-    <a:masterClrMapping/>
-  </p:clrMapOvr>
-  <p:timing>
-    <p:tnLst>
-      <p:par>
-        <p:cTn id="1" dur="indefinite" restart="never" nodeType="tmRoot"/>
-      </p:par>
-    </p:tnLst>
-  </p:timing>
-</p:sld>
-</file>
-
-<file path=ppt/slides/slide30.xml><?xml version="1.0" encoding="utf-8"?>
+<file path=ppt/slides/slide43.xml><?xml version="1.0" encoding="utf-8"?>
 <p:sld xmlns:a="http://schemas.openxmlformats.org/drawingml/2006/main" xmlns:r="http://schemas.openxmlformats.org/officeDocument/2006/relationships" xmlns:p="http://schemas.openxmlformats.org/presentationml/2006/main">
   <p:cSld>
     <p:spTree>
@@ -7891,7 +11067,7 @@
 </p:sld>
 </file>
 
-<file path=ppt/slides/slide31.xml><?xml version="1.0" encoding="utf-8"?>
+<file path=ppt/slides/slide44.xml><?xml version="1.0" encoding="utf-8"?>
 <p:sld xmlns:a="http://schemas.openxmlformats.org/drawingml/2006/main" xmlns:r="http://schemas.openxmlformats.org/officeDocument/2006/relationships" xmlns:p="http://schemas.openxmlformats.org/presentationml/2006/main">
   <p:cSld>
     <p:spTree>
@@ -7991,7 +11167,7 @@
 </p:sld>
 </file>
 
-<file path=ppt/slides/slide32.xml><?xml version="1.0" encoding="utf-8"?>
+<file path=ppt/slides/slide45.xml><?xml version="1.0" encoding="utf-8"?>
 <p:sld xmlns:a="http://schemas.openxmlformats.org/drawingml/2006/main" xmlns:r="http://schemas.openxmlformats.org/officeDocument/2006/relationships" xmlns:p="http://schemas.openxmlformats.org/presentationml/2006/main">
   <p:cSld>
     <p:spTree>
@@ -8091,7 +11267,7 @@
 </p:sld>
 </file>
 
-<file path=ppt/slides/slide4.xml><?xml version="1.0" encoding="utf-8"?>
+<file path=ppt/slides/slide5.xml><?xml version="1.0" encoding="utf-8"?>
 <p:sld xmlns:a="http://schemas.openxmlformats.org/drawingml/2006/main" xmlns:r="http://schemas.openxmlformats.org/officeDocument/2006/relationships" xmlns:p="http://schemas.openxmlformats.org/presentationml/2006/main">
   <p:cSld>
     <p:spTree>
@@ -8110,204 +11286,43 @@
       </p:grpSpPr>
       <p:sp>
         <p:nvSpPr>
-          <p:cNvPr id="4" name="Content Placeholder 13"/>
-          <p:cNvSpPr txBox="1">
-            <a:spLocks/>
-          </p:cNvSpPr>
-          <p:nvPr/>
-        </p:nvSpPr>
-        <p:spPr>
-          <a:xfrm>
-            <a:off x="321126" y="135993"/>
-            <a:ext cx="9791700" cy="630192"/>
-          </a:xfrm>
-          <a:prstGeom prst="rect">
-            <a:avLst/>
-          </a:prstGeom>
-        </p:spPr>
-        <p:txBody>
-          <a:bodyPr vert="horz" lIns="91440" tIns="45720" rIns="91440" bIns="45720" rtlCol="0">
-            <a:noAutofit/>
-          </a:bodyPr>
-          <a:lstStyle>
-            <a:lvl1pPr marL="0" indent="0" algn="ctr" defTabSz="914400" rtl="0" eaLnBrk="1" latinLnBrk="0" hangingPunct="1">
-              <a:lnSpc>
-                <a:spcPct val="90000"/>
-              </a:lnSpc>
-              <a:spcBef>
-                <a:spcPts val="1000"/>
-              </a:spcBef>
-              <a:buFont typeface="Arial" panose="020B0604020202020204" pitchFamily="34" charset="0"/>
-              <a:buNone/>
-              <a:defRPr kumimoji="1" sz="2400" kern="1200">
-                <a:solidFill>
-                  <a:schemeClr val="tx1"/>
-                </a:solidFill>
-                <a:latin typeface="+mn-lt"/>
-                <a:ea typeface="+mn-ea"/>
-                <a:cs typeface="+mn-cs"/>
-              </a:defRPr>
-            </a:lvl1pPr>
-            <a:lvl2pPr marL="457200" indent="0" algn="ctr" defTabSz="914400" rtl="0" eaLnBrk="1" latinLnBrk="0" hangingPunct="1">
-              <a:lnSpc>
-                <a:spcPct val="90000"/>
-              </a:lnSpc>
-              <a:spcBef>
-                <a:spcPts val="500"/>
-              </a:spcBef>
-              <a:buFont typeface="Arial" panose="020B0604020202020204" pitchFamily="34" charset="0"/>
-              <a:buNone/>
-              <a:defRPr kumimoji="1" sz="2000" kern="1200">
-                <a:solidFill>
-                  <a:schemeClr val="tx1"/>
-                </a:solidFill>
-                <a:latin typeface="+mn-lt"/>
-                <a:ea typeface="+mn-ea"/>
-                <a:cs typeface="+mn-cs"/>
-              </a:defRPr>
-            </a:lvl2pPr>
-            <a:lvl3pPr marL="914400" indent="0" algn="ctr" defTabSz="914400" rtl="0" eaLnBrk="1" latinLnBrk="0" hangingPunct="1">
-              <a:lnSpc>
-                <a:spcPct val="90000"/>
-              </a:lnSpc>
-              <a:spcBef>
-                <a:spcPts val="500"/>
-              </a:spcBef>
-              <a:buFont typeface="Arial" panose="020B0604020202020204" pitchFamily="34" charset="0"/>
-              <a:buNone/>
-              <a:defRPr kumimoji="1" sz="1800" kern="1200">
-                <a:solidFill>
-                  <a:schemeClr val="tx1"/>
-                </a:solidFill>
-                <a:latin typeface="+mn-lt"/>
-                <a:ea typeface="+mn-ea"/>
-                <a:cs typeface="+mn-cs"/>
-              </a:defRPr>
-            </a:lvl3pPr>
-            <a:lvl4pPr marL="1371600" indent="0" algn="ctr" defTabSz="914400" rtl="0" eaLnBrk="1" latinLnBrk="0" hangingPunct="1">
-              <a:lnSpc>
-                <a:spcPct val="90000"/>
-              </a:lnSpc>
-              <a:spcBef>
-                <a:spcPts val="500"/>
-              </a:spcBef>
-              <a:buFont typeface="Arial" panose="020B0604020202020204" pitchFamily="34" charset="0"/>
-              <a:buNone/>
-              <a:defRPr kumimoji="1" sz="1600" kern="1200">
-                <a:solidFill>
-                  <a:schemeClr val="tx1"/>
-                </a:solidFill>
-                <a:latin typeface="+mn-lt"/>
-                <a:ea typeface="+mn-ea"/>
-                <a:cs typeface="+mn-cs"/>
-              </a:defRPr>
-            </a:lvl4pPr>
-            <a:lvl5pPr marL="1828800" indent="0" algn="ctr" defTabSz="914400" rtl="0" eaLnBrk="1" latinLnBrk="0" hangingPunct="1">
-              <a:lnSpc>
-                <a:spcPct val="90000"/>
-              </a:lnSpc>
-              <a:spcBef>
-                <a:spcPts val="500"/>
-              </a:spcBef>
-              <a:buFont typeface="Arial" panose="020B0604020202020204" pitchFamily="34" charset="0"/>
-              <a:buNone/>
-              <a:defRPr kumimoji="1" sz="1600" kern="1200">
-                <a:solidFill>
-                  <a:schemeClr val="tx1"/>
-                </a:solidFill>
-                <a:latin typeface="+mn-lt"/>
-                <a:ea typeface="+mn-ea"/>
-                <a:cs typeface="+mn-cs"/>
-              </a:defRPr>
-            </a:lvl5pPr>
-            <a:lvl6pPr marL="2286000" indent="0" algn="ctr" defTabSz="914400" rtl="0" eaLnBrk="1" latinLnBrk="0" hangingPunct="1">
-              <a:lnSpc>
-                <a:spcPct val="90000"/>
-              </a:lnSpc>
-              <a:spcBef>
-                <a:spcPts val="500"/>
-              </a:spcBef>
-              <a:buFont typeface="Arial" panose="020B0604020202020204" pitchFamily="34" charset="0"/>
-              <a:buNone/>
-              <a:defRPr kumimoji="1" sz="1600" kern="1200">
-                <a:solidFill>
-                  <a:schemeClr val="tx1"/>
-                </a:solidFill>
-                <a:latin typeface="+mn-lt"/>
-                <a:ea typeface="+mn-ea"/>
-                <a:cs typeface="+mn-cs"/>
-              </a:defRPr>
-            </a:lvl6pPr>
-            <a:lvl7pPr marL="2743200" indent="0" algn="ctr" defTabSz="914400" rtl="0" eaLnBrk="1" latinLnBrk="0" hangingPunct="1">
-              <a:lnSpc>
-                <a:spcPct val="90000"/>
-              </a:lnSpc>
-              <a:spcBef>
-                <a:spcPts val="500"/>
-              </a:spcBef>
-              <a:buFont typeface="Arial" panose="020B0604020202020204" pitchFamily="34" charset="0"/>
-              <a:buNone/>
-              <a:defRPr kumimoji="1" sz="1600" kern="1200">
-                <a:solidFill>
-                  <a:schemeClr val="tx1"/>
-                </a:solidFill>
-                <a:latin typeface="+mn-lt"/>
-                <a:ea typeface="+mn-ea"/>
-                <a:cs typeface="+mn-cs"/>
-              </a:defRPr>
-            </a:lvl7pPr>
-            <a:lvl8pPr marL="3200400" indent="0" algn="ctr" defTabSz="914400" rtl="0" eaLnBrk="1" latinLnBrk="0" hangingPunct="1">
-              <a:lnSpc>
-                <a:spcPct val="90000"/>
-              </a:lnSpc>
-              <a:spcBef>
-                <a:spcPts val="500"/>
-              </a:spcBef>
-              <a:buFont typeface="Arial" panose="020B0604020202020204" pitchFamily="34" charset="0"/>
-              <a:buNone/>
-              <a:defRPr kumimoji="1" sz="1600" kern="1200">
-                <a:solidFill>
-                  <a:schemeClr val="tx1"/>
-                </a:solidFill>
-                <a:latin typeface="+mn-lt"/>
-                <a:ea typeface="+mn-ea"/>
-                <a:cs typeface="+mn-cs"/>
-              </a:defRPr>
-            </a:lvl8pPr>
-            <a:lvl9pPr marL="3657600" indent="0" algn="ctr" defTabSz="914400" rtl="0" eaLnBrk="1" latinLnBrk="0" hangingPunct="1">
-              <a:lnSpc>
-                <a:spcPct val="90000"/>
-              </a:lnSpc>
-              <a:spcBef>
-                <a:spcPts val="500"/>
-              </a:spcBef>
-              <a:buFont typeface="Arial" panose="020B0604020202020204" pitchFamily="34" charset="0"/>
-              <a:buNone/>
-              <a:defRPr kumimoji="1" sz="1600" kern="1200">
-                <a:solidFill>
-                  <a:schemeClr val="tx1"/>
-                </a:solidFill>
-                <a:latin typeface="+mn-lt"/>
-                <a:ea typeface="+mn-ea"/>
-                <a:cs typeface="+mn-cs"/>
-              </a:defRPr>
-            </a:lvl9pPr>
-          </a:lstStyle>
-          <a:p>
-            <a:pPr algn="l"/>
-            <a:r>
-              <a:rPr lang="en-US" sz="3600" b="1" dirty="0" smtClean="0">
-                <a:solidFill>
-                  <a:srgbClr val="0064B5"/>
-                </a:solidFill>
-              </a:rPr>
-              <a:t>CSS Syntax</a:t>
-            </a:r>
-            <a:endParaRPr lang="en-US" sz="3600" b="1" dirty="0">
-              <a:solidFill>
-                <a:srgbClr val="0064B5"/>
-              </a:solidFill>
-            </a:endParaRPr>
+          <p:cNvPr id="2" name="Title 1"/>
+          <p:cNvSpPr>
+            <a:spLocks noGrp="1"/>
+          </p:cNvSpPr>
+          <p:nvPr>
+            <p:ph type="title"/>
+          </p:nvPr>
+        </p:nvSpPr>
+        <p:spPr/>
+        <p:txBody>
+          <a:bodyPr/>
+          <a:lstStyle/>
+          <a:p>
+            <a:r>
+              <a:rPr lang="en-US" dirty="0" smtClean="0"/>
+              <a:t>Text-align</a:t>
+            </a:r>
+            <a:endParaRPr lang="en-US" dirty="0"/>
+          </a:p>
+        </p:txBody>
+      </p:sp>
+      <p:sp>
+        <p:nvSpPr>
+          <p:cNvPr id="3" name="Content Placeholder 2"/>
+          <p:cNvSpPr>
+            <a:spLocks noGrp="1"/>
+          </p:cNvSpPr>
+          <p:nvPr>
+            <p:ph idx="1"/>
+          </p:nvPr>
+        </p:nvSpPr>
+        <p:spPr/>
+        <p:txBody>
+          <a:bodyPr/>
+          <a:lstStyle/>
+          <a:p>
+            <a:endParaRPr lang="en-US"/>
           </a:p>
         </p:txBody>
       </p:sp>
@@ -8328,8 +11343,8 @@
         </p:blipFill>
         <p:spPr bwMode="auto">
           <a:xfrm>
-            <a:off x="806120" y="2708695"/>
-            <a:ext cx="6596723" cy="2059736"/>
+            <a:off x="744583" y="1790700"/>
+            <a:ext cx="10659291" cy="4191000"/>
           </a:xfrm>
           <a:prstGeom prst="rect">
             <a:avLst/>
@@ -8344,107 +11359,15 @@
           <a:effectLst/>
         </p:spPr>
       </p:pic>
-      <p:sp>
-        <p:nvSpPr>
-          <p:cNvPr id="10" name="Rectangle 9"/>
-          <p:cNvSpPr/>
-          <p:nvPr/>
-        </p:nvSpPr>
-        <p:spPr>
-          <a:xfrm>
-            <a:off x="316947" y="837564"/>
-            <a:ext cx="8160439" cy="1615827"/>
-          </a:xfrm>
-          <a:prstGeom prst="rect">
-            <a:avLst/>
-          </a:prstGeom>
-        </p:spPr>
-        <p:txBody>
-          <a:bodyPr wrap="none">
-            <a:spAutoFit/>
-          </a:bodyPr>
-          <a:lstStyle/>
-          <a:p>
-            <a:pPr marL="285750" indent="-285750">
-              <a:lnSpc>
-                <a:spcPct val="150000"/>
-              </a:lnSpc>
-              <a:buFont typeface="Arial" panose="020B0604020202020204" pitchFamily="34" charset="0"/>
-              <a:buChar char="•"/>
-            </a:pPr>
-            <a:r>
-              <a:rPr lang="en-US" dirty="0" smtClean="0">
-                <a:solidFill>
-                  <a:schemeClr val="dk1"/>
-                </a:solidFill>
-              </a:rPr>
-              <a:t>A CSS rule consists of a selector and a declaration block.</a:t>
-            </a:r>
-          </a:p>
-          <a:p>
-            <a:pPr marL="285750" indent="-285750">
-              <a:lnSpc>
-                <a:spcPct val="150000"/>
-              </a:lnSpc>
-              <a:buFont typeface="Arial" panose="020B0604020202020204" pitchFamily="34" charset="0"/>
-              <a:buChar char="•"/>
-            </a:pPr>
-            <a:r>
-              <a:rPr lang="en-US" dirty="0" smtClean="0">
-                <a:solidFill>
-                  <a:schemeClr val="dk1"/>
-                </a:solidFill>
-              </a:rPr>
-              <a:t>The selector points to the HTML element you want to style.</a:t>
-            </a:r>
-          </a:p>
-          <a:p>
-            <a:pPr marL="285750" indent="-285750">
-              <a:lnSpc>
-                <a:spcPct val="150000"/>
-              </a:lnSpc>
-              <a:buFont typeface="Arial" panose="020B0604020202020204" pitchFamily="34" charset="0"/>
-              <a:buChar char="•"/>
-            </a:pPr>
-            <a:r>
-              <a:rPr lang="en-US" dirty="0" smtClean="0">
-                <a:solidFill>
-                  <a:schemeClr val="dk1"/>
-                </a:solidFill>
-              </a:rPr>
-              <a:t>The declaration block contains one or more declarations separated by semicolons</a:t>
-            </a:r>
-            <a:r>
-              <a:rPr lang="en-US" dirty="0" smtClean="0"/>
-              <a:t>.</a:t>
-            </a:r>
-          </a:p>
-          <a:p>
-            <a:endParaRPr lang="en-US" dirty="0"/>
-          </a:p>
-        </p:txBody>
-      </p:sp>
     </p:spTree>
-    <p:extLst>
-      <p:ext uri="{BB962C8B-B14F-4D97-AF65-F5344CB8AC3E}">
-        <p14:creationId xmlns="" xmlns:p14="http://schemas.microsoft.com/office/powerpoint/2010/main" val="2848728424"/>
-      </p:ext>
-    </p:extLst>
   </p:cSld>
   <p:clrMapOvr>
     <a:masterClrMapping/>
   </p:clrMapOvr>
-  <p:timing>
-    <p:tnLst>
-      <p:par>
-        <p:cTn id="1" dur="indefinite" restart="never" nodeType="tmRoot"/>
-      </p:par>
-    </p:tnLst>
-  </p:timing>
 </p:sld>
 </file>
 
-<file path=ppt/slides/slide5.xml><?xml version="1.0" encoding="utf-8"?>
+<file path=ppt/slides/slide6.xml><?xml version="1.0" encoding="utf-8"?>
 <p:sld xmlns:a="http://schemas.openxmlformats.org/drawingml/2006/main" xmlns:r="http://schemas.openxmlformats.org/officeDocument/2006/relationships" xmlns:p="http://schemas.openxmlformats.org/presentationml/2006/main">
   <p:cSld>
     <p:spTree>
@@ -8463,6 +11386,323 @@
       </p:grpSpPr>
       <p:sp>
         <p:nvSpPr>
+          <p:cNvPr id="2" name="Title 1"/>
+          <p:cNvSpPr>
+            <a:spLocks noGrp="1"/>
+          </p:cNvSpPr>
+          <p:nvPr>
+            <p:ph type="title"/>
+          </p:nvPr>
+        </p:nvSpPr>
+        <p:spPr/>
+        <p:txBody>
+          <a:bodyPr/>
+          <a:lstStyle/>
+          <a:p>
+            <a:r>
+              <a:rPr lang="en-US" dirty="0" smtClean="0"/>
+              <a:t>Text-align</a:t>
+            </a:r>
+            <a:endParaRPr lang="en-US" dirty="0"/>
+          </a:p>
+        </p:txBody>
+      </p:sp>
+      <p:pic>
+        <p:nvPicPr>
+          <p:cNvPr id="2050" name="Picture 2"/>
+          <p:cNvPicPr>
+            <a:picLocks noGrp="1" noChangeAspect="1" noChangeArrowheads="1"/>
+          </p:cNvPicPr>
+          <p:nvPr>
+            <p:ph idx="1"/>
+          </p:nvPr>
+        </p:nvPicPr>
+        <p:blipFill>
+          <a:blip r:embed="rId2"/>
+          <a:srcRect/>
+          <a:stretch>
+            <a:fillRect/>
+          </a:stretch>
+        </p:blipFill>
+        <p:spPr bwMode="auto">
+          <a:xfrm>
+            <a:off x="977944" y="1781016"/>
+            <a:ext cx="6363382" cy="2163967"/>
+          </a:xfrm>
+          <a:prstGeom prst="rect">
+            <a:avLst/>
+          </a:prstGeom>
+          <a:noFill/>
+          <a:ln w="9525">
+            <a:noFill/>
+            <a:miter lim="800000"/>
+            <a:headEnd/>
+            <a:tailEnd/>
+          </a:ln>
+          <a:effectLst/>
+        </p:spPr>
+      </p:pic>
+      <p:pic>
+        <p:nvPicPr>
+          <p:cNvPr id="2051" name="Picture 3"/>
+          <p:cNvPicPr>
+            <a:picLocks noChangeAspect="1" noChangeArrowheads="1"/>
+          </p:cNvPicPr>
+          <p:nvPr/>
+        </p:nvPicPr>
+        <p:blipFill>
+          <a:blip r:embed="rId3"/>
+          <a:srcRect/>
+          <a:stretch>
+            <a:fillRect/>
+          </a:stretch>
+        </p:blipFill>
+        <p:spPr bwMode="auto">
+          <a:xfrm>
+            <a:off x="7081838" y="1237433"/>
+            <a:ext cx="3514725" cy="5010150"/>
+          </a:xfrm>
+          <a:prstGeom prst="rect">
+            <a:avLst/>
+          </a:prstGeom>
+          <a:noFill/>
+          <a:ln w="9525">
+            <a:noFill/>
+            <a:miter lim="800000"/>
+            <a:headEnd/>
+            <a:tailEnd/>
+          </a:ln>
+          <a:effectLst/>
+        </p:spPr>
+      </p:pic>
+    </p:spTree>
+  </p:cSld>
+  <p:clrMapOvr>
+    <a:masterClrMapping/>
+  </p:clrMapOvr>
+</p:sld>
+</file>
+
+<file path=ppt/slides/slide7.xml><?xml version="1.0" encoding="utf-8"?>
+<p:sld xmlns:a="http://schemas.openxmlformats.org/drawingml/2006/main" xmlns:r="http://schemas.openxmlformats.org/officeDocument/2006/relationships" xmlns:p="http://schemas.openxmlformats.org/presentationml/2006/main">
+  <p:cSld>
+    <p:spTree>
+      <p:nvGrpSpPr>
+        <p:cNvPr id="1" name=""/>
+        <p:cNvGrpSpPr/>
+        <p:nvPr/>
+      </p:nvGrpSpPr>
+      <p:grpSpPr>
+        <a:xfrm>
+          <a:off x="0" y="0"/>
+          <a:ext cx="0" cy="0"/>
+          <a:chOff x="0" y="0"/>
+          <a:chExt cx="0" cy="0"/>
+        </a:xfrm>
+      </p:grpSpPr>
+      <p:sp>
+        <p:nvSpPr>
+          <p:cNvPr id="14" name="Rectangle 13"/>
+          <p:cNvSpPr/>
+          <p:nvPr/>
+        </p:nvSpPr>
+        <p:spPr>
+          <a:xfrm>
+            <a:off x="462834" y="661929"/>
+            <a:ext cx="10811891" cy="6740307"/>
+          </a:xfrm>
+          <a:prstGeom prst="rect">
+            <a:avLst/>
+          </a:prstGeom>
+        </p:spPr>
+        <p:txBody>
+          <a:bodyPr wrap="square">
+            <a:spAutoFit/>
+          </a:bodyPr>
+          <a:lstStyle/>
+          <a:p>
+            <a:pPr marL="285750" indent="-285750">
+              <a:lnSpc>
+                <a:spcPct val="150000"/>
+              </a:lnSpc>
+            </a:pPr>
+            <a:r>
+              <a:rPr lang="en-US" b="1" u="sng" dirty="0" smtClean="0"/>
+              <a:t>Colors </a:t>
+            </a:r>
+            <a:r>
+              <a:rPr lang="en-US" dirty="0" smtClean="0"/>
+              <a:t>- Colors are specified using predefined color names, or RGB, HEX, HSL, RGBA, HSLA values.</a:t>
+            </a:r>
+            <a:endParaRPr lang="en-US" b="1" dirty="0" smtClean="0"/>
+          </a:p>
+          <a:p>
+            <a:pPr marL="285750" indent="-285750">
+              <a:lnSpc>
+                <a:spcPct val="150000"/>
+              </a:lnSpc>
+              <a:buFont typeface="Arial" pitchFamily="34" charset="0"/>
+              <a:buChar char="•"/>
+            </a:pPr>
+            <a:r>
+              <a:rPr lang="en-US" dirty="0" smtClean="0"/>
+              <a:t>Text Color</a:t>
+            </a:r>
+          </a:p>
+          <a:p>
+            <a:pPr marL="285750" indent="-285750">
+              <a:lnSpc>
+                <a:spcPct val="150000"/>
+              </a:lnSpc>
+              <a:buFont typeface="Arial" pitchFamily="34" charset="0"/>
+              <a:buChar char="•"/>
+            </a:pPr>
+            <a:endParaRPr lang="en-IN" dirty="0" smtClean="0"/>
+          </a:p>
+          <a:p>
+            <a:pPr marL="285750" indent="-285750">
+              <a:lnSpc>
+                <a:spcPct val="150000"/>
+              </a:lnSpc>
+              <a:buFont typeface="Arial" pitchFamily="34" charset="0"/>
+              <a:buChar char="•"/>
+            </a:pPr>
+            <a:endParaRPr lang="en-IN" dirty="0" smtClean="0"/>
+          </a:p>
+          <a:p>
+            <a:pPr marL="285750" indent="-285750">
+              <a:lnSpc>
+                <a:spcPct val="150000"/>
+              </a:lnSpc>
+              <a:buFont typeface="Arial" pitchFamily="34" charset="0"/>
+              <a:buChar char="•"/>
+            </a:pPr>
+            <a:r>
+              <a:rPr lang="en-US" dirty="0" smtClean="0"/>
+              <a:t>Border Color</a:t>
+            </a:r>
+          </a:p>
+          <a:p>
+            <a:pPr marL="285750" indent="-285750">
+              <a:lnSpc>
+                <a:spcPct val="150000"/>
+              </a:lnSpc>
+              <a:buFont typeface="Arial" pitchFamily="34" charset="0"/>
+              <a:buChar char="•"/>
+            </a:pPr>
+            <a:endParaRPr lang="en-IN" dirty="0" smtClean="0"/>
+          </a:p>
+          <a:p>
+            <a:pPr marL="285750" indent="-285750">
+              <a:lnSpc>
+                <a:spcPct val="150000"/>
+              </a:lnSpc>
+              <a:buFont typeface="Arial" pitchFamily="34" charset="0"/>
+              <a:buChar char="•"/>
+            </a:pPr>
+            <a:endParaRPr lang="en-IN" dirty="0" smtClean="0"/>
+          </a:p>
+          <a:p>
+            <a:pPr marL="285750" indent="-285750">
+              <a:lnSpc>
+                <a:spcPct val="150000"/>
+              </a:lnSpc>
+              <a:buFont typeface="Arial" pitchFamily="34" charset="0"/>
+              <a:buChar char="•"/>
+            </a:pPr>
+            <a:r>
+              <a:rPr lang="en-US" dirty="0" smtClean="0"/>
+              <a:t>Background Color</a:t>
+            </a:r>
+          </a:p>
+          <a:p>
+            <a:pPr marL="285750" indent="-285750">
+              <a:lnSpc>
+                <a:spcPct val="150000"/>
+              </a:lnSpc>
+              <a:buFont typeface="Arial" pitchFamily="34" charset="0"/>
+              <a:buChar char="•"/>
+            </a:pPr>
+            <a:endParaRPr lang="en-IN" dirty="0" smtClean="0"/>
+          </a:p>
+          <a:p>
+            <a:pPr marL="285750" indent="-285750">
+              <a:lnSpc>
+                <a:spcPct val="150000"/>
+              </a:lnSpc>
+              <a:buFont typeface="Arial" pitchFamily="34" charset="0"/>
+              <a:buChar char="•"/>
+            </a:pPr>
+            <a:endParaRPr lang="en-IN" dirty="0" smtClean="0"/>
+          </a:p>
+          <a:p>
+            <a:pPr marL="285750" indent="-285750">
+              <a:lnSpc>
+                <a:spcPct val="150000"/>
+              </a:lnSpc>
+              <a:buFont typeface="Arial" pitchFamily="34" charset="0"/>
+              <a:buChar char="•"/>
+            </a:pPr>
+            <a:r>
+              <a:rPr lang="en-US" dirty="0" smtClean="0"/>
+              <a:t>Color Values - </a:t>
+            </a:r>
+            <a:r>
+              <a:rPr lang="en-US" sz="1600" dirty="0" smtClean="0"/>
+              <a:t>In CSS, colors can also be specified using RGB values, HEX values, HSL values:</a:t>
+            </a:r>
+            <a:endParaRPr lang="en-US" dirty="0" smtClean="0"/>
+          </a:p>
+          <a:p>
+            <a:pPr marL="285750" indent="-285750">
+              <a:lnSpc>
+                <a:spcPct val="150000"/>
+              </a:lnSpc>
+              <a:buFont typeface="Arial" pitchFamily="34" charset="0"/>
+              <a:buChar char="•"/>
+            </a:pPr>
+            <a:endParaRPr lang="en-US" dirty="0" smtClean="0"/>
+          </a:p>
+          <a:p>
+            <a:pPr marL="285750" indent="-285750">
+              <a:lnSpc>
+                <a:spcPct val="150000"/>
+              </a:lnSpc>
+              <a:buFont typeface="Arial" pitchFamily="34" charset="0"/>
+              <a:buChar char="•"/>
+            </a:pPr>
+            <a:endParaRPr lang="en-US" dirty="0" smtClean="0"/>
+          </a:p>
+          <a:p>
+            <a:pPr marL="285750" indent="-285750">
+              <a:lnSpc>
+                <a:spcPct val="150000"/>
+              </a:lnSpc>
+              <a:buFont typeface="Arial" pitchFamily="34" charset="0"/>
+              <a:buChar char="•"/>
+            </a:pPr>
+            <a:endParaRPr lang="en-US" dirty="0" smtClean="0"/>
+          </a:p>
+          <a:p>
+            <a:pPr marL="285750" indent="-285750">
+              <a:lnSpc>
+                <a:spcPct val="150000"/>
+              </a:lnSpc>
+            </a:pPr>
+            <a:endParaRPr lang="en-US" dirty="0" smtClean="0"/>
+          </a:p>
+          <a:p>
+            <a:pPr marL="285750" indent="-285750">
+              <a:lnSpc>
+                <a:spcPct val="150000"/>
+              </a:lnSpc>
+            </a:pPr>
+            <a:endParaRPr lang="en-US" dirty="0" smtClean="0"/>
+          </a:p>
+        </p:txBody>
+      </p:sp>
+      <p:sp>
+        <p:nvSpPr>
           <p:cNvPr id="4" name="Content Placeholder 13"/>
           <p:cNvSpPr txBox="1">
             <a:spLocks/>
@@ -8654,184 +11894,17 @@
                   <a:srgbClr val="0064B5"/>
                 </a:solidFill>
               </a:rPr>
-              <a:t>Different Ways of Adding CSS</a:t>
-            </a:r>
-          </a:p>
-        </p:txBody>
-      </p:sp>
-      <p:sp>
-        <p:nvSpPr>
-          <p:cNvPr id="10" name="Rectangle 9"/>
-          <p:cNvSpPr/>
-          <p:nvPr/>
-        </p:nvSpPr>
-        <p:spPr>
-          <a:xfrm>
-            <a:off x="316947" y="837564"/>
-            <a:ext cx="4614405" cy="784830"/>
-          </a:xfrm>
-          <a:prstGeom prst="rect">
-            <a:avLst/>
-          </a:prstGeom>
-        </p:spPr>
-        <p:txBody>
-          <a:bodyPr wrap="none">
-            <a:spAutoFit/>
-          </a:bodyPr>
-          <a:lstStyle/>
-          <a:p>
-            <a:pPr marL="285750" indent="-285750">
-              <a:lnSpc>
-                <a:spcPct val="150000"/>
-              </a:lnSpc>
-            </a:pPr>
-            <a:r>
-              <a:rPr lang="en-US" dirty="0" smtClean="0"/>
-              <a:t>There are three ways of inserting a style sheet: </a:t>
-            </a:r>
-          </a:p>
-          <a:p>
-            <a:endParaRPr lang="en-US" dirty="0"/>
-          </a:p>
-        </p:txBody>
-      </p:sp>
-      <p:sp>
-        <p:nvSpPr>
-          <p:cNvPr id="8" name="Rectangle 7"/>
-          <p:cNvSpPr/>
-          <p:nvPr/>
-        </p:nvSpPr>
-        <p:spPr>
-          <a:xfrm>
-            <a:off x="333251" y="1303153"/>
-            <a:ext cx="9362840" cy="1754326"/>
-          </a:xfrm>
-          <a:prstGeom prst="rect">
-            <a:avLst/>
-          </a:prstGeom>
-        </p:spPr>
-        <p:txBody>
-          <a:bodyPr wrap="square">
-            <a:spAutoFit/>
-          </a:bodyPr>
-          <a:lstStyle/>
-          <a:p>
-            <a:pPr marL="285750" indent="-285750">
-              <a:lnSpc>
-                <a:spcPct val="150000"/>
-              </a:lnSpc>
-              <a:buFont typeface="Wingdings" pitchFamily="2" charset="2"/>
-              <a:buChar char="Ø"/>
-            </a:pPr>
-            <a:r>
-              <a:rPr lang="en-US" dirty="0" smtClean="0"/>
-              <a:t>External CSS (in the head section)</a:t>
-            </a:r>
-          </a:p>
-          <a:p>
-            <a:pPr marL="285750" indent="-285750">
-              <a:lnSpc>
-                <a:spcPct val="150000"/>
-              </a:lnSpc>
-              <a:buFont typeface="Wingdings" pitchFamily="2" charset="2"/>
-              <a:buChar char="Ø"/>
-            </a:pPr>
-            <a:r>
-              <a:rPr lang="en-US" dirty="0" smtClean="0"/>
-              <a:t>Internal CSS (in the head section)</a:t>
-            </a:r>
-          </a:p>
-          <a:p>
-            <a:pPr marL="285750" indent="-285750">
-              <a:lnSpc>
-                <a:spcPct val="150000"/>
-              </a:lnSpc>
-              <a:buFont typeface="Wingdings" pitchFamily="2" charset="2"/>
-              <a:buChar char="Ø"/>
-            </a:pPr>
-            <a:r>
-              <a:rPr lang="en-US" dirty="0" smtClean="0"/>
-              <a:t>Inline CSS (inside an HTML element)</a:t>
-            </a:r>
-          </a:p>
-          <a:p>
-            <a:pPr marL="285750" indent="-285750">
-              <a:lnSpc>
-                <a:spcPct val="150000"/>
-              </a:lnSpc>
-            </a:pPr>
-            <a:endParaRPr lang="en-US" b="1" u="sng" dirty="0"/>
-          </a:p>
-        </p:txBody>
-      </p:sp>
-      <p:sp>
-        <p:nvSpPr>
-          <p:cNvPr id="11" name="Rectangle 10"/>
-          <p:cNvSpPr/>
-          <p:nvPr/>
-        </p:nvSpPr>
-        <p:spPr>
-          <a:xfrm>
-            <a:off x="362193" y="2709264"/>
-            <a:ext cx="1480277" cy="464871"/>
-          </a:xfrm>
-          <a:prstGeom prst="rect">
-            <a:avLst/>
-          </a:prstGeom>
-        </p:spPr>
-        <p:txBody>
-          <a:bodyPr wrap="none">
-            <a:spAutoFit/>
-          </a:bodyPr>
-          <a:lstStyle/>
-          <a:p>
-            <a:pPr marL="285750" indent="-285750">
-              <a:lnSpc>
-                <a:spcPct val="150000"/>
-              </a:lnSpc>
-            </a:pPr>
-            <a:r>
-              <a:rPr lang="en-US" b="1" u="sng" dirty="0" smtClean="0"/>
-              <a:t>External CSS :</a:t>
-            </a:r>
-          </a:p>
-        </p:txBody>
-      </p:sp>
-      <p:sp>
-        <p:nvSpPr>
-          <p:cNvPr id="12" name="Rectangle 11"/>
-          <p:cNvSpPr/>
-          <p:nvPr/>
-        </p:nvSpPr>
-        <p:spPr>
-          <a:xfrm>
-            <a:off x="408316" y="3217986"/>
-            <a:ext cx="9693216" cy="369332"/>
-          </a:xfrm>
-          <a:prstGeom prst="rect">
-            <a:avLst/>
-          </a:prstGeom>
-        </p:spPr>
-        <p:txBody>
-          <a:bodyPr wrap="square">
-            <a:spAutoFit/>
-          </a:bodyPr>
-          <a:lstStyle/>
-          <a:p>
-            <a:r>
-              <a:rPr lang="en-US" dirty="0" smtClean="0"/>
-              <a:t>With an external style sheet, you can change the look of an entire website by changing just one file</a:t>
-            </a:r>
-            <a:endParaRPr lang="en-US" dirty="0"/>
-          </a:p>
-        </p:txBody>
-      </p:sp>
-      <p:sp>
-        <p:nvSpPr>
-          <p:cNvPr id="13" name="Rectangle 12">
+              <a:t>CSS Properties</a:t>
+            </a:r>
+          </a:p>
+        </p:txBody>
+      </p:sp>
+      <p:sp>
+        <p:nvSpPr>
+          <p:cNvPr id="15" name="Rectangle 14">
             <a:extLst>
               <a:ext uri="{FF2B5EF4-FFF2-40B4-BE49-F238E27FC236}">
-                <a16:creationId xmlns="" xmlns:a16="http://schemas.microsoft.com/office/drawing/2014/main" id="{206016ED-72BE-418C-807D-52DC06FF490C}"/>
+                <a16:creationId xmlns:a16="http://schemas.microsoft.com/office/drawing/2014/main" xmlns="" id="{206016ED-72BE-418C-807D-52DC06FF490C}"/>
               </a:ext>
             </a:extLst>
           </p:cNvPr>
@@ -8840,8 +11913,8 @@
         </p:nvSpPr>
         <p:spPr>
           <a:xfrm>
-            <a:off x="517691" y="3674853"/>
-            <a:ext cx="7901689" cy="2458528"/>
+            <a:off x="1173296" y="1578638"/>
+            <a:ext cx="4942832" cy="439944"/>
           </a:xfrm>
           <a:prstGeom prst="rect">
             <a:avLst/>
@@ -8903,463 +11976,41 @@
             <a:r>
               <a:rPr lang="en-US" sz="1600" dirty="0" smtClean="0">
                 <a:solidFill>
-                  <a:schemeClr val="dk1"/>
-                </a:solidFill>
-              </a:rPr>
-              <a:t>&lt;!DOCTYPE html&gt;</a:t>
-            </a:r>
-            <a:br>
+                  <a:schemeClr val="tx1"/>
+                </a:solidFill>
+              </a:rPr>
+              <a:t>&lt;h1 style="</a:t>
+            </a:r>
+            <a:r>
+              <a:rPr lang="en-US" sz="1600" dirty="0" err="1" smtClean="0">
+                <a:solidFill>
+                  <a:schemeClr val="tx1"/>
+                </a:solidFill>
+              </a:rPr>
+              <a:t>color:blue</a:t>
+            </a:r>
+            <a:r>
               <a:rPr lang="en-US" sz="1600" dirty="0" smtClean="0">
                 <a:solidFill>
-                  <a:schemeClr val="dk1"/>
-                </a:solidFill>
-              </a:rPr>
-            </a:br>
-            <a:r>
-              <a:rPr lang="en-US" sz="1600" dirty="0" smtClean="0">
-                <a:solidFill>
-                  <a:schemeClr val="dk1"/>
-                </a:solidFill>
-              </a:rPr>
-              <a:t>&lt;html&gt;</a:t>
-            </a:r>
-            <a:br>
-              <a:rPr lang="en-US" sz="1600" dirty="0" smtClean="0">
-                <a:solidFill>
-                  <a:schemeClr val="dk1"/>
-                </a:solidFill>
-              </a:rPr>
-            </a:br>
-            <a:r>
-              <a:rPr lang="en-US" sz="1600" dirty="0" smtClean="0">
-                <a:solidFill>
-                  <a:schemeClr val="dk1"/>
-                </a:solidFill>
-              </a:rPr>
-              <a:t>&lt;head&gt;</a:t>
-            </a:r>
-            <a:br>
-              <a:rPr lang="en-US" sz="1600" dirty="0" smtClean="0">
-                <a:solidFill>
-                  <a:schemeClr val="dk1"/>
-                </a:solidFill>
-              </a:rPr>
-            </a:br>
-            <a:r>
-              <a:rPr lang="en-US" sz="1600" dirty="0" smtClean="0">
-                <a:solidFill>
-                  <a:schemeClr val="dk1"/>
-                </a:solidFill>
-              </a:rPr>
-              <a:t>&lt;link </a:t>
-            </a:r>
-            <a:r>
-              <a:rPr lang="en-US" sz="1600" dirty="0" err="1" smtClean="0">
-                <a:solidFill>
-                  <a:schemeClr val="dk1"/>
-                </a:solidFill>
-              </a:rPr>
-              <a:t>rel</a:t>
-            </a:r>
-            <a:r>
-              <a:rPr lang="en-US" sz="1600" dirty="0" smtClean="0">
-                <a:solidFill>
-                  <a:schemeClr val="dk1"/>
-                </a:solidFill>
-              </a:rPr>
-              <a:t>="</a:t>
-            </a:r>
-            <a:r>
-              <a:rPr lang="en-US" sz="1600" dirty="0" err="1" smtClean="0">
-                <a:solidFill>
-                  <a:schemeClr val="dk1"/>
-                </a:solidFill>
-              </a:rPr>
-              <a:t>stylesheet</a:t>
-            </a:r>
-            <a:r>
-              <a:rPr lang="en-US" sz="1600" dirty="0" smtClean="0">
-                <a:solidFill>
-                  <a:schemeClr val="dk1"/>
-                </a:solidFill>
-              </a:rPr>
-              <a:t>" </a:t>
-            </a:r>
-            <a:r>
-              <a:rPr lang="en-US" sz="1600" dirty="0" err="1" smtClean="0">
-                <a:solidFill>
-                  <a:schemeClr val="dk1"/>
-                </a:solidFill>
-              </a:rPr>
-              <a:t>href</a:t>
-            </a:r>
-            <a:r>
-              <a:rPr lang="en-US" sz="1600" dirty="0" smtClean="0">
-                <a:solidFill>
-                  <a:schemeClr val="dk1"/>
-                </a:solidFill>
-              </a:rPr>
-              <a:t>="mystyle.css"&gt;</a:t>
-            </a:r>
-            <a:br>
-              <a:rPr lang="en-US" sz="1600" dirty="0" smtClean="0">
-                <a:solidFill>
-                  <a:schemeClr val="dk1"/>
-                </a:solidFill>
-              </a:rPr>
-            </a:br>
-            <a:r>
-              <a:rPr lang="en-US" sz="1600" dirty="0" smtClean="0">
-                <a:solidFill>
-                  <a:schemeClr val="dk1"/>
-                </a:solidFill>
-              </a:rPr>
-              <a:t>&lt;/head&gt;</a:t>
-            </a:r>
-            <a:br>
-              <a:rPr lang="en-US" sz="1600" dirty="0" smtClean="0">
-                <a:solidFill>
-                  <a:schemeClr val="dk1"/>
-                </a:solidFill>
-              </a:rPr>
-            </a:br>
-            <a:r>
-              <a:rPr lang="en-US" sz="1600" dirty="0" smtClean="0">
-                <a:solidFill>
-                  <a:schemeClr val="dk1"/>
-                </a:solidFill>
-              </a:rPr>
-              <a:t>&lt;body&gt;</a:t>
-            </a:r>
-            <a:br>
-              <a:rPr lang="en-US" sz="1600" dirty="0" smtClean="0">
-                <a:solidFill>
-                  <a:schemeClr val="dk1"/>
-                </a:solidFill>
-              </a:rPr>
-            </a:br>
-            <a:r>
-              <a:rPr lang="en-US" sz="1600" dirty="0" smtClean="0">
-                <a:solidFill>
-                  <a:schemeClr val="dk1"/>
-                </a:solidFill>
-              </a:rPr>
-              <a:t/>
-            </a:r>
-            <a:br>
-              <a:rPr lang="en-US" sz="1600" dirty="0" smtClean="0">
-                <a:solidFill>
-                  <a:schemeClr val="dk1"/>
-                </a:solidFill>
-              </a:rPr>
-            </a:br>
-            <a:r>
-              <a:rPr lang="en-US" sz="1600" dirty="0" smtClean="0">
-                <a:solidFill>
-                  <a:schemeClr val="dk1"/>
-                </a:solidFill>
-              </a:rPr>
-              <a:t>&lt;/body&gt;</a:t>
-            </a:r>
-            <a:br>
-              <a:rPr lang="en-US" sz="1600" dirty="0" smtClean="0">
-                <a:solidFill>
-                  <a:schemeClr val="dk1"/>
-                </a:solidFill>
-              </a:rPr>
-            </a:br>
-            <a:r>
-              <a:rPr lang="en-US" sz="1600" dirty="0" smtClean="0">
-                <a:solidFill>
-                  <a:schemeClr val="dk1"/>
-                </a:solidFill>
-              </a:rPr>
-              <a:t>&lt;/html&gt;</a:t>
+                  <a:schemeClr val="tx1"/>
+                </a:solidFill>
+              </a:rPr>
+              <a:t>;"&gt;Hello World&lt;/h1&gt;</a:t>
             </a:r>
             <a:endParaRPr lang="en-US" sz="1600" dirty="0">
               <a:solidFill>
-                <a:schemeClr val="dk1"/>
+                <a:schemeClr val="tx1"/>
               </a:solidFill>
             </a:endParaRPr>
           </a:p>
         </p:txBody>
       </p:sp>
-    </p:spTree>
-    <p:extLst>
-      <p:ext uri="{BB962C8B-B14F-4D97-AF65-F5344CB8AC3E}">
-        <p14:creationId xmlns="" xmlns:p14="http://schemas.microsoft.com/office/powerpoint/2010/main" val="2848728424"/>
-      </p:ext>
-    </p:extLst>
-  </p:cSld>
-  <p:clrMapOvr>
-    <a:masterClrMapping/>
-  </p:clrMapOvr>
-  <p:timing>
-    <p:tnLst>
-      <p:par>
-        <p:cTn id="1" dur="indefinite" restart="never" nodeType="tmRoot"/>
-      </p:par>
-    </p:tnLst>
-  </p:timing>
-</p:sld>
-</file>
-
-<file path=ppt/slides/slide6.xml><?xml version="1.0" encoding="utf-8"?>
-<p:sld xmlns:a="http://schemas.openxmlformats.org/drawingml/2006/main" xmlns:r="http://schemas.openxmlformats.org/officeDocument/2006/relationships" xmlns:p="http://schemas.openxmlformats.org/presentationml/2006/main">
-  <p:cSld>
-    <p:spTree>
-      <p:nvGrpSpPr>
-        <p:cNvPr id="1" name=""/>
-        <p:cNvGrpSpPr/>
-        <p:nvPr/>
-      </p:nvGrpSpPr>
-      <p:grpSpPr>
-        <a:xfrm>
-          <a:off x="0" y="0"/>
-          <a:ext cx="0" cy="0"/>
-          <a:chOff x="0" y="0"/>
-          <a:chExt cx="0" cy="0"/>
-        </a:xfrm>
-      </p:grpSpPr>
-      <p:sp>
-        <p:nvSpPr>
-          <p:cNvPr id="4" name="Content Placeholder 13"/>
-          <p:cNvSpPr txBox="1">
-            <a:spLocks/>
-          </p:cNvSpPr>
-          <p:nvPr/>
-        </p:nvSpPr>
-        <p:spPr>
-          <a:xfrm>
-            <a:off x="321126" y="135993"/>
-            <a:ext cx="9791700" cy="630192"/>
-          </a:xfrm>
-          <a:prstGeom prst="rect">
-            <a:avLst/>
-          </a:prstGeom>
-        </p:spPr>
-        <p:txBody>
-          <a:bodyPr vert="horz" lIns="91440" tIns="45720" rIns="91440" bIns="45720" rtlCol="0">
-            <a:noAutofit/>
-          </a:bodyPr>
-          <a:lstStyle>
-            <a:lvl1pPr marL="0" indent="0" algn="ctr" defTabSz="914400" rtl="0" eaLnBrk="1" latinLnBrk="0" hangingPunct="1">
-              <a:lnSpc>
-                <a:spcPct val="90000"/>
-              </a:lnSpc>
-              <a:spcBef>
-                <a:spcPts val="1000"/>
-              </a:spcBef>
-              <a:buFont typeface="Arial" panose="020B0604020202020204" pitchFamily="34" charset="0"/>
-              <a:buNone/>
-              <a:defRPr kumimoji="1" sz="2400" kern="1200">
-                <a:solidFill>
-                  <a:schemeClr val="tx1"/>
-                </a:solidFill>
-                <a:latin typeface="+mn-lt"/>
-                <a:ea typeface="+mn-ea"/>
-                <a:cs typeface="+mn-cs"/>
-              </a:defRPr>
-            </a:lvl1pPr>
-            <a:lvl2pPr marL="457200" indent="0" algn="ctr" defTabSz="914400" rtl="0" eaLnBrk="1" latinLnBrk="0" hangingPunct="1">
-              <a:lnSpc>
-                <a:spcPct val="90000"/>
-              </a:lnSpc>
-              <a:spcBef>
-                <a:spcPts val="500"/>
-              </a:spcBef>
-              <a:buFont typeface="Arial" panose="020B0604020202020204" pitchFamily="34" charset="0"/>
-              <a:buNone/>
-              <a:defRPr kumimoji="1" sz="2000" kern="1200">
-                <a:solidFill>
-                  <a:schemeClr val="tx1"/>
-                </a:solidFill>
-                <a:latin typeface="+mn-lt"/>
-                <a:ea typeface="+mn-ea"/>
-                <a:cs typeface="+mn-cs"/>
-              </a:defRPr>
-            </a:lvl2pPr>
-            <a:lvl3pPr marL="914400" indent="0" algn="ctr" defTabSz="914400" rtl="0" eaLnBrk="1" latinLnBrk="0" hangingPunct="1">
-              <a:lnSpc>
-                <a:spcPct val="90000"/>
-              </a:lnSpc>
-              <a:spcBef>
-                <a:spcPts val="500"/>
-              </a:spcBef>
-              <a:buFont typeface="Arial" panose="020B0604020202020204" pitchFamily="34" charset="0"/>
-              <a:buNone/>
-              <a:defRPr kumimoji="1" sz="1800" kern="1200">
-                <a:solidFill>
-                  <a:schemeClr val="tx1"/>
-                </a:solidFill>
-                <a:latin typeface="+mn-lt"/>
-                <a:ea typeface="+mn-ea"/>
-                <a:cs typeface="+mn-cs"/>
-              </a:defRPr>
-            </a:lvl3pPr>
-            <a:lvl4pPr marL="1371600" indent="0" algn="ctr" defTabSz="914400" rtl="0" eaLnBrk="1" latinLnBrk="0" hangingPunct="1">
-              <a:lnSpc>
-                <a:spcPct val="90000"/>
-              </a:lnSpc>
-              <a:spcBef>
-                <a:spcPts val="500"/>
-              </a:spcBef>
-              <a:buFont typeface="Arial" panose="020B0604020202020204" pitchFamily="34" charset="0"/>
-              <a:buNone/>
-              <a:defRPr kumimoji="1" sz="1600" kern="1200">
-                <a:solidFill>
-                  <a:schemeClr val="tx1"/>
-                </a:solidFill>
-                <a:latin typeface="+mn-lt"/>
-                <a:ea typeface="+mn-ea"/>
-                <a:cs typeface="+mn-cs"/>
-              </a:defRPr>
-            </a:lvl4pPr>
-            <a:lvl5pPr marL="1828800" indent="0" algn="ctr" defTabSz="914400" rtl="0" eaLnBrk="1" latinLnBrk="0" hangingPunct="1">
-              <a:lnSpc>
-                <a:spcPct val="90000"/>
-              </a:lnSpc>
-              <a:spcBef>
-                <a:spcPts val="500"/>
-              </a:spcBef>
-              <a:buFont typeface="Arial" panose="020B0604020202020204" pitchFamily="34" charset="0"/>
-              <a:buNone/>
-              <a:defRPr kumimoji="1" sz="1600" kern="1200">
-                <a:solidFill>
-                  <a:schemeClr val="tx1"/>
-                </a:solidFill>
-                <a:latin typeface="+mn-lt"/>
-                <a:ea typeface="+mn-ea"/>
-                <a:cs typeface="+mn-cs"/>
-              </a:defRPr>
-            </a:lvl5pPr>
-            <a:lvl6pPr marL="2286000" indent="0" algn="ctr" defTabSz="914400" rtl="0" eaLnBrk="1" latinLnBrk="0" hangingPunct="1">
-              <a:lnSpc>
-                <a:spcPct val="90000"/>
-              </a:lnSpc>
-              <a:spcBef>
-                <a:spcPts val="500"/>
-              </a:spcBef>
-              <a:buFont typeface="Arial" panose="020B0604020202020204" pitchFamily="34" charset="0"/>
-              <a:buNone/>
-              <a:defRPr kumimoji="1" sz="1600" kern="1200">
-                <a:solidFill>
-                  <a:schemeClr val="tx1"/>
-                </a:solidFill>
-                <a:latin typeface="+mn-lt"/>
-                <a:ea typeface="+mn-ea"/>
-                <a:cs typeface="+mn-cs"/>
-              </a:defRPr>
-            </a:lvl6pPr>
-            <a:lvl7pPr marL="2743200" indent="0" algn="ctr" defTabSz="914400" rtl="0" eaLnBrk="1" latinLnBrk="0" hangingPunct="1">
-              <a:lnSpc>
-                <a:spcPct val="90000"/>
-              </a:lnSpc>
-              <a:spcBef>
-                <a:spcPts val="500"/>
-              </a:spcBef>
-              <a:buFont typeface="Arial" panose="020B0604020202020204" pitchFamily="34" charset="0"/>
-              <a:buNone/>
-              <a:defRPr kumimoji="1" sz="1600" kern="1200">
-                <a:solidFill>
-                  <a:schemeClr val="tx1"/>
-                </a:solidFill>
-                <a:latin typeface="+mn-lt"/>
-                <a:ea typeface="+mn-ea"/>
-                <a:cs typeface="+mn-cs"/>
-              </a:defRPr>
-            </a:lvl7pPr>
-            <a:lvl8pPr marL="3200400" indent="0" algn="ctr" defTabSz="914400" rtl="0" eaLnBrk="1" latinLnBrk="0" hangingPunct="1">
-              <a:lnSpc>
-                <a:spcPct val="90000"/>
-              </a:lnSpc>
-              <a:spcBef>
-                <a:spcPts val="500"/>
-              </a:spcBef>
-              <a:buFont typeface="Arial" panose="020B0604020202020204" pitchFamily="34" charset="0"/>
-              <a:buNone/>
-              <a:defRPr kumimoji="1" sz="1600" kern="1200">
-                <a:solidFill>
-                  <a:schemeClr val="tx1"/>
-                </a:solidFill>
-                <a:latin typeface="+mn-lt"/>
-                <a:ea typeface="+mn-ea"/>
-                <a:cs typeface="+mn-cs"/>
-              </a:defRPr>
-            </a:lvl8pPr>
-            <a:lvl9pPr marL="3657600" indent="0" algn="ctr" defTabSz="914400" rtl="0" eaLnBrk="1" latinLnBrk="0" hangingPunct="1">
-              <a:lnSpc>
-                <a:spcPct val="90000"/>
-              </a:lnSpc>
-              <a:spcBef>
-                <a:spcPts val="500"/>
-              </a:spcBef>
-              <a:buFont typeface="Arial" panose="020B0604020202020204" pitchFamily="34" charset="0"/>
-              <a:buNone/>
-              <a:defRPr kumimoji="1" sz="1600" kern="1200">
-                <a:solidFill>
-                  <a:schemeClr val="tx1"/>
-                </a:solidFill>
-                <a:latin typeface="+mn-lt"/>
-                <a:ea typeface="+mn-ea"/>
-                <a:cs typeface="+mn-cs"/>
-              </a:defRPr>
-            </a:lvl9pPr>
-          </a:lstStyle>
-          <a:p>
-            <a:pPr algn="l"/>
-            <a:r>
-              <a:rPr lang="en-US" sz="3600" b="1" dirty="0" smtClean="0">
-                <a:solidFill>
-                  <a:srgbClr val="0064B5"/>
-                </a:solidFill>
-              </a:rPr>
-              <a:t>Different Ways of Adding CSS</a:t>
-            </a:r>
-          </a:p>
-        </p:txBody>
-      </p:sp>
-      <p:sp>
-        <p:nvSpPr>
-          <p:cNvPr id="12" name="Rectangle 11"/>
-          <p:cNvSpPr/>
-          <p:nvPr/>
-        </p:nvSpPr>
-        <p:spPr>
-          <a:xfrm>
-            <a:off x="503207" y="1156273"/>
-            <a:ext cx="9693216" cy="584775"/>
-          </a:xfrm>
-          <a:prstGeom prst="rect">
-            <a:avLst/>
-          </a:prstGeom>
-        </p:spPr>
-        <p:txBody>
-          <a:bodyPr wrap="square">
-            <a:spAutoFit/>
-          </a:bodyPr>
-          <a:lstStyle/>
-          <a:p>
-            <a:r>
-              <a:rPr lang="en-US" sz="1600" dirty="0" smtClean="0"/>
-              <a:t>An internal style sheet may be used if one single HTML page has a unique style.</a:t>
-            </a:r>
-          </a:p>
-          <a:p>
-            <a:r>
-              <a:rPr lang="en-US" sz="1600" dirty="0" smtClean="0"/>
-              <a:t>The internal style is defined inside the &lt;style&gt; element, inside the head section.</a:t>
-            </a:r>
-            <a:endParaRPr lang="en-US" sz="1600" dirty="0"/>
-          </a:p>
-        </p:txBody>
-      </p:sp>
-      <p:sp>
-        <p:nvSpPr>
-          <p:cNvPr id="13" name="Rectangle 12">
+      <p:sp>
+        <p:nvSpPr>
+          <p:cNvPr id="16" name="Rectangle 15">
             <a:extLst>
               <a:ext uri="{FF2B5EF4-FFF2-40B4-BE49-F238E27FC236}">
-                <a16:creationId xmlns="" xmlns:a16="http://schemas.microsoft.com/office/drawing/2014/main" id="{206016ED-72BE-418C-807D-52DC06FF490C}"/>
+                <a16:creationId xmlns:a16="http://schemas.microsoft.com/office/drawing/2014/main" xmlns="" id="{206016ED-72BE-418C-807D-52DC06FF490C}"/>
               </a:ext>
             </a:extLst>
           </p:cNvPr>
@@ -9368,8 +12019,8 @@
         </p:nvSpPr>
         <p:spPr>
           <a:xfrm>
-            <a:off x="569450" y="1751161"/>
-            <a:ext cx="10101426" cy="4554747"/>
+            <a:off x="1121537" y="4068791"/>
+            <a:ext cx="5046350" cy="468703"/>
           </a:xfrm>
           <a:prstGeom prst="rect">
             <a:avLst/>
@@ -9429,256 +12080,32 @@
           <a:lstStyle/>
           <a:p>
             <a:r>
-              <a:rPr lang="en-US" sz="1600" dirty="0" smtClean="0">
-                <a:solidFill>
-                  <a:schemeClr val="dk1"/>
-                </a:solidFill>
-              </a:rPr>
-              <a:t>&lt;html&gt;</a:t>
-            </a:r>
-            <a:br>
-              <a:rPr lang="en-US" sz="1600" dirty="0" smtClean="0">
-                <a:solidFill>
-                  <a:schemeClr val="dk1"/>
-                </a:solidFill>
-              </a:rPr>
-            </a:br>
-            <a:r>
-              <a:rPr lang="en-US" sz="1600" dirty="0" smtClean="0">
-                <a:solidFill>
-                  <a:schemeClr val="dk1"/>
-                </a:solidFill>
-              </a:rPr>
-              <a:t>&lt;head&gt;</a:t>
-            </a:r>
-            <a:br>
-              <a:rPr lang="en-US" sz="1600" dirty="0" smtClean="0">
-                <a:solidFill>
-                  <a:schemeClr val="dk1"/>
-                </a:solidFill>
-              </a:rPr>
-            </a:br>
-            <a:r>
-              <a:rPr lang="en-US" sz="1600" dirty="0" smtClean="0">
-                <a:solidFill>
-                  <a:schemeClr val="dk1"/>
-                </a:solidFill>
-              </a:rPr>
-              <a:t>&lt;style&gt;</a:t>
-            </a:r>
-            <a:br>
-              <a:rPr lang="en-US" sz="1600" dirty="0" smtClean="0">
-                <a:solidFill>
-                  <a:schemeClr val="dk1"/>
-                </a:solidFill>
-              </a:rPr>
-            </a:br>
-            <a:r>
-              <a:rPr lang="en-US" sz="1600" dirty="0" smtClean="0">
-                <a:solidFill>
-                  <a:schemeClr val="dk1"/>
-                </a:solidFill>
-              </a:rPr>
-              <a:t>body {</a:t>
-            </a:r>
-            <a:br>
-              <a:rPr lang="en-US" sz="1600" dirty="0" smtClean="0">
-                <a:solidFill>
-                  <a:schemeClr val="dk1"/>
-                </a:solidFill>
-              </a:rPr>
-            </a:br>
-            <a:r>
-              <a:rPr lang="en-US" sz="1600" dirty="0" smtClean="0">
-                <a:solidFill>
-                  <a:schemeClr val="dk1"/>
-                </a:solidFill>
-              </a:rPr>
-              <a:t>  background-color: linen;</a:t>
-            </a:r>
-            <a:br>
-              <a:rPr lang="en-US" sz="1600" dirty="0" smtClean="0">
-                <a:solidFill>
-                  <a:schemeClr val="dk1"/>
-                </a:solidFill>
-              </a:rPr>
-            </a:br>
-            <a:r>
-              <a:rPr lang="en-US" sz="1600" dirty="0" smtClean="0">
-                <a:solidFill>
-                  <a:schemeClr val="dk1"/>
-                </a:solidFill>
-              </a:rPr>
-              <a:t>}</a:t>
-            </a:r>
-            <a:br>
-              <a:rPr lang="en-US" sz="1600" dirty="0" smtClean="0">
-                <a:solidFill>
-                  <a:schemeClr val="dk1"/>
-                </a:solidFill>
-              </a:rPr>
-            </a:br>
-            <a:r>
-              <a:rPr lang="en-US" sz="1600" dirty="0" smtClean="0">
-                <a:solidFill>
-                  <a:schemeClr val="dk1"/>
-                </a:solidFill>
-              </a:rPr>
-              <a:t>h1 {</a:t>
-            </a:r>
-            <a:br>
-              <a:rPr lang="en-US" sz="1600" dirty="0" smtClean="0">
-                <a:solidFill>
-                  <a:schemeClr val="dk1"/>
-                </a:solidFill>
-              </a:rPr>
-            </a:br>
-            <a:r>
-              <a:rPr lang="en-US" sz="1600" dirty="0" smtClean="0">
-                <a:solidFill>
-                  <a:schemeClr val="dk1"/>
-                </a:solidFill>
-              </a:rPr>
-              <a:t>  color: maroon;</a:t>
-            </a:r>
-            <a:br>
-              <a:rPr lang="en-US" sz="1600" dirty="0" smtClean="0">
-                <a:solidFill>
-                  <a:schemeClr val="dk1"/>
-                </a:solidFill>
-              </a:rPr>
-            </a:br>
-            <a:r>
-              <a:rPr lang="en-US" sz="1600" dirty="0" smtClean="0">
-                <a:solidFill>
-                  <a:schemeClr val="dk1"/>
-                </a:solidFill>
-              </a:rPr>
-              <a:t>  margin-left: 40px;</a:t>
-            </a:r>
-            <a:br>
-              <a:rPr lang="en-US" sz="1600" dirty="0" smtClean="0">
-                <a:solidFill>
-                  <a:schemeClr val="dk1"/>
-                </a:solidFill>
-              </a:rPr>
-            </a:br>
-            <a:r>
-              <a:rPr lang="en-US" sz="1600" dirty="0" smtClean="0">
-                <a:solidFill>
-                  <a:schemeClr val="dk1"/>
-                </a:solidFill>
-              </a:rPr>
-              <a:t>}</a:t>
-            </a:r>
-            <a:br>
-              <a:rPr lang="en-US" sz="1600" dirty="0" smtClean="0">
-                <a:solidFill>
-                  <a:schemeClr val="dk1"/>
-                </a:solidFill>
-              </a:rPr>
-            </a:br>
-            <a:r>
-              <a:rPr lang="en-US" sz="1600" dirty="0" smtClean="0">
-                <a:solidFill>
-                  <a:schemeClr val="dk1"/>
-                </a:solidFill>
-              </a:rPr>
-              <a:t>&lt;/style&gt;</a:t>
-            </a:r>
-            <a:br>
-              <a:rPr lang="en-US" sz="1600" dirty="0" smtClean="0">
-                <a:solidFill>
-                  <a:schemeClr val="dk1"/>
-                </a:solidFill>
-              </a:rPr>
-            </a:br>
-            <a:r>
-              <a:rPr lang="en-US" sz="1600" dirty="0" smtClean="0">
-                <a:solidFill>
-                  <a:schemeClr val="dk1"/>
-                </a:solidFill>
-              </a:rPr>
-              <a:t>&lt;/head&gt;</a:t>
-            </a:r>
-            <a:br>
-              <a:rPr lang="en-US" sz="1600" dirty="0" smtClean="0">
-                <a:solidFill>
-                  <a:schemeClr val="dk1"/>
-                </a:solidFill>
-              </a:rPr>
-            </a:br>
-            <a:r>
-              <a:rPr lang="en-US" sz="1600" dirty="0" smtClean="0">
-                <a:solidFill>
-                  <a:schemeClr val="dk1"/>
-                </a:solidFill>
-              </a:rPr>
-              <a:t>&lt;body&gt;</a:t>
-            </a:r>
-            <a:br>
-              <a:rPr lang="en-US" sz="1600" dirty="0" smtClean="0">
-                <a:solidFill>
-                  <a:schemeClr val="dk1"/>
-                </a:solidFill>
-              </a:rPr>
-            </a:br>
-            <a:r>
-              <a:rPr lang="en-US" sz="1600" dirty="0" smtClean="0">
-                <a:solidFill>
-                  <a:schemeClr val="dk1"/>
-                </a:solidFill>
-              </a:rPr>
-              <a:t>&lt;h1&gt;This is a heading&lt;/h1&gt;</a:t>
-            </a:r>
-            <a:br>
-              <a:rPr lang="en-US" sz="1600" dirty="0" smtClean="0">
-                <a:solidFill>
-                  <a:schemeClr val="dk1"/>
-                </a:solidFill>
-              </a:rPr>
-            </a:br>
-            <a:r>
-              <a:rPr lang="en-US" sz="1600" dirty="0" smtClean="0">
-                <a:solidFill>
-                  <a:schemeClr val="dk1"/>
-                </a:solidFill>
-              </a:rPr>
-              <a:t>&lt;p&gt;This is a paragraph.&lt;/p&gt;</a:t>
-            </a:r>
-            <a:br>
-              <a:rPr lang="en-US" sz="1600" dirty="0" smtClean="0">
-                <a:solidFill>
-                  <a:schemeClr val="dk1"/>
-                </a:solidFill>
-              </a:rPr>
-            </a:br>
-            <a:r>
-              <a:rPr lang="en-US" sz="1600" dirty="0" smtClean="0">
-                <a:solidFill>
-                  <a:schemeClr val="dk1"/>
-                </a:solidFill>
-              </a:rPr>
-              <a:t>&lt;/body&gt;</a:t>
-            </a:r>
-            <a:r>
-              <a:rPr lang="en-US" sz="1600" dirty="0" smtClean="0"/>
-              <a:t/>
-            </a:r>
-            <a:br>
-              <a:rPr lang="en-US" sz="1600" dirty="0" smtClean="0"/>
-            </a:br>
-            <a:r>
-              <a:rPr lang="en-US" sz="1600" dirty="0" smtClean="0">
-                <a:solidFill>
-                  <a:schemeClr val="dk1"/>
-                </a:solidFill>
-              </a:rPr>
-              <a:t>&lt;/html&gt;</a:t>
-            </a:r>
-            <a:endParaRPr lang="en-US" sz="1600" dirty="0">
+              <a:rPr lang="en-US" sz="1400" dirty="0" smtClean="0">
+                <a:solidFill>
+                  <a:schemeClr val="tx1"/>
+                </a:solidFill>
+              </a:rPr>
+              <a:t>&lt;h1 style="background-</a:t>
+            </a:r>
+            <a:r>
+              <a:rPr lang="en-US" sz="1400" dirty="0" err="1" smtClean="0">
+                <a:solidFill>
+                  <a:schemeClr val="tx1"/>
+                </a:solidFill>
+              </a:rPr>
+              <a:t>color:DodgerBlue</a:t>
+            </a:r>
+            <a:r>
+              <a:rPr lang="en-US" sz="1400" dirty="0" smtClean="0">
+                <a:solidFill>
+                  <a:schemeClr val="tx1"/>
+                </a:solidFill>
+              </a:rPr>
+              <a:t>;"&gt;Hello World&lt;/h1&gt;</a:t>
+            </a:r>
+            <a:endParaRPr lang="en-US" sz="1400" dirty="0">
               <a:solidFill>
-                <a:schemeClr val="dk1"/>
+                <a:schemeClr val="tx1"/>
               </a:solidFill>
             </a:endParaRPr>
           </a:p>
@@ -9686,311 +12113,10 @@
       </p:sp>
       <p:sp>
         <p:nvSpPr>
-          <p:cNvPr id="14" name="Rectangle 13"/>
-          <p:cNvSpPr/>
-          <p:nvPr/>
-        </p:nvSpPr>
-        <p:spPr>
-          <a:xfrm>
-            <a:off x="462835" y="661929"/>
-            <a:ext cx="1362745" cy="507831"/>
-          </a:xfrm>
-          <a:prstGeom prst="rect">
-            <a:avLst/>
-          </a:prstGeom>
-        </p:spPr>
-        <p:txBody>
-          <a:bodyPr wrap="none">
-            <a:spAutoFit/>
-          </a:bodyPr>
-          <a:lstStyle/>
-          <a:p>
-            <a:pPr marL="285750" indent="-285750">
-              <a:lnSpc>
-                <a:spcPct val="150000"/>
-              </a:lnSpc>
-            </a:pPr>
-            <a:r>
-              <a:rPr lang="en-US" b="1" u="sng" dirty="0" err="1" smtClean="0"/>
-              <a:t>Intenal</a:t>
-            </a:r>
-            <a:r>
-              <a:rPr lang="en-US" b="1" u="sng" dirty="0" smtClean="0"/>
-              <a:t> CSS :</a:t>
-            </a:r>
-          </a:p>
-        </p:txBody>
-      </p:sp>
-    </p:spTree>
-    <p:extLst>
-      <p:ext uri="{BB962C8B-B14F-4D97-AF65-F5344CB8AC3E}">
-        <p14:creationId xmlns="" xmlns:p14="http://schemas.microsoft.com/office/powerpoint/2010/main" val="2848728424"/>
-      </p:ext>
-    </p:extLst>
-  </p:cSld>
-  <p:clrMapOvr>
-    <a:masterClrMapping/>
-  </p:clrMapOvr>
-  <p:timing>
-    <p:tnLst>
-      <p:par>
-        <p:cTn id="1" dur="indefinite" restart="never" nodeType="tmRoot"/>
-      </p:par>
-    </p:tnLst>
-  </p:timing>
-</p:sld>
-</file>
-
-<file path=ppt/slides/slide7.xml><?xml version="1.0" encoding="utf-8"?>
-<p:sld xmlns:a="http://schemas.openxmlformats.org/drawingml/2006/main" xmlns:r="http://schemas.openxmlformats.org/officeDocument/2006/relationships" xmlns:p="http://schemas.openxmlformats.org/presentationml/2006/main">
-  <p:cSld>
-    <p:spTree>
-      <p:nvGrpSpPr>
-        <p:cNvPr id="1" name=""/>
-        <p:cNvGrpSpPr/>
-        <p:nvPr/>
-      </p:nvGrpSpPr>
-      <p:grpSpPr>
-        <a:xfrm>
-          <a:off x="0" y="0"/>
-          <a:ext cx="0" cy="0"/>
-          <a:chOff x="0" y="0"/>
-          <a:chExt cx="0" cy="0"/>
-        </a:xfrm>
-      </p:grpSpPr>
-      <p:sp>
-        <p:nvSpPr>
-          <p:cNvPr id="4" name="Content Placeholder 13"/>
-          <p:cNvSpPr txBox="1">
-            <a:spLocks/>
-          </p:cNvSpPr>
-          <p:nvPr/>
-        </p:nvSpPr>
-        <p:spPr>
-          <a:xfrm>
-            <a:off x="321126" y="135993"/>
-            <a:ext cx="9791700" cy="630192"/>
-          </a:xfrm>
-          <a:prstGeom prst="rect">
-            <a:avLst/>
-          </a:prstGeom>
-        </p:spPr>
-        <p:txBody>
-          <a:bodyPr vert="horz" lIns="91440" tIns="45720" rIns="91440" bIns="45720" rtlCol="0">
-            <a:noAutofit/>
-          </a:bodyPr>
-          <a:lstStyle>
-            <a:lvl1pPr marL="0" indent="0" algn="ctr" defTabSz="914400" rtl="0" eaLnBrk="1" latinLnBrk="0" hangingPunct="1">
-              <a:lnSpc>
-                <a:spcPct val="90000"/>
-              </a:lnSpc>
-              <a:spcBef>
-                <a:spcPts val="1000"/>
-              </a:spcBef>
-              <a:buFont typeface="Arial" panose="020B0604020202020204" pitchFamily="34" charset="0"/>
-              <a:buNone/>
-              <a:defRPr kumimoji="1" sz="2400" kern="1200">
-                <a:solidFill>
-                  <a:schemeClr val="tx1"/>
-                </a:solidFill>
-                <a:latin typeface="+mn-lt"/>
-                <a:ea typeface="+mn-ea"/>
-                <a:cs typeface="+mn-cs"/>
-              </a:defRPr>
-            </a:lvl1pPr>
-            <a:lvl2pPr marL="457200" indent="0" algn="ctr" defTabSz="914400" rtl="0" eaLnBrk="1" latinLnBrk="0" hangingPunct="1">
-              <a:lnSpc>
-                <a:spcPct val="90000"/>
-              </a:lnSpc>
-              <a:spcBef>
-                <a:spcPts val="500"/>
-              </a:spcBef>
-              <a:buFont typeface="Arial" panose="020B0604020202020204" pitchFamily="34" charset="0"/>
-              <a:buNone/>
-              <a:defRPr kumimoji="1" sz="2000" kern="1200">
-                <a:solidFill>
-                  <a:schemeClr val="tx1"/>
-                </a:solidFill>
-                <a:latin typeface="+mn-lt"/>
-                <a:ea typeface="+mn-ea"/>
-                <a:cs typeface="+mn-cs"/>
-              </a:defRPr>
-            </a:lvl2pPr>
-            <a:lvl3pPr marL="914400" indent="0" algn="ctr" defTabSz="914400" rtl="0" eaLnBrk="1" latinLnBrk="0" hangingPunct="1">
-              <a:lnSpc>
-                <a:spcPct val="90000"/>
-              </a:lnSpc>
-              <a:spcBef>
-                <a:spcPts val="500"/>
-              </a:spcBef>
-              <a:buFont typeface="Arial" panose="020B0604020202020204" pitchFamily="34" charset="0"/>
-              <a:buNone/>
-              <a:defRPr kumimoji="1" sz="1800" kern="1200">
-                <a:solidFill>
-                  <a:schemeClr val="tx1"/>
-                </a:solidFill>
-                <a:latin typeface="+mn-lt"/>
-                <a:ea typeface="+mn-ea"/>
-                <a:cs typeface="+mn-cs"/>
-              </a:defRPr>
-            </a:lvl3pPr>
-            <a:lvl4pPr marL="1371600" indent="0" algn="ctr" defTabSz="914400" rtl="0" eaLnBrk="1" latinLnBrk="0" hangingPunct="1">
-              <a:lnSpc>
-                <a:spcPct val="90000"/>
-              </a:lnSpc>
-              <a:spcBef>
-                <a:spcPts val="500"/>
-              </a:spcBef>
-              <a:buFont typeface="Arial" panose="020B0604020202020204" pitchFamily="34" charset="0"/>
-              <a:buNone/>
-              <a:defRPr kumimoji="1" sz="1600" kern="1200">
-                <a:solidFill>
-                  <a:schemeClr val="tx1"/>
-                </a:solidFill>
-                <a:latin typeface="+mn-lt"/>
-                <a:ea typeface="+mn-ea"/>
-                <a:cs typeface="+mn-cs"/>
-              </a:defRPr>
-            </a:lvl4pPr>
-            <a:lvl5pPr marL="1828800" indent="0" algn="ctr" defTabSz="914400" rtl="0" eaLnBrk="1" latinLnBrk="0" hangingPunct="1">
-              <a:lnSpc>
-                <a:spcPct val="90000"/>
-              </a:lnSpc>
-              <a:spcBef>
-                <a:spcPts val="500"/>
-              </a:spcBef>
-              <a:buFont typeface="Arial" panose="020B0604020202020204" pitchFamily="34" charset="0"/>
-              <a:buNone/>
-              <a:defRPr kumimoji="1" sz="1600" kern="1200">
-                <a:solidFill>
-                  <a:schemeClr val="tx1"/>
-                </a:solidFill>
-                <a:latin typeface="+mn-lt"/>
-                <a:ea typeface="+mn-ea"/>
-                <a:cs typeface="+mn-cs"/>
-              </a:defRPr>
-            </a:lvl5pPr>
-            <a:lvl6pPr marL="2286000" indent="0" algn="ctr" defTabSz="914400" rtl="0" eaLnBrk="1" latinLnBrk="0" hangingPunct="1">
-              <a:lnSpc>
-                <a:spcPct val="90000"/>
-              </a:lnSpc>
-              <a:spcBef>
-                <a:spcPts val="500"/>
-              </a:spcBef>
-              <a:buFont typeface="Arial" panose="020B0604020202020204" pitchFamily="34" charset="0"/>
-              <a:buNone/>
-              <a:defRPr kumimoji="1" sz="1600" kern="1200">
-                <a:solidFill>
-                  <a:schemeClr val="tx1"/>
-                </a:solidFill>
-                <a:latin typeface="+mn-lt"/>
-                <a:ea typeface="+mn-ea"/>
-                <a:cs typeface="+mn-cs"/>
-              </a:defRPr>
-            </a:lvl6pPr>
-            <a:lvl7pPr marL="2743200" indent="0" algn="ctr" defTabSz="914400" rtl="0" eaLnBrk="1" latinLnBrk="0" hangingPunct="1">
-              <a:lnSpc>
-                <a:spcPct val="90000"/>
-              </a:lnSpc>
-              <a:spcBef>
-                <a:spcPts val="500"/>
-              </a:spcBef>
-              <a:buFont typeface="Arial" panose="020B0604020202020204" pitchFamily="34" charset="0"/>
-              <a:buNone/>
-              <a:defRPr kumimoji="1" sz="1600" kern="1200">
-                <a:solidFill>
-                  <a:schemeClr val="tx1"/>
-                </a:solidFill>
-                <a:latin typeface="+mn-lt"/>
-                <a:ea typeface="+mn-ea"/>
-                <a:cs typeface="+mn-cs"/>
-              </a:defRPr>
-            </a:lvl7pPr>
-            <a:lvl8pPr marL="3200400" indent="0" algn="ctr" defTabSz="914400" rtl="0" eaLnBrk="1" latinLnBrk="0" hangingPunct="1">
-              <a:lnSpc>
-                <a:spcPct val="90000"/>
-              </a:lnSpc>
-              <a:spcBef>
-                <a:spcPts val="500"/>
-              </a:spcBef>
-              <a:buFont typeface="Arial" panose="020B0604020202020204" pitchFamily="34" charset="0"/>
-              <a:buNone/>
-              <a:defRPr kumimoji="1" sz="1600" kern="1200">
-                <a:solidFill>
-                  <a:schemeClr val="tx1"/>
-                </a:solidFill>
-                <a:latin typeface="+mn-lt"/>
-                <a:ea typeface="+mn-ea"/>
-                <a:cs typeface="+mn-cs"/>
-              </a:defRPr>
-            </a:lvl8pPr>
-            <a:lvl9pPr marL="3657600" indent="0" algn="ctr" defTabSz="914400" rtl="0" eaLnBrk="1" latinLnBrk="0" hangingPunct="1">
-              <a:lnSpc>
-                <a:spcPct val="90000"/>
-              </a:lnSpc>
-              <a:spcBef>
-                <a:spcPts val="500"/>
-              </a:spcBef>
-              <a:buFont typeface="Arial" panose="020B0604020202020204" pitchFamily="34" charset="0"/>
-              <a:buNone/>
-              <a:defRPr kumimoji="1" sz="1600" kern="1200">
-                <a:solidFill>
-                  <a:schemeClr val="tx1"/>
-                </a:solidFill>
-                <a:latin typeface="+mn-lt"/>
-                <a:ea typeface="+mn-ea"/>
-                <a:cs typeface="+mn-cs"/>
-              </a:defRPr>
-            </a:lvl9pPr>
-          </a:lstStyle>
-          <a:p>
-            <a:pPr algn="l"/>
-            <a:r>
-              <a:rPr lang="en-US" sz="3600" b="1" dirty="0" smtClean="0">
-                <a:solidFill>
-                  <a:srgbClr val="0064B5"/>
-                </a:solidFill>
-              </a:rPr>
-              <a:t>Different Ways of Adding CSS</a:t>
-            </a:r>
-          </a:p>
-        </p:txBody>
-      </p:sp>
-      <p:sp>
-        <p:nvSpPr>
-          <p:cNvPr id="12" name="Rectangle 11"/>
-          <p:cNvSpPr/>
-          <p:nvPr/>
-        </p:nvSpPr>
-        <p:spPr>
-          <a:xfrm>
-            <a:off x="503207" y="1156273"/>
-            <a:ext cx="9693216" cy="584775"/>
-          </a:xfrm>
-          <a:prstGeom prst="rect">
-            <a:avLst/>
-          </a:prstGeom>
-        </p:spPr>
-        <p:txBody>
-          <a:bodyPr wrap="square">
-            <a:spAutoFit/>
-          </a:bodyPr>
-          <a:lstStyle/>
-          <a:p>
-            <a:r>
-              <a:rPr lang="en-US" sz="1600" dirty="0" smtClean="0"/>
-              <a:t>An inline style may be used to apply a unique style for a single element, to use inline styles, add the style attribute to the relevant element.</a:t>
-            </a:r>
-            <a:endParaRPr lang="en-US" sz="1600" dirty="0"/>
-          </a:p>
-        </p:txBody>
-      </p:sp>
-      <p:sp>
-        <p:nvSpPr>
-          <p:cNvPr id="13" name="Rectangle 12">
+          <p:cNvPr id="10" name="Rectangle 9">
             <a:extLst>
               <a:ext uri="{FF2B5EF4-FFF2-40B4-BE49-F238E27FC236}">
-                <a16:creationId xmlns="" xmlns:a16="http://schemas.microsoft.com/office/drawing/2014/main" id="{206016ED-72BE-418C-807D-52DC06FF490C}"/>
+                <a16:creationId xmlns:a16="http://schemas.microsoft.com/office/drawing/2014/main" xmlns="" id="{206016ED-72BE-418C-807D-52DC06FF490C}"/>
               </a:ext>
             </a:extLst>
           </p:cNvPr>
@@ -9999,8 +12125,8 @@
         </p:nvSpPr>
         <p:spPr>
           <a:xfrm>
-            <a:off x="569449" y="1777042"/>
-            <a:ext cx="10101426" cy="3347049"/>
+            <a:off x="1153167" y="2800713"/>
+            <a:ext cx="5023345" cy="439944"/>
           </a:xfrm>
           <a:prstGeom prst="rect">
             <a:avLst/>
@@ -10060,182 +12186,16 @@
           <a:lstStyle/>
           <a:p>
             <a:r>
-              <a:rPr lang="en-US" sz="1600" dirty="0" smtClean="0"/>
-              <a:t/>
-            </a:r>
-            <a:br>
-              <a:rPr lang="en-US" sz="1600" dirty="0" smtClean="0"/>
-            </a:br>
-            <a:r>
               <a:rPr lang="en-US" sz="1600" dirty="0" smtClean="0">
                 <a:solidFill>
-                  <a:schemeClr val="dk1"/>
-                </a:solidFill>
-              </a:rPr>
-              <a:t> &lt;!DOCTYPE html&gt;</a:t>
-            </a:r>
-            <a:br>
-              <a:rPr lang="en-US" sz="1600" dirty="0" smtClean="0">
-                <a:solidFill>
-                  <a:schemeClr val="dk1"/>
-                </a:solidFill>
-              </a:rPr>
-            </a:br>
-            <a:r>
-              <a:rPr lang="en-US" sz="1600" dirty="0" smtClean="0">
-                <a:solidFill>
-                  <a:schemeClr val="dk1"/>
-                </a:solidFill>
-              </a:rPr>
-              <a:t>&lt;html&gt;</a:t>
-            </a:r>
-            <a:br>
-              <a:rPr lang="en-US" sz="1600" dirty="0" smtClean="0">
-                <a:solidFill>
-                  <a:schemeClr val="dk1"/>
-                </a:solidFill>
-              </a:rPr>
-            </a:br>
-            <a:r>
-              <a:rPr lang="en-US" sz="1600" dirty="0" smtClean="0">
-                <a:solidFill>
-                  <a:schemeClr val="dk1"/>
-                </a:solidFill>
-              </a:rPr>
-              <a:t>&lt;body&gt;</a:t>
-            </a:r>
-            <a:br>
-              <a:rPr lang="en-US" sz="1600" dirty="0" smtClean="0">
-                <a:solidFill>
-                  <a:schemeClr val="dk1"/>
-                </a:solidFill>
-              </a:rPr>
-            </a:br>
-            <a:r>
-              <a:rPr lang="en-US" sz="1600" dirty="0" smtClean="0">
-                <a:solidFill>
-                  <a:schemeClr val="dk1"/>
-                </a:solidFill>
-              </a:rPr>
-              <a:t/>
-            </a:r>
-            <a:br>
-              <a:rPr lang="en-US" sz="1600" dirty="0" smtClean="0">
-                <a:solidFill>
-                  <a:schemeClr val="dk1"/>
-                </a:solidFill>
-              </a:rPr>
-            </a:br>
-            <a:r>
-              <a:rPr lang="en-US" sz="1600" dirty="0" smtClean="0">
-                <a:solidFill>
-                  <a:schemeClr val="dk1"/>
-                </a:solidFill>
-              </a:rPr>
-              <a:t>&lt;h1 style="</a:t>
-            </a:r>
-            <a:r>
-              <a:rPr lang="en-US" sz="1600" dirty="0" err="1" smtClean="0">
-                <a:solidFill>
-                  <a:schemeClr val="dk1"/>
-                </a:solidFill>
-              </a:rPr>
-              <a:t>color:blue;text-align:center</a:t>
-            </a:r>
-            <a:r>
-              <a:rPr lang="en-US" sz="1600" dirty="0" smtClean="0">
-                <a:solidFill>
-                  <a:schemeClr val="dk1"/>
-                </a:solidFill>
-              </a:rPr>
-              <a:t>;"&gt;This is a heading&lt;/h1&gt;</a:t>
-            </a:r>
-            <a:br>
-              <a:rPr lang="en-US" sz="1600" dirty="0" smtClean="0">
-                <a:solidFill>
-                  <a:schemeClr val="dk1"/>
-                </a:solidFill>
-              </a:rPr>
-            </a:br>
-            <a:r>
-              <a:rPr lang="en-US" sz="1600" dirty="0" smtClean="0">
-                <a:solidFill>
-                  <a:schemeClr val="dk1"/>
-                </a:solidFill>
-              </a:rPr>
-              <a:t>&lt;p style="</a:t>
-            </a:r>
-            <a:r>
-              <a:rPr lang="en-US" sz="1600" dirty="0" err="1" smtClean="0">
-                <a:solidFill>
-                  <a:schemeClr val="dk1"/>
-                </a:solidFill>
-              </a:rPr>
-              <a:t>color:red</a:t>
-            </a:r>
-            <a:r>
-              <a:rPr lang="en-US" sz="1600" dirty="0" smtClean="0">
-                <a:solidFill>
-                  <a:schemeClr val="dk1"/>
-                </a:solidFill>
-              </a:rPr>
-              <a:t>;"&gt;This is a paragraph.&lt;/p&gt;</a:t>
-            </a:r>
-            <a:br>
-              <a:rPr lang="en-US" sz="1600" dirty="0" smtClean="0">
-                <a:solidFill>
-                  <a:schemeClr val="dk1"/>
-                </a:solidFill>
-              </a:rPr>
-            </a:br>
-            <a:r>
-              <a:rPr lang="en-US" sz="1600" dirty="0" smtClean="0">
-                <a:solidFill>
-                  <a:schemeClr val="dk1"/>
-                </a:solidFill>
-              </a:rPr>
-              <a:t/>
-            </a:r>
-            <a:br>
-              <a:rPr lang="en-US" sz="1600" dirty="0" smtClean="0">
-                <a:solidFill>
-                  <a:schemeClr val="dk1"/>
-                </a:solidFill>
-              </a:rPr>
-            </a:br>
-            <a:r>
-              <a:rPr lang="en-US" sz="1600" dirty="0" smtClean="0">
-                <a:solidFill>
-                  <a:schemeClr val="dk1"/>
-                </a:solidFill>
-              </a:rPr>
-              <a:t>&lt;/body&gt;</a:t>
-            </a:r>
-            <a:br>
-              <a:rPr lang="en-US" sz="1600" dirty="0" smtClean="0">
-                <a:solidFill>
-                  <a:schemeClr val="dk1"/>
-                </a:solidFill>
-              </a:rPr>
-            </a:br>
-            <a:r>
-              <a:rPr lang="en-US" sz="1600" dirty="0" smtClean="0">
-                <a:solidFill>
-                  <a:schemeClr val="dk1"/>
-                </a:solidFill>
-              </a:rPr>
-              <a:t>&lt;/html&gt; </a:t>
-            </a:r>
-            <a:r>
-              <a:rPr lang="en-US" sz="1600" dirty="0" smtClean="0"/>
-              <a:t/>
-            </a:r>
-            <a:br>
-              <a:rPr lang="en-US" sz="1600" dirty="0" smtClean="0"/>
-            </a:br>
+                  <a:schemeClr val="tx1"/>
+                </a:solidFill>
+              </a:rPr>
+              <a:t>&lt;h1 style="border:2px solid Tomato;"&gt;Hello World&lt;/h1&gt;</a:t>
+            </a:r>
             <a:endParaRPr lang="en-US" sz="1600" dirty="0">
               <a:solidFill>
-                <a:schemeClr val="dk1"/>
+                <a:schemeClr val="tx1"/>
               </a:solidFill>
             </a:endParaRPr>
           </a:p>
@@ -10243,41 +12203,144 @@
       </p:sp>
       <p:sp>
         <p:nvSpPr>
-          <p:cNvPr id="14" name="Rectangle 13"/>
+          <p:cNvPr id="11" name="Rectangle 10">
+            <a:extLst>
+              <a:ext uri="{FF2B5EF4-FFF2-40B4-BE49-F238E27FC236}">
+                <a16:creationId xmlns:a16="http://schemas.microsoft.com/office/drawing/2014/main" xmlns="" id="{206016ED-72BE-418C-807D-52DC06FF490C}"/>
+              </a:ext>
+            </a:extLst>
+          </p:cNvPr>
           <p:cNvSpPr/>
           <p:nvPr/>
         </p:nvSpPr>
         <p:spPr>
           <a:xfrm>
-            <a:off x="462835" y="661929"/>
-            <a:ext cx="1229824" cy="464871"/>
+            <a:off x="1127288" y="5213229"/>
+            <a:ext cx="5046350" cy="1040922"/>
           </a:xfrm>
           <a:prstGeom prst="rect">
             <a:avLst/>
           </a:prstGeom>
+          <a:gradFill flip="none" rotWithShape="1">
+            <a:gsLst>
+              <a:gs pos="0">
+                <a:schemeClr val="bg2"/>
+              </a:gs>
+              <a:gs pos="50000">
+                <a:schemeClr val="accent3">
+                  <a:lumMod val="20000"/>
+                  <a:lumOff val="80000"/>
+                  <a:shade val="67500"/>
+                  <a:satMod val="115000"/>
+                </a:schemeClr>
+              </a:gs>
+              <a:gs pos="100000">
+                <a:schemeClr val="accent3">
+                  <a:lumMod val="20000"/>
+                  <a:lumOff val="80000"/>
+                  <a:shade val="100000"/>
+                  <a:satMod val="115000"/>
+                </a:schemeClr>
+              </a:gs>
+            </a:gsLst>
+            <a:lin ang="6600000" scaled="0"/>
+            <a:tileRect/>
+          </a:gradFill>
+          <a:ln>
+            <a:solidFill>
+              <a:schemeClr val="tx1">
+                <a:lumMod val="50000"/>
+                <a:lumOff val="50000"/>
+              </a:schemeClr>
+            </a:solidFill>
+          </a:ln>
         </p:spPr>
-        <p:txBody>
-          <a:bodyPr wrap="none">
-            <a:spAutoFit/>
-          </a:bodyPr>
-          <a:lstStyle/>
-          <a:p>
-            <a:pPr marL="285750" indent="-285750">
-              <a:lnSpc>
-                <a:spcPct val="150000"/>
-              </a:lnSpc>
-            </a:pPr>
-            <a:r>
-              <a:rPr lang="en-US" b="1" u="sng" dirty="0" smtClean="0"/>
-              <a:t>Inline CSS :</a:t>
-            </a:r>
+        <p:style>
+          <a:lnRef idx="2">
+            <a:schemeClr val="accent1">
+              <a:shade val="50000"/>
+            </a:schemeClr>
+          </a:lnRef>
+          <a:fillRef idx="1">
+            <a:schemeClr val="accent1"/>
+          </a:fillRef>
+          <a:effectRef idx="0">
+            <a:schemeClr val="accent1"/>
+          </a:effectRef>
+          <a:fontRef idx="minor">
+            <a:schemeClr val="lt1"/>
+          </a:fontRef>
+        </p:style>
+        <p:txBody>
+          <a:bodyPr rtlCol="0" anchor="ctr"/>
+          <a:lstStyle/>
+          <a:p>
+            <a:r>
+              <a:rPr lang="en-US" sz="1400" dirty="0" smtClean="0">
+                <a:solidFill>
+                  <a:schemeClr val="tx1"/>
+                </a:solidFill>
+              </a:rPr>
+              <a:t>Tomato</a:t>
+            </a:r>
+          </a:p>
+          <a:p>
+            <a:r>
+              <a:rPr lang="en-US" sz="1400" dirty="0" err="1" smtClean="0">
+                <a:solidFill>
+                  <a:schemeClr val="tx1"/>
+                </a:solidFill>
+              </a:rPr>
+              <a:t>rgb</a:t>
+            </a:r>
+            <a:r>
+              <a:rPr lang="en-US" sz="1400" dirty="0" smtClean="0">
+                <a:solidFill>
+                  <a:schemeClr val="tx1"/>
+                </a:solidFill>
+              </a:rPr>
+              <a:t>(255, 99, 71)</a:t>
+            </a:r>
+          </a:p>
+          <a:p>
+            <a:r>
+              <a:rPr lang="en-US" sz="1400" dirty="0" smtClean="0">
+                <a:solidFill>
+                  <a:schemeClr val="tx1"/>
+                </a:solidFill>
+              </a:rPr>
+              <a:t>#ff6347</a:t>
+            </a:r>
+          </a:p>
+          <a:p>
+            <a:r>
+              <a:rPr lang="en-US" sz="1400" dirty="0" err="1" smtClean="0">
+                <a:solidFill>
+                  <a:schemeClr val="tx1"/>
+                </a:solidFill>
+              </a:rPr>
+              <a:t>hsl</a:t>
+            </a:r>
+            <a:r>
+              <a:rPr lang="en-US" sz="1400" dirty="0" smtClean="0">
+                <a:solidFill>
+                  <a:schemeClr val="tx1"/>
+                </a:solidFill>
+              </a:rPr>
+              <a:t>(9, 100%, 64%)</a:t>
+            </a:r>
+            <a:endParaRPr lang="en-US" sz="1400" dirty="0">
+              <a:solidFill>
+                <a:schemeClr val="tx1"/>
+              </a:solidFill>
+            </a:endParaRPr>
           </a:p>
         </p:txBody>
       </p:sp>
     </p:spTree>
     <p:extLst>
       <p:ext uri="{BB962C8B-B14F-4D97-AF65-F5344CB8AC3E}">
-        <p14:creationId xmlns="" xmlns:p14="http://schemas.microsoft.com/office/powerpoint/2010/main" val="2848728424"/>
+        <p14:creationId xmlns:p14="http://schemas.microsoft.com/office/powerpoint/2010/main" xmlns="" val="2848728424"/>
       </p:ext>
     </p:extLst>
   </p:cSld>
@@ -10328,7 +12391,7 @@
           <a:p>
             <a:r>
               <a:rPr lang="en-US" dirty="0" smtClean="0"/>
-              <a:t>CSS Order</a:t>
+              <a:t>Font-size</a:t>
             </a:r>
             <a:endParaRPr lang="en-US" dirty="0"/>
           </a:p>
@@ -10336,7 +12399,7 @@
       </p:sp>
       <p:pic>
         <p:nvPicPr>
-          <p:cNvPr id="1026" name="Picture 2"/>
+          <p:cNvPr id="10242" name="Picture 2"/>
           <p:cNvPicPr>
             <a:picLocks noGrp="1" noChangeAspect="1" noChangeArrowheads="1"/>
           </p:cNvPicPr>
@@ -10353,8 +12416,8 @@
         </p:blipFill>
         <p:spPr bwMode="auto">
           <a:xfrm>
-            <a:off x="2745063" y="1825625"/>
-            <a:ext cx="6701874" cy="4351338"/>
+            <a:off x="2786596" y="1825625"/>
+            <a:ext cx="6618807" cy="4351338"/>
           </a:xfrm>
           <a:prstGeom prst="rect">
             <a:avLst/>
@@ -10411,7 +12474,7 @@
           <a:p>
             <a:r>
               <a:rPr lang="en-US" dirty="0" smtClean="0"/>
-              <a:t>Question</a:t>
+              <a:t>CSS Unit</a:t>
             </a:r>
             <a:endParaRPr lang="en-US" dirty="0"/>
           </a:p>
@@ -10419,7 +12482,7 @@
       </p:sp>
       <p:pic>
         <p:nvPicPr>
-          <p:cNvPr id="1026" name="Picture 2"/>
+          <p:cNvPr id="3074" name="Picture 2"/>
           <p:cNvPicPr>
             <a:picLocks noGrp="1" noChangeAspect="1" noChangeArrowheads="1"/>
           </p:cNvPicPr>
@@ -10436,8 +12499,41 @@
         </p:blipFill>
         <p:spPr bwMode="auto">
           <a:xfrm>
-            <a:off x="1347242" y="1876947"/>
-            <a:ext cx="6085524" cy="3596390"/>
+            <a:off x="804725" y="1641951"/>
+            <a:ext cx="10455457" cy="1609725"/>
+          </a:xfrm>
+          <a:prstGeom prst="rect">
+            <a:avLst/>
+          </a:prstGeom>
+          <a:noFill/>
+          <a:ln w="9525">
+            <a:noFill/>
+            <a:miter lim="800000"/>
+            <a:headEnd/>
+            <a:tailEnd/>
+          </a:ln>
+          <a:effectLst/>
+        </p:spPr>
+      </p:pic>
+      <p:pic>
+        <p:nvPicPr>
+          <p:cNvPr id="3076" name="Picture 4"/>
+          <p:cNvPicPr>
+            <a:picLocks noChangeAspect="1" noChangeArrowheads="1"/>
+          </p:cNvPicPr>
+          <p:nvPr/>
+        </p:nvPicPr>
+        <p:blipFill>
+          <a:blip r:embed="rId3"/>
+          <a:srcRect/>
+          <a:stretch>
+            <a:fillRect/>
+          </a:stretch>
+        </p:blipFill>
+        <p:spPr bwMode="auto">
+          <a:xfrm>
+            <a:off x="1768112" y="3365863"/>
+            <a:ext cx="7715250" cy="1624148"/>
           </a:xfrm>
           <a:prstGeom prst="rect">
             <a:avLst/>
@@ -10715,7 +12811,7 @@
   <a:extraClrSchemeLst/>
   <a:extLst>
     <a:ext uri="{05A4C25C-085E-4340-85A3-A5531E510DB2}">
-      <thm15:themeFamily xmlns="" xmlns:thm15="http://schemas.microsoft.com/office/thememl/2012/main" name="Office Theme" id="{62F939B6-93AF-4DB8-9C6B-D6C7DFDC589F}" vid="{4A3C46E8-61CC-4603-A589-7422A47A8E4A}"/>
+      <thm15:themeFamily xmlns:thm15="http://schemas.microsoft.com/office/thememl/2012/main" xmlns="" name="Office Theme" id="{62F939B6-93AF-4DB8-9C6B-D6C7DFDC589F}" vid="{4A3C46E8-61CC-4603-A589-7422A47A8E4A}"/>
     </a:ext>
   </a:extLst>
 </a:theme>
